--- a/Bonn BOuf (1).pptx
+++ b/Bonn BOuf (1).pptx
@@ -1,29 +1,29 @@
 
 <file path=ppt/presentation.xml><?xml version="1.0" encoding="utf-8"?>
-<p:presentation xmlns:a="http://schemas.openxmlformats.org/drawingml/2006/main" xmlns:r="http://schemas.openxmlformats.org/officeDocument/2006/relationships" xmlns:p="http://schemas.openxmlformats.org/presentationml/2006/main" saveSubsetFonts="1" embedTrueTypeFonts="true">
+<p:presentation xmlns:a="http://schemas.openxmlformats.org/drawingml/2006/main" xmlns:r="http://schemas.openxmlformats.org/officeDocument/2006/relationships" xmlns:p="http://schemas.openxmlformats.org/presentationml/2006/main" embedTrueTypeFonts="1" saveSubsetFonts="1">
   <p:sldMasterIdLst>
     <p:sldMasterId id="2147483648" r:id="rId1"/>
   </p:sldMasterIdLst>
   <p:sldIdLst>
-    <p:sldId id="256" r:id="rId6"/>
-    <p:sldId id="257" r:id="rId7"/>
-    <p:sldId id="258" r:id="rId8"/>
-    <p:sldId id="259" r:id="rId9"/>
-    <p:sldId id="260" r:id="rId10"/>
-    <p:sldId id="261" r:id="rId11"/>
-    <p:sldId id="262" r:id="rId12"/>
-    <p:sldId id="263" r:id="rId13"/>
+    <p:sldId id="256" r:id="rId2"/>
+    <p:sldId id="257" r:id="rId3"/>
+    <p:sldId id="258" r:id="rId4"/>
+    <p:sldId id="259" r:id="rId5"/>
+    <p:sldId id="260" r:id="rId6"/>
+    <p:sldId id="261" r:id="rId7"/>
+    <p:sldId id="262" r:id="rId8"/>
+    <p:sldId id="263" r:id="rId9"/>
   </p:sldIdLst>
   <p:sldSz cx="18288000" cy="10287000"/>
   <p:notesSz cx="6858000" cy="9144000"/>
   <p:embeddedFontLst>
     <p:embeddedFont>
-      <p:font typeface="Balabeloo" charset="1" panose="00000500000000000000"/>
-      <p:regular r:id="rId14"/>
+      <p:font typeface="Balabeloo" panose="020B0604020202020204" charset="-78"/>
+      <p:regular r:id="rId10"/>
     </p:embeddedFont>
     <p:embeddedFont>
-      <p:font typeface="Jet" charset="1" panose="02060603050605020204"/>
-      <p:regular r:id="rId15"/>
+      <p:font typeface="Jet" panose="020B0604020202020204" charset="-78"/>
+      <p:regular r:id="rId11"/>
     </p:embeddedFont>
   </p:embeddedFontLst>
   <p:defaultTextStyle>
@@ -121,6 +121,22 @@
       </a:defRPr>
     </a:lvl9pPr>
   </p:defaultTextStyle>
+  <p:extLst>
+    <p:ext uri="{EFAFB233-063F-42B5-8137-9DF3F51BA10A}">
+      <p15:sldGuideLst xmlns:p15="http://schemas.microsoft.com/office/powerpoint/2012/main">
+        <p15:guide id="1" orient="horz" pos="2160">
+          <p15:clr>
+            <a:srgbClr val="A4A3A4"/>
+          </p15:clr>
+        </p15:guide>
+        <p15:guide id="2" pos="2880">
+          <p15:clr>
+            <a:srgbClr val="A4A3A4"/>
+          </p15:clr>
+        </p15:guide>
+      </p15:sldGuideLst>
+    </p:ext>
+  </p:extLst>
 </p:presentation>
 </file>
 
@@ -162,10 +178,9 @@
           <a:lstStyle/>
           <a:p>
             <a:r>
-              <a:rPr lang="en-US" smtClean="0"/>
+              <a:rPr lang="en-US"/>
               <a:t>Click to edit Master title style</a:t>
             </a:r>
-            <a:endParaRPr lang="en-US"/>
           </a:p>
         </p:txBody>
       </p:sp>
@@ -281,10 +296,9 @@
           </a:lstStyle>
           <a:p>
             <a:r>
-              <a:rPr lang="en-US" smtClean="0"/>
+              <a:rPr lang="en-US"/>
               <a:t>Click to edit Master subtitle style</a:t>
             </a:r>
-            <a:endParaRPr lang="en-US"/>
           </a:p>
         </p:txBody>
       </p:sp>
@@ -306,7 +320,7 @@
             <a:fld id="{1D8BD707-D9CF-40AE-B4C6-C98DA3205C09}" type="datetimeFigureOut">
               <a:rPr lang="en-US" smtClean="0"/>
               <a:pPr/>
-              <a:t>8/1/2011</a:t>
+              <a:t>11/20/2025</a:t>
             </a:fld>
             <a:endParaRPr lang="en-US"/>
           </a:p>
@@ -349,7 +363,7 @@
             <a:fld id="{B6F15528-21DE-4FAA-801E-634DDDAF4B2B}" type="slidenum">
               <a:rPr lang="en-US" smtClean="0"/>
               <a:pPr/>
-              <a:t>‹#›</a:t>
+              <a:t>‹N°›</a:t>
             </a:fld>
             <a:endParaRPr lang="en-US"/>
           </a:p>
@@ -396,10 +410,9 @@
           <a:lstStyle/>
           <a:p>
             <a:r>
-              <a:rPr lang="en-US" smtClean="0"/>
+              <a:rPr lang="en-US"/>
               <a:t>Click to edit Master title style</a:t>
             </a:r>
-            <a:endParaRPr lang="en-US"/>
           </a:p>
         </p:txBody>
       </p:sp>
@@ -420,38 +433,37 @@
           <a:p>
             <a:pPr lvl="0"/>
             <a:r>
-              <a:rPr lang="en-US" smtClean="0"/>
+              <a:rPr lang="en-US"/>
               <a:t>Click to edit Master text styles</a:t>
             </a:r>
           </a:p>
           <a:p>
             <a:pPr lvl="1"/>
             <a:r>
-              <a:rPr lang="en-US" smtClean="0"/>
+              <a:rPr lang="en-US"/>
               <a:t>Second level</a:t>
             </a:r>
           </a:p>
           <a:p>
             <a:pPr lvl="2"/>
             <a:r>
-              <a:rPr lang="en-US" smtClean="0"/>
+              <a:rPr lang="en-US"/>
               <a:t>Third level</a:t>
             </a:r>
           </a:p>
           <a:p>
             <a:pPr lvl="3"/>
             <a:r>
-              <a:rPr lang="en-US" smtClean="0"/>
+              <a:rPr lang="en-US"/>
               <a:t>Fourth level</a:t>
             </a:r>
           </a:p>
           <a:p>
             <a:pPr lvl="4"/>
             <a:r>
-              <a:rPr lang="en-US" smtClean="0"/>
+              <a:rPr lang="en-US"/>
               <a:t>Fifth level</a:t>
             </a:r>
-            <a:endParaRPr lang="en-US"/>
           </a:p>
         </p:txBody>
       </p:sp>
@@ -473,7 +485,7 @@
             <a:fld id="{1D8BD707-D9CF-40AE-B4C6-C98DA3205C09}" type="datetimeFigureOut">
               <a:rPr lang="en-US" smtClean="0"/>
               <a:pPr/>
-              <a:t>8/1/2011</a:t>
+              <a:t>11/20/2025</a:t>
             </a:fld>
             <a:endParaRPr lang="en-US"/>
           </a:p>
@@ -516,7 +528,7 @@
             <a:fld id="{B6F15528-21DE-4FAA-801E-634DDDAF4B2B}" type="slidenum">
               <a:rPr lang="en-US" smtClean="0"/>
               <a:pPr/>
-              <a:t>‹#›</a:t>
+              <a:t>‹N°›</a:t>
             </a:fld>
             <a:endParaRPr lang="en-US"/>
           </a:p>
@@ -568,10 +580,9 @@
           <a:lstStyle/>
           <a:p>
             <a:r>
-              <a:rPr lang="en-US" smtClean="0"/>
+              <a:rPr lang="en-US"/>
               <a:t>Click to edit Master title style</a:t>
             </a:r>
-            <a:endParaRPr lang="en-US"/>
           </a:p>
         </p:txBody>
       </p:sp>
@@ -597,38 +608,37 @@
           <a:p>
             <a:pPr lvl="0"/>
             <a:r>
-              <a:rPr lang="en-US" smtClean="0"/>
+              <a:rPr lang="en-US"/>
               <a:t>Click to edit Master text styles</a:t>
             </a:r>
           </a:p>
           <a:p>
             <a:pPr lvl="1"/>
             <a:r>
-              <a:rPr lang="en-US" smtClean="0"/>
+              <a:rPr lang="en-US"/>
               <a:t>Second level</a:t>
             </a:r>
           </a:p>
           <a:p>
             <a:pPr lvl="2"/>
             <a:r>
-              <a:rPr lang="en-US" smtClean="0"/>
+              <a:rPr lang="en-US"/>
               <a:t>Third level</a:t>
             </a:r>
           </a:p>
           <a:p>
             <a:pPr lvl="3"/>
             <a:r>
-              <a:rPr lang="en-US" smtClean="0"/>
+              <a:rPr lang="en-US"/>
               <a:t>Fourth level</a:t>
             </a:r>
           </a:p>
           <a:p>
             <a:pPr lvl="4"/>
             <a:r>
-              <a:rPr lang="en-US" smtClean="0"/>
+              <a:rPr lang="en-US"/>
               <a:t>Fifth level</a:t>
             </a:r>
-            <a:endParaRPr lang="en-US"/>
           </a:p>
         </p:txBody>
       </p:sp>
@@ -650,7 +660,7 @@
             <a:fld id="{1D8BD707-D9CF-40AE-B4C6-C98DA3205C09}" type="datetimeFigureOut">
               <a:rPr lang="en-US" smtClean="0"/>
               <a:pPr/>
-              <a:t>8/1/2011</a:t>
+              <a:t>11/20/2025</a:t>
             </a:fld>
             <a:endParaRPr lang="en-US"/>
           </a:p>
@@ -693,7 +703,7 @@
             <a:fld id="{B6F15528-21DE-4FAA-801E-634DDDAF4B2B}" type="slidenum">
               <a:rPr lang="en-US" smtClean="0"/>
               <a:pPr/>
-              <a:t>‹#›</a:t>
+              <a:t>‹N°›</a:t>
             </a:fld>
             <a:endParaRPr lang="en-US"/>
           </a:p>
@@ -740,10 +750,9 @@
           <a:lstStyle/>
           <a:p>
             <a:r>
-              <a:rPr lang="en-US" smtClean="0"/>
+              <a:rPr lang="en-US"/>
               <a:t>Click to edit Master title style</a:t>
             </a:r>
-            <a:endParaRPr lang="en-US"/>
           </a:p>
         </p:txBody>
       </p:sp>
@@ -764,38 +773,37 @@
           <a:p>
             <a:pPr lvl="0"/>
             <a:r>
-              <a:rPr lang="en-US" smtClean="0"/>
+              <a:rPr lang="en-US"/>
               <a:t>Click to edit Master text styles</a:t>
             </a:r>
           </a:p>
           <a:p>
             <a:pPr lvl="1"/>
             <a:r>
-              <a:rPr lang="en-US" smtClean="0"/>
+              <a:rPr lang="en-US"/>
               <a:t>Second level</a:t>
             </a:r>
           </a:p>
           <a:p>
             <a:pPr lvl="2"/>
             <a:r>
-              <a:rPr lang="en-US" smtClean="0"/>
+              <a:rPr lang="en-US"/>
               <a:t>Third level</a:t>
             </a:r>
           </a:p>
           <a:p>
             <a:pPr lvl="3"/>
             <a:r>
-              <a:rPr lang="en-US" smtClean="0"/>
+              <a:rPr lang="en-US"/>
               <a:t>Fourth level</a:t>
             </a:r>
           </a:p>
           <a:p>
             <a:pPr lvl="4"/>
             <a:r>
-              <a:rPr lang="en-US" smtClean="0"/>
+              <a:rPr lang="en-US"/>
               <a:t>Fifth level</a:t>
             </a:r>
-            <a:endParaRPr lang="en-US"/>
           </a:p>
         </p:txBody>
       </p:sp>
@@ -817,7 +825,7 @@
             <a:fld id="{1D8BD707-D9CF-40AE-B4C6-C98DA3205C09}" type="datetimeFigureOut">
               <a:rPr lang="en-US" smtClean="0"/>
               <a:pPr/>
-              <a:t>8/1/2011</a:t>
+              <a:t>11/20/2025</a:t>
             </a:fld>
             <a:endParaRPr lang="en-US"/>
           </a:p>
@@ -860,7 +868,7 @@
             <a:fld id="{B6F15528-21DE-4FAA-801E-634DDDAF4B2B}" type="slidenum">
               <a:rPr lang="en-US" smtClean="0"/>
               <a:pPr/>
-              <a:t>‹#›</a:t>
+              <a:t>‹N°›</a:t>
             </a:fld>
             <a:endParaRPr lang="en-US"/>
           </a:p>
@@ -916,10 +924,9 @@
           </a:lstStyle>
           <a:p>
             <a:r>
-              <a:rPr lang="en-US" smtClean="0"/>
+              <a:rPr lang="en-US"/>
               <a:t>Click to edit Master title style</a:t>
             </a:r>
-            <a:endParaRPr lang="en-US"/>
           </a:p>
         </p:txBody>
       </p:sp>
@@ -1036,7 +1043,7 @@
           <a:p>
             <a:pPr lvl="0"/>
             <a:r>
-              <a:rPr lang="en-US" smtClean="0"/>
+              <a:rPr lang="en-US"/>
               <a:t>Click to edit Master text styles</a:t>
             </a:r>
           </a:p>
@@ -1060,7 +1067,7 @@
             <a:fld id="{1D8BD707-D9CF-40AE-B4C6-C98DA3205C09}" type="datetimeFigureOut">
               <a:rPr lang="en-US" smtClean="0"/>
               <a:pPr/>
-              <a:t>8/1/2011</a:t>
+              <a:t>11/20/2025</a:t>
             </a:fld>
             <a:endParaRPr lang="en-US"/>
           </a:p>
@@ -1103,7 +1110,7 @@
             <a:fld id="{B6F15528-21DE-4FAA-801E-634DDDAF4B2B}" type="slidenum">
               <a:rPr lang="en-US" smtClean="0"/>
               <a:pPr/>
-              <a:t>‹#›</a:t>
+              <a:t>‹N°›</a:t>
             </a:fld>
             <a:endParaRPr lang="en-US"/>
           </a:p>
@@ -1150,10 +1157,9 @@
           <a:lstStyle/>
           <a:p>
             <a:r>
-              <a:rPr lang="en-US" smtClean="0"/>
+              <a:rPr lang="en-US"/>
               <a:t>Click to edit Master title style</a:t>
             </a:r>
-            <a:endParaRPr lang="en-US"/>
           </a:p>
         </p:txBody>
       </p:sp>
@@ -1207,38 +1213,37 @@
           <a:p>
             <a:pPr lvl="0"/>
             <a:r>
-              <a:rPr lang="en-US" smtClean="0"/>
+              <a:rPr lang="en-US"/>
               <a:t>Click to edit Master text styles</a:t>
             </a:r>
           </a:p>
           <a:p>
             <a:pPr lvl="1"/>
             <a:r>
-              <a:rPr lang="en-US" smtClean="0"/>
+              <a:rPr lang="en-US"/>
               <a:t>Second level</a:t>
             </a:r>
           </a:p>
           <a:p>
             <a:pPr lvl="2"/>
             <a:r>
-              <a:rPr lang="en-US" smtClean="0"/>
+              <a:rPr lang="en-US"/>
               <a:t>Third level</a:t>
             </a:r>
           </a:p>
           <a:p>
             <a:pPr lvl="3"/>
             <a:r>
-              <a:rPr lang="en-US" smtClean="0"/>
+              <a:rPr lang="en-US"/>
               <a:t>Fourth level</a:t>
             </a:r>
           </a:p>
           <a:p>
             <a:pPr lvl="4"/>
             <a:r>
-              <a:rPr lang="en-US" smtClean="0"/>
+              <a:rPr lang="en-US"/>
               <a:t>Fifth level</a:t>
             </a:r>
-            <a:endParaRPr lang="en-US"/>
           </a:p>
         </p:txBody>
       </p:sp>
@@ -1292,38 +1297,37 @@
           <a:p>
             <a:pPr lvl="0"/>
             <a:r>
-              <a:rPr lang="en-US" smtClean="0"/>
+              <a:rPr lang="en-US"/>
               <a:t>Click to edit Master text styles</a:t>
             </a:r>
           </a:p>
           <a:p>
             <a:pPr lvl="1"/>
             <a:r>
-              <a:rPr lang="en-US" smtClean="0"/>
+              <a:rPr lang="en-US"/>
               <a:t>Second level</a:t>
             </a:r>
           </a:p>
           <a:p>
             <a:pPr lvl="2"/>
             <a:r>
-              <a:rPr lang="en-US" smtClean="0"/>
+              <a:rPr lang="en-US"/>
               <a:t>Third level</a:t>
             </a:r>
           </a:p>
           <a:p>
             <a:pPr lvl="3"/>
             <a:r>
-              <a:rPr lang="en-US" smtClean="0"/>
+              <a:rPr lang="en-US"/>
               <a:t>Fourth level</a:t>
             </a:r>
           </a:p>
           <a:p>
             <a:pPr lvl="4"/>
             <a:r>
-              <a:rPr lang="en-US" smtClean="0"/>
+              <a:rPr lang="en-US"/>
               <a:t>Fifth level</a:t>
             </a:r>
-            <a:endParaRPr lang="en-US"/>
           </a:p>
         </p:txBody>
       </p:sp>
@@ -1345,7 +1349,7 @@
             <a:fld id="{1D8BD707-D9CF-40AE-B4C6-C98DA3205C09}" type="datetimeFigureOut">
               <a:rPr lang="en-US" smtClean="0"/>
               <a:pPr/>
-              <a:t>8/1/2011</a:t>
+              <a:t>11/20/2025</a:t>
             </a:fld>
             <a:endParaRPr lang="en-US"/>
           </a:p>
@@ -1388,7 +1392,7 @@
             <a:fld id="{B6F15528-21DE-4FAA-801E-634DDDAF4B2B}" type="slidenum">
               <a:rPr lang="en-US" smtClean="0"/>
               <a:pPr/>
-              <a:t>‹#›</a:t>
+              <a:t>‹N°›</a:t>
             </a:fld>
             <a:endParaRPr lang="en-US"/>
           </a:p>
@@ -1439,10 +1443,9 @@
           </a:lstStyle>
           <a:p>
             <a:r>
-              <a:rPr lang="en-US" smtClean="0"/>
+              <a:rPr lang="en-US"/>
               <a:t>Click to edit Master title style</a:t>
             </a:r>
-            <a:endParaRPr lang="en-US"/>
           </a:p>
         </p:txBody>
       </p:sp>
@@ -1505,7 +1508,7 @@
           <a:p>
             <a:pPr lvl="0"/>
             <a:r>
-              <a:rPr lang="en-US" smtClean="0"/>
+              <a:rPr lang="en-US"/>
               <a:t>Click to edit Master text styles</a:t>
             </a:r>
           </a:p>
@@ -1561,38 +1564,37 @@
           <a:p>
             <a:pPr lvl="0"/>
             <a:r>
-              <a:rPr lang="en-US" smtClean="0"/>
+              <a:rPr lang="en-US"/>
               <a:t>Click to edit Master text styles</a:t>
             </a:r>
           </a:p>
           <a:p>
             <a:pPr lvl="1"/>
             <a:r>
-              <a:rPr lang="en-US" smtClean="0"/>
+              <a:rPr lang="en-US"/>
               <a:t>Second level</a:t>
             </a:r>
           </a:p>
           <a:p>
             <a:pPr lvl="2"/>
             <a:r>
-              <a:rPr lang="en-US" smtClean="0"/>
+              <a:rPr lang="en-US"/>
               <a:t>Third level</a:t>
             </a:r>
           </a:p>
           <a:p>
             <a:pPr lvl="3"/>
             <a:r>
-              <a:rPr lang="en-US" smtClean="0"/>
+              <a:rPr lang="en-US"/>
               <a:t>Fourth level</a:t>
             </a:r>
           </a:p>
           <a:p>
             <a:pPr lvl="4"/>
             <a:r>
-              <a:rPr lang="en-US" smtClean="0"/>
+              <a:rPr lang="en-US"/>
               <a:t>Fifth level</a:t>
             </a:r>
-            <a:endParaRPr lang="en-US"/>
           </a:p>
         </p:txBody>
       </p:sp>
@@ -1655,7 +1657,7 @@
           <a:p>
             <a:pPr lvl="0"/>
             <a:r>
-              <a:rPr lang="en-US" smtClean="0"/>
+              <a:rPr lang="en-US"/>
               <a:t>Click to edit Master text styles</a:t>
             </a:r>
           </a:p>
@@ -1711,38 +1713,37 @@
           <a:p>
             <a:pPr lvl="0"/>
             <a:r>
-              <a:rPr lang="en-US" smtClean="0"/>
+              <a:rPr lang="en-US"/>
               <a:t>Click to edit Master text styles</a:t>
             </a:r>
           </a:p>
           <a:p>
             <a:pPr lvl="1"/>
             <a:r>
-              <a:rPr lang="en-US" smtClean="0"/>
+              <a:rPr lang="en-US"/>
               <a:t>Second level</a:t>
             </a:r>
           </a:p>
           <a:p>
             <a:pPr lvl="2"/>
             <a:r>
-              <a:rPr lang="en-US" smtClean="0"/>
+              <a:rPr lang="en-US"/>
               <a:t>Third level</a:t>
             </a:r>
           </a:p>
           <a:p>
             <a:pPr lvl="3"/>
             <a:r>
-              <a:rPr lang="en-US" smtClean="0"/>
+              <a:rPr lang="en-US"/>
               <a:t>Fourth level</a:t>
             </a:r>
           </a:p>
           <a:p>
             <a:pPr lvl="4"/>
             <a:r>
-              <a:rPr lang="en-US" smtClean="0"/>
+              <a:rPr lang="en-US"/>
               <a:t>Fifth level</a:t>
             </a:r>
-            <a:endParaRPr lang="en-US"/>
           </a:p>
         </p:txBody>
       </p:sp>
@@ -1764,7 +1765,7 @@
             <a:fld id="{1D8BD707-D9CF-40AE-B4C6-C98DA3205C09}" type="datetimeFigureOut">
               <a:rPr lang="en-US" smtClean="0"/>
               <a:pPr/>
-              <a:t>8/1/2011</a:t>
+              <a:t>11/20/2025</a:t>
             </a:fld>
             <a:endParaRPr lang="en-US"/>
           </a:p>
@@ -1807,7 +1808,7 @@
             <a:fld id="{B6F15528-21DE-4FAA-801E-634DDDAF4B2B}" type="slidenum">
               <a:rPr lang="en-US" smtClean="0"/>
               <a:pPr/>
-              <a:t>‹#›</a:t>
+              <a:t>‹N°›</a:t>
             </a:fld>
             <a:endParaRPr lang="en-US"/>
           </a:p>
@@ -1854,10 +1855,9 @@
           <a:lstStyle/>
           <a:p>
             <a:r>
-              <a:rPr lang="en-US" smtClean="0"/>
+              <a:rPr lang="en-US"/>
               <a:t>Click to edit Master title style</a:t>
             </a:r>
-            <a:endParaRPr lang="en-US"/>
           </a:p>
         </p:txBody>
       </p:sp>
@@ -1879,7 +1879,7 @@
             <a:fld id="{1D8BD707-D9CF-40AE-B4C6-C98DA3205C09}" type="datetimeFigureOut">
               <a:rPr lang="en-US" smtClean="0"/>
               <a:pPr/>
-              <a:t>8/1/2011</a:t>
+              <a:t>11/20/2025</a:t>
             </a:fld>
             <a:endParaRPr lang="en-US"/>
           </a:p>
@@ -1922,7 +1922,7 @@
             <a:fld id="{B6F15528-21DE-4FAA-801E-634DDDAF4B2B}" type="slidenum">
               <a:rPr lang="en-US" smtClean="0"/>
               <a:pPr/>
-              <a:t>‹#›</a:t>
+              <a:t>‹N°›</a:t>
             </a:fld>
             <a:endParaRPr lang="en-US"/>
           </a:p>
@@ -1971,7 +1971,7 @@
             <a:fld id="{1D8BD707-D9CF-40AE-B4C6-C98DA3205C09}" type="datetimeFigureOut">
               <a:rPr lang="en-US" smtClean="0"/>
               <a:pPr/>
-              <a:t>8/1/2011</a:t>
+              <a:t>11/20/2025</a:t>
             </a:fld>
             <a:endParaRPr lang="en-US"/>
           </a:p>
@@ -2014,7 +2014,7 @@
             <a:fld id="{B6F15528-21DE-4FAA-801E-634DDDAF4B2B}" type="slidenum">
               <a:rPr lang="en-US" smtClean="0"/>
               <a:pPr/>
-              <a:t>‹#›</a:t>
+              <a:t>‹N°›</a:t>
             </a:fld>
             <a:endParaRPr lang="en-US"/>
           </a:p>
@@ -2070,10 +2070,9 @@
           </a:lstStyle>
           <a:p>
             <a:r>
-              <a:rPr lang="en-US" smtClean="0"/>
+              <a:rPr lang="en-US"/>
               <a:t>Click to edit Master title style</a:t>
             </a:r>
-            <a:endParaRPr lang="en-US"/>
           </a:p>
         </p:txBody>
       </p:sp>
@@ -2127,38 +2126,37 @@
           <a:p>
             <a:pPr lvl="0"/>
             <a:r>
-              <a:rPr lang="en-US" smtClean="0"/>
+              <a:rPr lang="en-US"/>
               <a:t>Click to edit Master text styles</a:t>
             </a:r>
           </a:p>
           <a:p>
             <a:pPr lvl="1"/>
             <a:r>
-              <a:rPr lang="en-US" smtClean="0"/>
+              <a:rPr lang="en-US"/>
               <a:t>Second level</a:t>
             </a:r>
           </a:p>
           <a:p>
             <a:pPr lvl="2"/>
             <a:r>
-              <a:rPr lang="en-US" smtClean="0"/>
+              <a:rPr lang="en-US"/>
               <a:t>Third level</a:t>
             </a:r>
           </a:p>
           <a:p>
             <a:pPr lvl="3"/>
             <a:r>
-              <a:rPr lang="en-US" smtClean="0"/>
+              <a:rPr lang="en-US"/>
               <a:t>Fourth level</a:t>
             </a:r>
           </a:p>
           <a:p>
             <a:pPr lvl="4"/>
             <a:r>
-              <a:rPr lang="en-US" smtClean="0"/>
+              <a:rPr lang="en-US"/>
               <a:t>Fifth level</a:t>
             </a:r>
-            <a:endParaRPr lang="en-US"/>
           </a:p>
         </p:txBody>
       </p:sp>
@@ -2221,7 +2219,7 @@
           <a:p>
             <a:pPr lvl="0"/>
             <a:r>
-              <a:rPr lang="en-US" smtClean="0"/>
+              <a:rPr lang="en-US"/>
               <a:t>Click to edit Master text styles</a:t>
             </a:r>
           </a:p>
@@ -2245,7 +2243,7 @@
             <a:fld id="{1D8BD707-D9CF-40AE-B4C6-C98DA3205C09}" type="datetimeFigureOut">
               <a:rPr lang="en-US" smtClean="0"/>
               <a:pPr/>
-              <a:t>8/1/2011</a:t>
+              <a:t>11/20/2025</a:t>
             </a:fld>
             <a:endParaRPr lang="en-US"/>
           </a:p>
@@ -2288,7 +2286,7 @@
             <a:fld id="{B6F15528-21DE-4FAA-801E-634DDDAF4B2B}" type="slidenum">
               <a:rPr lang="en-US" smtClean="0"/>
               <a:pPr/>
-              <a:t>‹#›</a:t>
+              <a:t>‹N°›</a:t>
             </a:fld>
             <a:endParaRPr lang="en-US"/>
           </a:p>
@@ -2344,10 +2342,9 @@
           </a:lstStyle>
           <a:p>
             <a:r>
-              <a:rPr lang="en-US" smtClean="0"/>
+              <a:rPr lang="en-US"/>
               <a:t>Click to edit Master title style</a:t>
             </a:r>
-            <a:endParaRPr lang="en-US"/>
           </a:p>
         </p:txBody>
       </p:sp>
@@ -2471,7 +2468,7 @@
           <a:p>
             <a:pPr lvl="0"/>
             <a:r>
-              <a:rPr lang="en-US" smtClean="0"/>
+              <a:rPr lang="en-US"/>
               <a:t>Click to edit Master text styles</a:t>
             </a:r>
           </a:p>
@@ -2495,7 +2492,7 @@
             <a:fld id="{1D8BD707-D9CF-40AE-B4C6-C98DA3205C09}" type="datetimeFigureOut">
               <a:rPr lang="en-US" smtClean="0"/>
               <a:pPr/>
-              <a:t>8/1/2011</a:t>
+              <a:t>11/20/2025</a:t>
             </a:fld>
             <a:endParaRPr lang="en-US"/>
           </a:p>
@@ -2538,7 +2535,7 @@
             <a:fld id="{B6F15528-21DE-4FAA-801E-634DDDAF4B2B}" type="slidenum">
               <a:rPr lang="en-US" smtClean="0"/>
               <a:pPr/>
-              <a:t>‹#›</a:t>
+              <a:t>‹N°›</a:t>
             </a:fld>
             <a:endParaRPr lang="en-US"/>
           </a:p>
@@ -2600,10 +2597,9 @@
           <a:lstStyle/>
           <a:p>
             <a:r>
-              <a:rPr lang="en-US" smtClean="0"/>
+              <a:rPr lang="en-US"/>
               <a:t>Click to edit Master title style</a:t>
             </a:r>
-            <a:endParaRPr lang="en-US"/>
           </a:p>
         </p:txBody>
       </p:sp>
@@ -2634,38 +2630,37 @@
           <a:p>
             <a:pPr lvl="0"/>
             <a:r>
-              <a:rPr lang="en-US" smtClean="0"/>
+              <a:rPr lang="en-US"/>
               <a:t>Click to edit Master text styles</a:t>
             </a:r>
           </a:p>
           <a:p>
             <a:pPr lvl="1"/>
             <a:r>
-              <a:rPr lang="en-US" smtClean="0"/>
+              <a:rPr lang="en-US"/>
               <a:t>Second level</a:t>
             </a:r>
           </a:p>
           <a:p>
             <a:pPr lvl="2"/>
             <a:r>
-              <a:rPr lang="en-US" smtClean="0"/>
+              <a:rPr lang="en-US"/>
               <a:t>Third level</a:t>
             </a:r>
           </a:p>
           <a:p>
             <a:pPr lvl="3"/>
             <a:r>
-              <a:rPr lang="en-US" smtClean="0"/>
+              <a:rPr lang="en-US"/>
               <a:t>Fourth level</a:t>
             </a:r>
           </a:p>
           <a:p>
             <a:pPr lvl="4"/>
             <a:r>
-              <a:rPr lang="en-US" smtClean="0"/>
+              <a:rPr lang="en-US"/>
               <a:t>Fifth level</a:t>
             </a:r>
-            <a:endParaRPr lang="en-US"/>
           </a:p>
         </p:txBody>
       </p:sp>
@@ -2705,7 +2700,7 @@
             <a:fld id="{1D8BD707-D9CF-40AE-B4C6-C98DA3205C09}" type="datetimeFigureOut">
               <a:rPr lang="en-US" smtClean="0"/>
               <a:pPr/>
-              <a:t>8/1/2011</a:t>
+              <a:t>11/20/2025</a:t>
             </a:fld>
             <a:endParaRPr lang="en-US"/>
           </a:p>
@@ -2784,7 +2779,7 @@
             <a:fld id="{B6F15528-21DE-4FAA-801E-634DDDAF4B2B}" type="slidenum">
               <a:rPr lang="en-US" smtClean="0"/>
               <a:pPr/>
-              <a:t>‹#›</a:t>
+              <a:t>‹N°›</a:t>
             </a:fld>
             <a:endParaRPr lang="en-US"/>
           </a:p>
@@ -3060,13 +3055,14 @@
 </file>
 
 <file path=ppt/slides/slide1.xml><?xml version="1.0" encoding="utf-8"?>
-<p:sld xmlns:p="http://schemas.openxmlformats.org/presentationml/2006/main" xmlns:a="http://schemas.openxmlformats.org/drawingml/2006/main" xmlns:r="http://schemas.openxmlformats.org/officeDocument/2006/relationships">
+<p:sld xmlns:a="http://schemas.openxmlformats.org/drawingml/2006/main" xmlns:r="http://schemas.openxmlformats.org/officeDocument/2006/relationships" xmlns:p="http://schemas.openxmlformats.org/presentationml/2006/main">
   <p:cSld>
     <p:bg>
       <p:bgPr>
         <a:solidFill>
           <a:srgbClr val="CAE8FF"/>
         </a:solidFill>
+        <a:effectLst/>
       </p:bgPr>
     </p:bg>
     <p:spTree>
@@ -3085,12 +3081,12 @@
       </p:grpSpPr>
       <p:sp>
         <p:nvSpPr>
-          <p:cNvPr name="Freeform 2" id="2"/>
+          <p:cNvPr id="2" name="Freeform 2"/>
           <p:cNvSpPr/>
           <p:nvPr/>
         </p:nvSpPr>
         <p:spPr>
-          <a:xfrm flipH="true" flipV="false" rot="0">
+          <a:xfrm flipH="1">
             <a:off x="-793901" y="7885045"/>
             <a:ext cx="7315200" cy="3274807"/>
           </a:xfrm>
@@ -3099,9 +3095,9 @@
             <a:gdLst/>
             <a:ahLst/>
             <a:cxnLst/>
-            <a:rect r="r" b="b" t="t" l="l"/>
+            <a:rect l="l" t="t" r="r" b="b"/>
             <a:pathLst>
-              <a:path h="3274807" w="7315200">
+              <a:path w="7315200" h="3274807">
                 <a:moveTo>
                   <a:pt x="7315200" y="0"/>
                 </a:moveTo>
@@ -3130,19 +3126,19 @@
               </a:extLst>
             </a:blip>
             <a:stretch>
-              <a:fillRect l="0" t="0" r="0" b="0"/>
+              <a:fillRect/>
             </a:stretch>
           </a:blipFill>
         </p:spPr>
       </p:sp>
       <p:sp>
         <p:nvSpPr>
-          <p:cNvPr name="Freeform 3" id="3"/>
+          <p:cNvPr id="3" name="Freeform 3"/>
           <p:cNvSpPr/>
           <p:nvPr/>
         </p:nvSpPr>
         <p:spPr>
-          <a:xfrm flipH="false" flipV="false" rot="0">
+          <a:xfrm>
             <a:off x="13823566" y="7160107"/>
             <a:ext cx="6282137" cy="4114800"/>
           </a:xfrm>
@@ -3151,9 +3147,9 @@
             <a:gdLst/>
             <a:ahLst/>
             <a:cxnLst/>
-            <a:rect r="r" b="b" t="t" l="l"/>
+            <a:rect l="l" t="t" r="r" b="b"/>
             <a:pathLst>
-              <a:path h="4114800" w="6282137">
+              <a:path w="6282137" h="4114800">
                 <a:moveTo>
                   <a:pt x="0" y="0"/>
                 </a:moveTo>
@@ -3182,19 +3178,19 @@
               </a:extLst>
             </a:blip>
             <a:stretch>
-              <a:fillRect l="0" t="0" r="0" b="0"/>
+              <a:fillRect/>
             </a:stretch>
           </a:blipFill>
         </p:spPr>
       </p:sp>
       <p:sp>
         <p:nvSpPr>
-          <p:cNvPr name="Freeform 4" id="4"/>
+          <p:cNvPr id="4" name="Freeform 4"/>
           <p:cNvSpPr/>
           <p:nvPr/>
         </p:nvSpPr>
         <p:spPr>
-          <a:xfrm flipH="true" flipV="true" rot="0">
+          <a:xfrm flipH="1" flipV="1">
             <a:off x="-2112369" y="-1028700"/>
             <a:ext cx="6282137" cy="4114800"/>
           </a:xfrm>
@@ -3203,9 +3199,9 @@
             <a:gdLst/>
             <a:ahLst/>
             <a:cxnLst/>
-            <a:rect r="r" b="b" t="t" l="l"/>
+            <a:rect l="l" t="t" r="r" b="b"/>
             <a:pathLst>
-              <a:path h="4114800" w="6282137">
+              <a:path w="6282137" h="4114800">
                 <a:moveTo>
                   <a:pt x="6282138" y="4114800"/>
                 </a:moveTo>
@@ -3234,19 +3230,19 @@
               </a:extLst>
             </a:blip>
             <a:stretch>
-              <a:fillRect l="0" t="0" r="0" b="0"/>
+              <a:fillRect/>
             </a:stretch>
           </a:blipFill>
         </p:spPr>
       </p:sp>
       <p:sp>
         <p:nvSpPr>
-          <p:cNvPr name="Freeform 5" id="5"/>
+          <p:cNvPr id="5" name="Freeform 5"/>
           <p:cNvSpPr/>
           <p:nvPr/>
         </p:nvSpPr>
         <p:spPr>
-          <a:xfrm flipH="false" flipV="true" rot="0">
+          <a:xfrm flipV="1">
             <a:off x="12520266" y="-608703"/>
             <a:ext cx="7315200" cy="3274807"/>
           </a:xfrm>
@@ -3255,9 +3251,9 @@
             <a:gdLst/>
             <a:ahLst/>
             <a:cxnLst/>
-            <a:rect r="r" b="b" t="t" l="l"/>
+            <a:rect l="l" t="t" r="r" b="b"/>
             <a:pathLst>
-              <a:path h="3274807" w="7315200">
+              <a:path w="7315200" h="3274807">
                 <a:moveTo>
                   <a:pt x="0" y="3274806"/>
                 </a:moveTo>
@@ -3286,19 +3282,19 @@
               </a:extLst>
             </a:blip>
             <a:stretch>
-              <a:fillRect l="0" t="0" r="0" b="0"/>
+              <a:fillRect/>
             </a:stretch>
           </a:blipFill>
         </p:spPr>
       </p:sp>
       <p:sp>
         <p:nvSpPr>
-          <p:cNvPr name="Freeform 6" id="6"/>
+          <p:cNvPr id="6" name="Freeform 6"/>
           <p:cNvSpPr/>
           <p:nvPr/>
         </p:nvSpPr>
         <p:spPr>
-          <a:xfrm flipH="false" flipV="false" rot="0">
+          <a:xfrm>
             <a:off x="10639314" y="-2353783"/>
             <a:ext cx="3420356" cy="3490159"/>
           </a:xfrm>
@@ -3307,9 +3303,9 @@
             <a:gdLst/>
             <a:ahLst/>
             <a:cxnLst/>
-            <a:rect r="r" b="b" t="t" l="l"/>
+            <a:rect l="l" t="t" r="r" b="b"/>
             <a:pathLst>
-              <a:path h="3490159" w="3420356">
+              <a:path w="3420356" h="3490159">
                 <a:moveTo>
                   <a:pt x="0" y="0"/>
                 </a:moveTo>
@@ -3338,19 +3334,19 @@
               </a:extLst>
             </a:blip>
             <a:stretch>
-              <a:fillRect l="0" t="0" r="0" b="0"/>
+              <a:fillRect/>
             </a:stretch>
           </a:blipFill>
         </p:spPr>
       </p:sp>
       <p:sp>
         <p:nvSpPr>
-          <p:cNvPr name="Freeform 7" id="7"/>
+          <p:cNvPr id="7" name="Freeform 7"/>
           <p:cNvSpPr/>
           <p:nvPr/>
         </p:nvSpPr>
         <p:spPr>
-          <a:xfrm flipH="false" flipV="false" rot="0">
+          <a:xfrm>
             <a:off x="-2565274" y="6600548"/>
             <a:ext cx="3420356" cy="3490159"/>
           </a:xfrm>
@@ -3359,9 +3355,9 @@
             <a:gdLst/>
             <a:ahLst/>
             <a:cxnLst/>
-            <a:rect r="r" b="b" t="t" l="l"/>
+            <a:rect l="l" t="t" r="r" b="b"/>
             <a:pathLst>
-              <a:path h="3490159" w="3420356">
+              <a:path w="3420356" h="3490159">
                 <a:moveTo>
                   <a:pt x="0" y="0"/>
                 </a:moveTo>
@@ -3390,19 +3386,19 @@
               </a:extLst>
             </a:blip>
             <a:stretch>
-              <a:fillRect l="0" t="0" r="0" b="0"/>
+              <a:fillRect/>
             </a:stretch>
           </a:blipFill>
         </p:spPr>
       </p:sp>
       <p:sp>
         <p:nvSpPr>
-          <p:cNvPr name="Freeform 8" id="8"/>
+          <p:cNvPr id="8" name="Freeform 8"/>
           <p:cNvSpPr/>
           <p:nvPr/>
         </p:nvSpPr>
         <p:spPr>
-          <a:xfrm flipH="false" flipV="false" rot="-3497361">
+          <a:xfrm rot="-3497361">
             <a:off x="12366645" y="9293401"/>
             <a:ext cx="3061541" cy="3129828"/>
           </a:xfrm>
@@ -3411,9 +3407,9 @@
             <a:gdLst/>
             <a:ahLst/>
             <a:cxnLst/>
-            <a:rect r="r" b="b" t="t" l="l"/>
+            <a:rect l="l" t="t" r="r" b="b"/>
             <a:pathLst>
-              <a:path h="3129828" w="3061541">
+              <a:path w="3061541" h="3129828">
                 <a:moveTo>
                   <a:pt x="0" y="0"/>
                 </a:moveTo>
@@ -3442,19 +3438,19 @@
               </a:extLst>
             </a:blip>
             <a:stretch>
-              <a:fillRect l="0" t="0" r="0" b="0"/>
+              <a:fillRect/>
             </a:stretch>
           </a:blipFill>
         </p:spPr>
       </p:sp>
       <p:sp>
         <p:nvSpPr>
-          <p:cNvPr name="Freeform 9" id="9"/>
+          <p:cNvPr id="9" name="Freeform 9"/>
           <p:cNvSpPr/>
           <p:nvPr/>
         </p:nvSpPr>
         <p:spPr>
-          <a:xfrm flipH="false" flipV="false" rot="-3497361">
+          <a:xfrm rot="-3497361">
             <a:off x="2254467" y="-2259419"/>
             <a:ext cx="3061541" cy="3129828"/>
           </a:xfrm>
@@ -3463,9 +3459,9 @@
             <a:gdLst/>
             <a:ahLst/>
             <a:cxnLst/>
-            <a:rect r="r" b="b" t="t" l="l"/>
+            <a:rect l="l" t="t" r="r" b="b"/>
             <a:pathLst>
-              <a:path h="3129828" w="3061541">
+              <a:path w="3061541" h="3129828">
                 <a:moveTo>
                   <a:pt x="0" y="0"/>
                 </a:moveTo>
@@ -3494,19 +3490,19 @@
               </a:extLst>
             </a:blip>
             <a:stretch>
-              <a:fillRect l="0" t="0" r="0" b="0"/>
+              <a:fillRect/>
             </a:stretch>
           </a:blipFill>
         </p:spPr>
       </p:sp>
       <p:sp>
         <p:nvSpPr>
-          <p:cNvPr name="Freeform 10" id="10"/>
+          <p:cNvPr id="10" name="Freeform 10"/>
           <p:cNvSpPr/>
           <p:nvPr/>
         </p:nvSpPr>
         <p:spPr>
-          <a:xfrm flipH="false" flipV="false" rot="0">
+          <a:xfrm>
             <a:off x="15418916" y="183358"/>
             <a:ext cx="1517898" cy="1906037"/>
           </a:xfrm>
@@ -3515,9 +3511,9 @@
             <a:gdLst/>
             <a:ahLst/>
             <a:cxnLst/>
-            <a:rect r="r" b="b" t="t" l="l"/>
+            <a:rect l="l" t="t" r="r" b="b"/>
             <a:pathLst>
-              <a:path h="1906037" w="1517898">
+              <a:path w="1517898" h="1906037">
                 <a:moveTo>
                   <a:pt x="0" y="0"/>
                 </a:moveTo>
@@ -3546,19 +3542,19 @@
               </a:extLst>
             </a:blip>
             <a:stretch>
-              <a:fillRect l="0" t="0" r="0" b="0"/>
+              <a:fillRect/>
             </a:stretch>
           </a:blipFill>
         </p:spPr>
       </p:sp>
       <p:sp>
         <p:nvSpPr>
-          <p:cNvPr name="Freeform 11" id="11"/>
+          <p:cNvPr id="11" name="Freeform 11"/>
           <p:cNvSpPr/>
           <p:nvPr/>
         </p:nvSpPr>
         <p:spPr>
-          <a:xfrm flipH="false" flipV="false" rot="0">
+          <a:xfrm>
             <a:off x="1649325" y="8616443"/>
             <a:ext cx="2592823" cy="1202127"/>
           </a:xfrm>
@@ -3567,9 +3563,9 @@
             <a:gdLst/>
             <a:ahLst/>
             <a:cxnLst/>
-            <a:rect r="r" b="b" t="t" l="l"/>
+            <a:rect l="l" t="t" r="r" b="b"/>
             <a:pathLst>
-              <a:path h="1202127" w="2592823">
+              <a:path w="2592823" h="1202127">
                 <a:moveTo>
                   <a:pt x="0" y="0"/>
                 </a:moveTo>
@@ -3598,19 +3594,19 @@
               </a:extLst>
             </a:blip>
             <a:stretch>
-              <a:fillRect l="0" t="0" r="0" b="0"/>
+              <a:fillRect/>
             </a:stretch>
           </a:blipFill>
         </p:spPr>
       </p:sp>
       <p:sp>
         <p:nvSpPr>
-          <p:cNvPr name="TextBox 12" id="12"/>
-          <p:cNvSpPr txBox="true"/>
-          <p:nvPr/>
-        </p:nvSpPr>
-        <p:spPr>
-          <a:xfrm rot="0">
+          <p:cNvPr id="12" name="TextBox 12"/>
+          <p:cNvSpPr txBox="1"/>
+          <p:nvPr/>
+        </p:nvSpPr>
+        <p:spPr>
+          <a:xfrm>
             <a:off x="4385318" y="3470001"/>
             <a:ext cx="9517365" cy="3953921"/>
           </a:xfrm>
@@ -3619,7 +3615,7 @@
           </a:prstGeom>
         </p:spPr>
         <p:txBody>
-          <a:bodyPr anchor="t" rtlCol="false" tIns="0" lIns="0" bIns="0" rIns="0">
+          <a:bodyPr lIns="0" tIns="0" rIns="0" bIns="0" rtlCol="0" anchor="t">
             <a:spAutoFit/>
           </a:bodyPr>
           <a:lstStyle/>
@@ -3665,12 +3661,12 @@
       </p:sp>
       <p:sp>
         <p:nvSpPr>
-          <p:cNvPr name="TextBox 13" id="13"/>
-          <p:cNvSpPr txBox="true"/>
-          <p:nvPr/>
-        </p:nvSpPr>
-        <p:spPr>
-          <a:xfrm rot="0">
+          <p:cNvPr id="13" name="TextBox 13"/>
+          <p:cNvSpPr txBox="1"/>
+          <p:nvPr/>
+        </p:nvSpPr>
+        <p:spPr>
+          <a:xfrm>
             <a:off x="5806874" y="7003374"/>
             <a:ext cx="6674251" cy="1508435"/>
           </a:xfrm>
@@ -3679,7 +3675,7 @@
           </a:prstGeom>
         </p:spPr>
         <p:txBody>
-          <a:bodyPr anchor="t" rtlCol="false" tIns="0" lIns="0" bIns="0" rIns="0">
+          <a:bodyPr lIns="0" tIns="0" rIns="0" bIns="0" rtlCol="0" anchor="t">
             <a:spAutoFit/>
           </a:bodyPr>
           <a:lstStyle/>
@@ -3706,12 +3702,12 @@
       </p:sp>
       <p:sp>
         <p:nvSpPr>
-          <p:cNvPr name="Freeform 14" id="14"/>
+          <p:cNvPr id="14" name="Freeform 14"/>
           <p:cNvSpPr/>
           <p:nvPr/>
         </p:nvSpPr>
         <p:spPr>
-          <a:xfrm flipH="false" flipV="false" rot="0">
+          <a:xfrm>
             <a:off x="17570909" y="6146977"/>
             <a:ext cx="2534795" cy="2586526"/>
           </a:xfrm>
@@ -3720,9 +3716,9 @@
             <a:gdLst/>
             <a:ahLst/>
             <a:cxnLst/>
-            <a:rect r="r" b="b" t="t" l="l"/>
+            <a:rect l="l" t="t" r="r" b="b"/>
             <a:pathLst>
-              <a:path h="2586526" w="2534795">
+              <a:path w="2534795" h="2586526">
                 <a:moveTo>
                   <a:pt x="0" y="0"/>
                 </a:moveTo>
@@ -3751,19 +3747,19 @@
               </a:extLst>
             </a:blip>
             <a:stretch>
-              <a:fillRect l="0" t="0" r="0" b="0"/>
+              <a:fillRect/>
             </a:stretch>
           </a:blipFill>
         </p:spPr>
       </p:sp>
       <p:sp>
         <p:nvSpPr>
-          <p:cNvPr name="Freeform 15" id="15"/>
+          <p:cNvPr id="15" name="Freeform 15"/>
           <p:cNvSpPr/>
           <p:nvPr/>
         </p:nvSpPr>
         <p:spPr>
-          <a:xfrm flipH="false" flipV="false" rot="0">
+          <a:xfrm>
             <a:off x="15980614" y="8615741"/>
             <a:ext cx="2857693" cy="2405658"/>
           </a:xfrm>
@@ -3772,9 +3768,9 @@
             <a:gdLst/>
             <a:ahLst/>
             <a:cxnLst/>
-            <a:rect r="r" b="b" t="t" l="l"/>
+            <a:rect l="l" t="t" r="r" b="b"/>
             <a:pathLst>
-              <a:path h="2405658" w="2857693">
+              <a:path w="2857693" h="2405658">
                 <a:moveTo>
                   <a:pt x="0" y="0"/>
                 </a:moveTo>
@@ -3803,19 +3799,19 @@
               </a:extLst>
             </a:blip>
             <a:stretch>
-              <a:fillRect l="0" t="0" r="0" b="0"/>
+              <a:fillRect/>
             </a:stretch>
           </a:blipFill>
         </p:spPr>
       </p:sp>
       <p:sp>
         <p:nvSpPr>
-          <p:cNvPr name="Freeform 16" id="16"/>
+          <p:cNvPr id="16" name="Freeform 16"/>
           <p:cNvSpPr/>
           <p:nvPr/>
         </p:nvSpPr>
         <p:spPr>
-          <a:xfrm flipH="false" flipV="false" rot="0">
+          <a:xfrm>
             <a:off x="-573764" y="-608703"/>
             <a:ext cx="2857693" cy="2405658"/>
           </a:xfrm>
@@ -3824,9 +3820,9 @@
             <a:gdLst/>
             <a:ahLst/>
             <a:cxnLst/>
-            <a:rect r="r" b="b" t="t" l="l"/>
+            <a:rect l="l" t="t" r="r" b="b"/>
             <a:pathLst>
-              <a:path h="2405658" w="2857693">
+              <a:path w="2857693" h="2405658">
                 <a:moveTo>
                   <a:pt x="0" y="0"/>
                 </a:moveTo>
@@ -3855,7 +3851,7 @@
               </a:extLst>
             </a:blip>
             <a:stretch>
-              <a:fillRect l="0" t="0" r="0" b="0"/>
+              <a:fillRect/>
             </a:stretch>
           </a:blipFill>
         </p:spPr>
@@ -3869,13 +3865,14 @@
 </file>
 
 <file path=ppt/slides/slide2.xml><?xml version="1.0" encoding="utf-8"?>
-<p:sld xmlns:p="http://schemas.openxmlformats.org/presentationml/2006/main" xmlns:a="http://schemas.openxmlformats.org/drawingml/2006/main" xmlns:r="http://schemas.openxmlformats.org/officeDocument/2006/relationships">
+<p:sld xmlns:a="http://schemas.openxmlformats.org/drawingml/2006/main" xmlns:r="http://schemas.openxmlformats.org/officeDocument/2006/relationships" xmlns:p="http://schemas.openxmlformats.org/presentationml/2006/main">
   <p:cSld>
     <p:bg>
       <p:bgPr>
         <a:solidFill>
           <a:srgbClr val="CAE8FF"/>
         </a:solidFill>
+        <a:effectLst/>
       </p:bgPr>
     </p:bg>
     <p:spTree>
@@ -3894,12 +3891,12 @@
       </p:grpSpPr>
       <p:sp>
         <p:nvSpPr>
-          <p:cNvPr name="Freeform 2" id="2"/>
+          <p:cNvPr id="2" name="Freeform 2"/>
           <p:cNvSpPr/>
           <p:nvPr/>
         </p:nvSpPr>
         <p:spPr>
-          <a:xfrm flipH="true" flipV="false" rot="0">
+          <a:xfrm flipH="1">
             <a:off x="-793901" y="7885045"/>
             <a:ext cx="7315200" cy="3274807"/>
           </a:xfrm>
@@ -3908,9 +3905,9 @@
             <a:gdLst/>
             <a:ahLst/>
             <a:cxnLst/>
-            <a:rect r="r" b="b" t="t" l="l"/>
+            <a:rect l="l" t="t" r="r" b="b"/>
             <a:pathLst>
-              <a:path h="3274807" w="7315200">
+              <a:path w="7315200" h="3274807">
                 <a:moveTo>
                   <a:pt x="7315200" y="0"/>
                 </a:moveTo>
@@ -3939,19 +3936,19 @@
               </a:extLst>
             </a:blip>
             <a:stretch>
-              <a:fillRect l="0" t="0" r="0" b="0"/>
+              <a:fillRect/>
             </a:stretch>
           </a:blipFill>
         </p:spPr>
       </p:sp>
       <p:sp>
         <p:nvSpPr>
-          <p:cNvPr name="Freeform 3" id="3"/>
+          <p:cNvPr id="3" name="Freeform 3"/>
           <p:cNvSpPr/>
           <p:nvPr/>
         </p:nvSpPr>
         <p:spPr>
-          <a:xfrm flipH="false" flipV="false" rot="0">
+          <a:xfrm>
             <a:off x="13823566" y="7160107"/>
             <a:ext cx="6282137" cy="4114800"/>
           </a:xfrm>
@@ -3960,9 +3957,9 @@
             <a:gdLst/>
             <a:ahLst/>
             <a:cxnLst/>
-            <a:rect r="r" b="b" t="t" l="l"/>
+            <a:rect l="l" t="t" r="r" b="b"/>
             <a:pathLst>
-              <a:path h="4114800" w="6282137">
+              <a:path w="6282137" h="4114800">
                 <a:moveTo>
                   <a:pt x="0" y="0"/>
                 </a:moveTo>
@@ -3991,19 +3988,19 @@
               </a:extLst>
             </a:blip>
             <a:stretch>
-              <a:fillRect l="0" t="0" r="0" b="0"/>
+              <a:fillRect/>
             </a:stretch>
           </a:blipFill>
         </p:spPr>
       </p:sp>
       <p:sp>
         <p:nvSpPr>
-          <p:cNvPr name="Freeform 4" id="4"/>
+          <p:cNvPr id="4" name="Freeform 4"/>
           <p:cNvSpPr/>
           <p:nvPr/>
         </p:nvSpPr>
         <p:spPr>
-          <a:xfrm flipH="true" flipV="true" rot="0">
+          <a:xfrm flipH="1" flipV="1">
             <a:off x="-2112369" y="-1028700"/>
             <a:ext cx="6282137" cy="4114800"/>
           </a:xfrm>
@@ -4012,9 +4009,9 @@
             <a:gdLst/>
             <a:ahLst/>
             <a:cxnLst/>
-            <a:rect r="r" b="b" t="t" l="l"/>
+            <a:rect l="l" t="t" r="r" b="b"/>
             <a:pathLst>
-              <a:path h="4114800" w="6282137">
+              <a:path w="6282137" h="4114800">
                 <a:moveTo>
                   <a:pt x="6282138" y="4114800"/>
                 </a:moveTo>
@@ -4043,19 +4040,19 @@
               </a:extLst>
             </a:blip>
             <a:stretch>
-              <a:fillRect l="0" t="0" r="0" b="0"/>
+              <a:fillRect/>
             </a:stretch>
           </a:blipFill>
         </p:spPr>
       </p:sp>
       <p:sp>
         <p:nvSpPr>
-          <p:cNvPr name="Freeform 5" id="5"/>
+          <p:cNvPr id="5" name="Freeform 5"/>
           <p:cNvSpPr/>
           <p:nvPr/>
         </p:nvSpPr>
         <p:spPr>
-          <a:xfrm flipH="false" flipV="true" rot="0">
+          <a:xfrm flipV="1">
             <a:off x="12520266" y="-608703"/>
             <a:ext cx="7315200" cy="3274807"/>
           </a:xfrm>
@@ -4064,9 +4061,9 @@
             <a:gdLst/>
             <a:ahLst/>
             <a:cxnLst/>
-            <a:rect r="r" b="b" t="t" l="l"/>
+            <a:rect l="l" t="t" r="r" b="b"/>
             <a:pathLst>
-              <a:path h="3274807" w="7315200">
+              <a:path w="7315200" h="3274807">
                 <a:moveTo>
                   <a:pt x="0" y="3274806"/>
                 </a:moveTo>
@@ -4095,19 +4092,19 @@
               </a:extLst>
             </a:blip>
             <a:stretch>
-              <a:fillRect l="0" t="0" r="0" b="0"/>
+              <a:fillRect/>
             </a:stretch>
           </a:blipFill>
         </p:spPr>
       </p:sp>
       <p:sp>
         <p:nvSpPr>
-          <p:cNvPr name="Freeform 6" id="6"/>
+          <p:cNvPr id="6" name="Freeform 6"/>
           <p:cNvSpPr/>
           <p:nvPr/>
         </p:nvSpPr>
         <p:spPr>
-          <a:xfrm flipH="false" flipV="false" rot="0">
+          <a:xfrm>
             <a:off x="10639314" y="-2353783"/>
             <a:ext cx="3420356" cy="3490159"/>
           </a:xfrm>
@@ -4116,9 +4113,9 @@
             <a:gdLst/>
             <a:ahLst/>
             <a:cxnLst/>
-            <a:rect r="r" b="b" t="t" l="l"/>
+            <a:rect l="l" t="t" r="r" b="b"/>
             <a:pathLst>
-              <a:path h="3490159" w="3420356">
+              <a:path w="3420356" h="3490159">
                 <a:moveTo>
                   <a:pt x="0" y="0"/>
                 </a:moveTo>
@@ -4147,19 +4144,19 @@
               </a:extLst>
             </a:blip>
             <a:stretch>
-              <a:fillRect l="0" t="0" r="0" b="0"/>
+              <a:fillRect/>
             </a:stretch>
           </a:blipFill>
         </p:spPr>
       </p:sp>
       <p:sp>
         <p:nvSpPr>
-          <p:cNvPr name="Freeform 7" id="7"/>
+          <p:cNvPr id="7" name="Freeform 7"/>
           <p:cNvSpPr/>
           <p:nvPr/>
         </p:nvSpPr>
         <p:spPr>
-          <a:xfrm flipH="false" flipV="false" rot="0">
+          <a:xfrm>
             <a:off x="-2565274" y="6600548"/>
             <a:ext cx="3420356" cy="3490159"/>
           </a:xfrm>
@@ -4168,9 +4165,9 @@
             <a:gdLst/>
             <a:ahLst/>
             <a:cxnLst/>
-            <a:rect r="r" b="b" t="t" l="l"/>
+            <a:rect l="l" t="t" r="r" b="b"/>
             <a:pathLst>
-              <a:path h="3490159" w="3420356">
+              <a:path w="3420356" h="3490159">
                 <a:moveTo>
                   <a:pt x="0" y="0"/>
                 </a:moveTo>
@@ -4199,19 +4196,19 @@
               </a:extLst>
             </a:blip>
             <a:stretch>
-              <a:fillRect l="0" t="0" r="0" b="0"/>
+              <a:fillRect/>
             </a:stretch>
           </a:blipFill>
         </p:spPr>
       </p:sp>
       <p:sp>
         <p:nvSpPr>
-          <p:cNvPr name="Freeform 8" id="8"/>
+          <p:cNvPr id="8" name="Freeform 8"/>
           <p:cNvSpPr/>
           <p:nvPr/>
         </p:nvSpPr>
         <p:spPr>
-          <a:xfrm flipH="false" flipV="false" rot="-3497361">
+          <a:xfrm rot="-3497361">
             <a:off x="12366645" y="9293401"/>
             <a:ext cx="3061541" cy="3129828"/>
           </a:xfrm>
@@ -4220,9 +4217,9 @@
             <a:gdLst/>
             <a:ahLst/>
             <a:cxnLst/>
-            <a:rect r="r" b="b" t="t" l="l"/>
+            <a:rect l="l" t="t" r="r" b="b"/>
             <a:pathLst>
-              <a:path h="3129828" w="3061541">
+              <a:path w="3061541" h="3129828">
                 <a:moveTo>
                   <a:pt x="0" y="0"/>
                 </a:moveTo>
@@ -4251,19 +4248,19 @@
               </a:extLst>
             </a:blip>
             <a:stretch>
-              <a:fillRect l="0" t="0" r="0" b="0"/>
+              <a:fillRect/>
             </a:stretch>
           </a:blipFill>
         </p:spPr>
       </p:sp>
       <p:sp>
         <p:nvSpPr>
-          <p:cNvPr name="Freeform 9" id="9"/>
+          <p:cNvPr id="9" name="Freeform 9"/>
           <p:cNvSpPr/>
           <p:nvPr/>
         </p:nvSpPr>
         <p:spPr>
-          <a:xfrm flipH="false" flipV="false" rot="-3497361">
+          <a:xfrm rot="-3497361">
             <a:off x="2254467" y="-2259419"/>
             <a:ext cx="3061541" cy="3129828"/>
           </a:xfrm>
@@ -4272,9 +4269,9 @@
             <a:gdLst/>
             <a:ahLst/>
             <a:cxnLst/>
-            <a:rect r="r" b="b" t="t" l="l"/>
+            <a:rect l="l" t="t" r="r" b="b"/>
             <a:pathLst>
-              <a:path h="3129828" w="3061541">
+              <a:path w="3061541" h="3129828">
                 <a:moveTo>
                   <a:pt x="0" y="0"/>
                 </a:moveTo>
@@ -4303,19 +4300,19 @@
               </a:extLst>
             </a:blip>
             <a:stretch>
-              <a:fillRect l="0" t="0" r="0" b="0"/>
+              <a:fillRect/>
             </a:stretch>
           </a:blipFill>
         </p:spPr>
       </p:sp>
       <p:sp>
         <p:nvSpPr>
-          <p:cNvPr name="Freeform 10" id="10"/>
+          <p:cNvPr id="10" name="Freeform 10"/>
           <p:cNvSpPr/>
           <p:nvPr/>
         </p:nvSpPr>
         <p:spPr>
-          <a:xfrm flipH="false" flipV="false" rot="0">
+          <a:xfrm>
             <a:off x="15418916" y="183358"/>
             <a:ext cx="1517898" cy="1906037"/>
           </a:xfrm>
@@ -4324,9 +4321,9 @@
             <a:gdLst/>
             <a:ahLst/>
             <a:cxnLst/>
-            <a:rect r="r" b="b" t="t" l="l"/>
+            <a:rect l="l" t="t" r="r" b="b"/>
             <a:pathLst>
-              <a:path h="1906037" w="1517898">
+              <a:path w="1517898" h="1906037">
                 <a:moveTo>
                   <a:pt x="0" y="0"/>
                 </a:moveTo>
@@ -4355,19 +4352,19 @@
               </a:extLst>
             </a:blip>
             <a:stretch>
-              <a:fillRect l="0" t="0" r="0" b="0"/>
+              <a:fillRect/>
             </a:stretch>
           </a:blipFill>
         </p:spPr>
       </p:sp>
       <p:sp>
         <p:nvSpPr>
-          <p:cNvPr name="Freeform 11" id="11"/>
+          <p:cNvPr id="11" name="Freeform 11"/>
           <p:cNvSpPr/>
           <p:nvPr/>
         </p:nvSpPr>
         <p:spPr>
-          <a:xfrm flipH="false" flipV="false" rot="0">
+          <a:xfrm>
             <a:off x="1649325" y="8616443"/>
             <a:ext cx="2592823" cy="1202127"/>
           </a:xfrm>
@@ -4376,9 +4373,9 @@
             <a:gdLst/>
             <a:ahLst/>
             <a:cxnLst/>
-            <a:rect r="r" b="b" t="t" l="l"/>
+            <a:rect l="l" t="t" r="r" b="b"/>
             <a:pathLst>
-              <a:path h="1202127" w="2592823">
+              <a:path w="2592823" h="1202127">
                 <a:moveTo>
                   <a:pt x="0" y="0"/>
                 </a:moveTo>
@@ -4407,19 +4404,19 @@
               </a:extLst>
             </a:blip>
             <a:stretch>
-              <a:fillRect l="0" t="0" r="0" b="0"/>
+              <a:fillRect/>
             </a:stretch>
           </a:blipFill>
         </p:spPr>
       </p:sp>
       <p:sp>
         <p:nvSpPr>
-          <p:cNvPr name="TextBox 12" id="12"/>
-          <p:cNvSpPr txBox="true"/>
-          <p:nvPr/>
-        </p:nvSpPr>
-        <p:spPr>
-          <a:xfrm rot="0">
+          <p:cNvPr id="12" name="TextBox 12"/>
+          <p:cNvSpPr txBox="1"/>
+          <p:nvPr/>
+        </p:nvSpPr>
+        <p:spPr>
+          <a:xfrm>
             <a:off x="4035421" y="3143294"/>
             <a:ext cx="10217158" cy="1274674"/>
           </a:xfrm>
@@ -4428,7 +4425,7 @@
           </a:prstGeom>
         </p:spPr>
         <p:txBody>
-          <a:bodyPr anchor="t" rtlCol="false" tIns="0" lIns="0" bIns="0" rIns="0">
+          <a:bodyPr lIns="0" tIns="0" rIns="0" bIns="0" rtlCol="0" anchor="t">
             <a:spAutoFit/>
           </a:bodyPr>
           <a:lstStyle/>
@@ -4455,12 +4452,12 @@
       </p:sp>
       <p:sp>
         <p:nvSpPr>
-          <p:cNvPr name="TextBox 13" id="13"/>
-          <p:cNvSpPr txBox="true"/>
-          <p:nvPr/>
-        </p:nvSpPr>
-        <p:spPr>
-          <a:xfrm rot="0">
+          <p:cNvPr id="13" name="TextBox 13"/>
+          <p:cNvSpPr txBox="1"/>
+          <p:nvPr/>
+        </p:nvSpPr>
+        <p:spPr>
+          <a:xfrm>
             <a:off x="1388289" y="4351293"/>
             <a:ext cx="15511422" cy="3783013"/>
           </a:xfrm>
@@ -4469,7 +4466,7 @@
           </a:prstGeom>
         </p:spPr>
         <p:txBody>
-          <a:bodyPr anchor="t" rtlCol="false" tIns="0" lIns="0" bIns="0" rIns="0">
+          <a:bodyPr lIns="0" tIns="0" rIns="0" bIns="0" rtlCol="0" anchor="t">
             <a:spAutoFit/>
           </a:bodyPr>
           <a:lstStyle/>
@@ -4496,12 +4493,12 @@
       </p:sp>
       <p:sp>
         <p:nvSpPr>
-          <p:cNvPr name="Freeform 14" id="14"/>
+          <p:cNvPr id="14" name="Freeform 14"/>
           <p:cNvSpPr/>
           <p:nvPr/>
         </p:nvSpPr>
         <p:spPr>
-          <a:xfrm flipH="false" flipV="false" rot="0">
+          <a:xfrm>
             <a:off x="17570909" y="6146977"/>
             <a:ext cx="2534795" cy="2586526"/>
           </a:xfrm>
@@ -4510,9 +4507,9 @@
             <a:gdLst/>
             <a:ahLst/>
             <a:cxnLst/>
-            <a:rect r="r" b="b" t="t" l="l"/>
+            <a:rect l="l" t="t" r="r" b="b"/>
             <a:pathLst>
-              <a:path h="2586526" w="2534795">
+              <a:path w="2534795" h="2586526">
                 <a:moveTo>
                   <a:pt x="0" y="0"/>
                 </a:moveTo>
@@ -4541,19 +4538,19 @@
               </a:extLst>
             </a:blip>
             <a:stretch>
-              <a:fillRect l="0" t="0" r="0" b="0"/>
+              <a:fillRect/>
             </a:stretch>
           </a:blipFill>
         </p:spPr>
       </p:sp>
       <p:sp>
         <p:nvSpPr>
-          <p:cNvPr name="Freeform 15" id="15"/>
+          <p:cNvPr id="15" name="Freeform 15"/>
           <p:cNvSpPr/>
           <p:nvPr/>
         </p:nvSpPr>
         <p:spPr>
-          <a:xfrm flipH="false" flipV="false" rot="0">
+          <a:xfrm>
             <a:off x="15980614" y="8615741"/>
             <a:ext cx="2857693" cy="2405658"/>
           </a:xfrm>
@@ -4562,9 +4559,9 @@
             <a:gdLst/>
             <a:ahLst/>
             <a:cxnLst/>
-            <a:rect r="r" b="b" t="t" l="l"/>
+            <a:rect l="l" t="t" r="r" b="b"/>
             <a:pathLst>
-              <a:path h="2405658" w="2857693">
+              <a:path w="2857693" h="2405658">
                 <a:moveTo>
                   <a:pt x="0" y="0"/>
                 </a:moveTo>
@@ -4593,19 +4590,19 @@
               </a:extLst>
             </a:blip>
             <a:stretch>
-              <a:fillRect l="0" t="0" r="0" b="0"/>
+              <a:fillRect/>
             </a:stretch>
           </a:blipFill>
         </p:spPr>
       </p:sp>
       <p:sp>
         <p:nvSpPr>
-          <p:cNvPr name="Freeform 16" id="16"/>
+          <p:cNvPr id="16" name="Freeform 16"/>
           <p:cNvSpPr/>
           <p:nvPr/>
         </p:nvSpPr>
         <p:spPr>
-          <a:xfrm flipH="false" flipV="false" rot="0">
+          <a:xfrm>
             <a:off x="-573764" y="-608703"/>
             <a:ext cx="2857693" cy="2405658"/>
           </a:xfrm>
@@ -4614,9 +4611,9 @@
             <a:gdLst/>
             <a:ahLst/>
             <a:cxnLst/>
-            <a:rect r="r" b="b" t="t" l="l"/>
+            <a:rect l="l" t="t" r="r" b="b"/>
             <a:pathLst>
-              <a:path h="2405658" w="2857693">
+              <a:path w="2857693" h="2405658">
                 <a:moveTo>
                   <a:pt x="0" y="0"/>
                 </a:moveTo>
@@ -4645,7 +4642,7 @@
               </a:extLst>
             </a:blip>
             <a:stretch>
-              <a:fillRect l="0" t="0" r="0" b="0"/>
+              <a:fillRect/>
             </a:stretch>
           </a:blipFill>
         </p:spPr>
@@ -4659,13 +4656,14 @@
 </file>
 
 <file path=ppt/slides/slide3.xml><?xml version="1.0" encoding="utf-8"?>
-<p:sld xmlns:p="http://schemas.openxmlformats.org/presentationml/2006/main" xmlns:a="http://schemas.openxmlformats.org/drawingml/2006/main" xmlns:r="http://schemas.openxmlformats.org/officeDocument/2006/relationships">
+<p:sld xmlns:a="http://schemas.openxmlformats.org/drawingml/2006/main" xmlns:r="http://schemas.openxmlformats.org/officeDocument/2006/relationships" xmlns:p="http://schemas.openxmlformats.org/presentationml/2006/main">
   <p:cSld>
     <p:bg>
       <p:bgPr>
         <a:solidFill>
           <a:srgbClr val="CAE8FF"/>
         </a:solidFill>
+        <a:effectLst/>
       </p:bgPr>
     </p:bg>
     <p:spTree>
@@ -4684,12 +4682,12 @@
       </p:grpSpPr>
       <p:sp>
         <p:nvSpPr>
-          <p:cNvPr name="Freeform 2" id="2"/>
+          <p:cNvPr id="2" name="Freeform 2"/>
           <p:cNvSpPr/>
           <p:nvPr/>
         </p:nvSpPr>
         <p:spPr>
-          <a:xfrm flipH="true" flipV="false" rot="0">
+          <a:xfrm flipH="1">
             <a:off x="-793901" y="7885045"/>
             <a:ext cx="7315200" cy="3274807"/>
           </a:xfrm>
@@ -4698,9 +4696,9 @@
             <a:gdLst/>
             <a:ahLst/>
             <a:cxnLst/>
-            <a:rect r="r" b="b" t="t" l="l"/>
+            <a:rect l="l" t="t" r="r" b="b"/>
             <a:pathLst>
-              <a:path h="3274807" w="7315200">
+              <a:path w="7315200" h="3274807">
                 <a:moveTo>
                   <a:pt x="7315200" y="0"/>
                 </a:moveTo>
@@ -4729,19 +4727,19 @@
               </a:extLst>
             </a:blip>
             <a:stretch>
-              <a:fillRect l="0" t="0" r="0" b="0"/>
+              <a:fillRect/>
             </a:stretch>
           </a:blipFill>
         </p:spPr>
       </p:sp>
       <p:sp>
         <p:nvSpPr>
-          <p:cNvPr name="Freeform 3" id="3"/>
+          <p:cNvPr id="3" name="Freeform 3"/>
           <p:cNvSpPr/>
           <p:nvPr/>
         </p:nvSpPr>
         <p:spPr>
-          <a:xfrm flipH="false" flipV="false" rot="0">
+          <a:xfrm>
             <a:off x="13823566" y="7160107"/>
             <a:ext cx="6282137" cy="4114800"/>
           </a:xfrm>
@@ -4750,9 +4748,9 @@
             <a:gdLst/>
             <a:ahLst/>
             <a:cxnLst/>
-            <a:rect r="r" b="b" t="t" l="l"/>
+            <a:rect l="l" t="t" r="r" b="b"/>
             <a:pathLst>
-              <a:path h="4114800" w="6282137">
+              <a:path w="6282137" h="4114800">
                 <a:moveTo>
                   <a:pt x="0" y="0"/>
                 </a:moveTo>
@@ -4781,19 +4779,19 @@
               </a:extLst>
             </a:blip>
             <a:stretch>
-              <a:fillRect l="0" t="0" r="0" b="0"/>
+              <a:fillRect/>
             </a:stretch>
           </a:blipFill>
         </p:spPr>
       </p:sp>
       <p:sp>
         <p:nvSpPr>
-          <p:cNvPr name="Freeform 4" id="4"/>
+          <p:cNvPr id="4" name="Freeform 4"/>
           <p:cNvSpPr/>
           <p:nvPr/>
         </p:nvSpPr>
         <p:spPr>
-          <a:xfrm flipH="true" flipV="true" rot="0">
+          <a:xfrm flipH="1" flipV="1">
             <a:off x="-2112369" y="-1028700"/>
             <a:ext cx="6282137" cy="4114800"/>
           </a:xfrm>
@@ -4802,9 +4800,9 @@
             <a:gdLst/>
             <a:ahLst/>
             <a:cxnLst/>
-            <a:rect r="r" b="b" t="t" l="l"/>
+            <a:rect l="l" t="t" r="r" b="b"/>
             <a:pathLst>
-              <a:path h="4114800" w="6282137">
+              <a:path w="6282137" h="4114800">
                 <a:moveTo>
                   <a:pt x="6282138" y="4114800"/>
                 </a:moveTo>
@@ -4833,19 +4831,19 @@
               </a:extLst>
             </a:blip>
             <a:stretch>
-              <a:fillRect l="0" t="0" r="0" b="0"/>
+              <a:fillRect/>
             </a:stretch>
           </a:blipFill>
         </p:spPr>
       </p:sp>
       <p:sp>
         <p:nvSpPr>
-          <p:cNvPr name="Freeform 5" id="5"/>
+          <p:cNvPr id="5" name="Freeform 5"/>
           <p:cNvSpPr/>
           <p:nvPr/>
         </p:nvSpPr>
         <p:spPr>
-          <a:xfrm flipH="false" flipV="true" rot="0">
+          <a:xfrm flipV="1">
             <a:off x="12520266" y="-608703"/>
             <a:ext cx="7315200" cy="3274807"/>
           </a:xfrm>
@@ -4854,9 +4852,9 @@
             <a:gdLst/>
             <a:ahLst/>
             <a:cxnLst/>
-            <a:rect r="r" b="b" t="t" l="l"/>
+            <a:rect l="l" t="t" r="r" b="b"/>
             <a:pathLst>
-              <a:path h="3274807" w="7315200">
+              <a:path w="7315200" h="3274807">
                 <a:moveTo>
                   <a:pt x="0" y="3274806"/>
                 </a:moveTo>
@@ -4885,19 +4883,19 @@
               </a:extLst>
             </a:blip>
             <a:stretch>
-              <a:fillRect l="0" t="0" r="0" b="0"/>
+              <a:fillRect/>
             </a:stretch>
           </a:blipFill>
         </p:spPr>
       </p:sp>
       <p:sp>
         <p:nvSpPr>
-          <p:cNvPr name="Freeform 6" id="6"/>
+          <p:cNvPr id="6" name="Freeform 6"/>
           <p:cNvSpPr/>
           <p:nvPr/>
         </p:nvSpPr>
         <p:spPr>
-          <a:xfrm flipH="false" flipV="false" rot="0">
+          <a:xfrm>
             <a:off x="10639314" y="-2353783"/>
             <a:ext cx="3420356" cy="3490159"/>
           </a:xfrm>
@@ -4906,9 +4904,9 @@
             <a:gdLst/>
             <a:ahLst/>
             <a:cxnLst/>
-            <a:rect r="r" b="b" t="t" l="l"/>
+            <a:rect l="l" t="t" r="r" b="b"/>
             <a:pathLst>
-              <a:path h="3490159" w="3420356">
+              <a:path w="3420356" h="3490159">
                 <a:moveTo>
                   <a:pt x="0" y="0"/>
                 </a:moveTo>
@@ -4937,19 +4935,19 @@
               </a:extLst>
             </a:blip>
             <a:stretch>
-              <a:fillRect l="0" t="0" r="0" b="0"/>
+              <a:fillRect/>
             </a:stretch>
           </a:blipFill>
         </p:spPr>
       </p:sp>
       <p:sp>
         <p:nvSpPr>
-          <p:cNvPr name="Freeform 7" id="7"/>
+          <p:cNvPr id="7" name="Freeform 7"/>
           <p:cNvSpPr/>
           <p:nvPr/>
         </p:nvSpPr>
         <p:spPr>
-          <a:xfrm flipH="false" flipV="false" rot="0">
+          <a:xfrm>
             <a:off x="-2565274" y="6600548"/>
             <a:ext cx="3420356" cy="3490159"/>
           </a:xfrm>
@@ -4958,9 +4956,9 @@
             <a:gdLst/>
             <a:ahLst/>
             <a:cxnLst/>
-            <a:rect r="r" b="b" t="t" l="l"/>
+            <a:rect l="l" t="t" r="r" b="b"/>
             <a:pathLst>
-              <a:path h="3490159" w="3420356">
+              <a:path w="3420356" h="3490159">
                 <a:moveTo>
                   <a:pt x="0" y="0"/>
                 </a:moveTo>
@@ -4989,19 +4987,19 @@
               </a:extLst>
             </a:blip>
             <a:stretch>
-              <a:fillRect l="0" t="0" r="0" b="0"/>
+              <a:fillRect/>
             </a:stretch>
           </a:blipFill>
         </p:spPr>
       </p:sp>
       <p:sp>
         <p:nvSpPr>
-          <p:cNvPr name="Freeform 8" id="8"/>
+          <p:cNvPr id="8" name="Freeform 8"/>
           <p:cNvSpPr/>
           <p:nvPr/>
         </p:nvSpPr>
         <p:spPr>
-          <a:xfrm flipH="false" flipV="false" rot="-3497361">
+          <a:xfrm rot="-3497361">
             <a:off x="12366645" y="9293401"/>
             <a:ext cx="3061541" cy="3129828"/>
           </a:xfrm>
@@ -5010,9 +5008,9 @@
             <a:gdLst/>
             <a:ahLst/>
             <a:cxnLst/>
-            <a:rect r="r" b="b" t="t" l="l"/>
+            <a:rect l="l" t="t" r="r" b="b"/>
             <a:pathLst>
-              <a:path h="3129828" w="3061541">
+              <a:path w="3061541" h="3129828">
                 <a:moveTo>
                   <a:pt x="0" y="0"/>
                 </a:moveTo>
@@ -5041,19 +5039,19 @@
               </a:extLst>
             </a:blip>
             <a:stretch>
-              <a:fillRect l="0" t="0" r="0" b="0"/>
+              <a:fillRect/>
             </a:stretch>
           </a:blipFill>
         </p:spPr>
       </p:sp>
       <p:sp>
         <p:nvSpPr>
-          <p:cNvPr name="Freeform 9" id="9"/>
+          <p:cNvPr id="9" name="Freeform 9"/>
           <p:cNvSpPr/>
           <p:nvPr/>
         </p:nvSpPr>
         <p:spPr>
-          <a:xfrm flipH="false" flipV="false" rot="-3497361">
+          <a:xfrm rot="-3497361">
             <a:off x="2254467" y="-2259419"/>
             <a:ext cx="3061541" cy="3129828"/>
           </a:xfrm>
@@ -5062,9 +5060,9 @@
             <a:gdLst/>
             <a:ahLst/>
             <a:cxnLst/>
-            <a:rect r="r" b="b" t="t" l="l"/>
+            <a:rect l="l" t="t" r="r" b="b"/>
             <a:pathLst>
-              <a:path h="3129828" w="3061541">
+              <a:path w="3061541" h="3129828">
                 <a:moveTo>
                   <a:pt x="0" y="0"/>
                 </a:moveTo>
@@ -5093,19 +5091,19 @@
               </a:extLst>
             </a:blip>
             <a:stretch>
-              <a:fillRect l="0" t="0" r="0" b="0"/>
+              <a:fillRect/>
             </a:stretch>
           </a:blipFill>
         </p:spPr>
       </p:sp>
       <p:sp>
         <p:nvSpPr>
-          <p:cNvPr name="Freeform 10" id="10"/>
+          <p:cNvPr id="10" name="Freeform 10"/>
           <p:cNvSpPr/>
           <p:nvPr/>
         </p:nvSpPr>
         <p:spPr>
-          <a:xfrm flipH="false" flipV="false" rot="0">
+          <a:xfrm>
             <a:off x="15418916" y="183358"/>
             <a:ext cx="1517898" cy="1906037"/>
           </a:xfrm>
@@ -5114,9 +5112,9 @@
             <a:gdLst/>
             <a:ahLst/>
             <a:cxnLst/>
-            <a:rect r="r" b="b" t="t" l="l"/>
+            <a:rect l="l" t="t" r="r" b="b"/>
             <a:pathLst>
-              <a:path h="1906037" w="1517898">
+              <a:path w="1517898" h="1906037">
                 <a:moveTo>
                   <a:pt x="0" y="0"/>
                 </a:moveTo>
@@ -5145,19 +5143,19 @@
               </a:extLst>
             </a:blip>
             <a:stretch>
-              <a:fillRect l="0" t="0" r="0" b="0"/>
+              <a:fillRect/>
             </a:stretch>
           </a:blipFill>
         </p:spPr>
       </p:sp>
       <p:sp>
         <p:nvSpPr>
-          <p:cNvPr name="Freeform 11" id="11"/>
+          <p:cNvPr id="11" name="Freeform 11"/>
           <p:cNvSpPr/>
           <p:nvPr/>
         </p:nvSpPr>
         <p:spPr>
-          <a:xfrm flipH="false" flipV="false" rot="0">
+          <a:xfrm>
             <a:off x="1649325" y="8616443"/>
             <a:ext cx="2592823" cy="1202127"/>
           </a:xfrm>
@@ -5166,9 +5164,9 @@
             <a:gdLst/>
             <a:ahLst/>
             <a:cxnLst/>
-            <a:rect r="r" b="b" t="t" l="l"/>
+            <a:rect l="l" t="t" r="r" b="b"/>
             <a:pathLst>
-              <a:path h="1202127" w="2592823">
+              <a:path w="2592823" h="1202127">
                 <a:moveTo>
                   <a:pt x="0" y="0"/>
                 </a:moveTo>
@@ -5197,19 +5195,19 @@
               </a:extLst>
             </a:blip>
             <a:stretch>
-              <a:fillRect l="0" t="0" r="0" b="0"/>
+              <a:fillRect/>
             </a:stretch>
           </a:blipFill>
         </p:spPr>
       </p:sp>
       <p:sp>
         <p:nvSpPr>
-          <p:cNvPr name="Freeform 12" id="12"/>
+          <p:cNvPr id="12" name="Freeform 12"/>
           <p:cNvSpPr/>
           <p:nvPr/>
         </p:nvSpPr>
         <p:spPr>
-          <a:xfrm flipH="false" flipV="false" rot="0">
+          <a:xfrm>
             <a:off x="17570909" y="6146977"/>
             <a:ext cx="2534795" cy="2586526"/>
           </a:xfrm>
@@ -5218,9 +5216,9 @@
             <a:gdLst/>
             <a:ahLst/>
             <a:cxnLst/>
-            <a:rect r="r" b="b" t="t" l="l"/>
+            <a:rect l="l" t="t" r="r" b="b"/>
             <a:pathLst>
-              <a:path h="2586526" w="2534795">
+              <a:path w="2534795" h="2586526">
                 <a:moveTo>
                   <a:pt x="0" y="0"/>
                 </a:moveTo>
@@ -5249,19 +5247,19 @@
               </a:extLst>
             </a:blip>
             <a:stretch>
-              <a:fillRect l="0" t="0" r="0" b="0"/>
+              <a:fillRect/>
             </a:stretch>
           </a:blipFill>
         </p:spPr>
       </p:sp>
       <p:sp>
         <p:nvSpPr>
-          <p:cNvPr name="Freeform 13" id="13"/>
+          <p:cNvPr id="13" name="Freeform 13"/>
           <p:cNvSpPr/>
           <p:nvPr/>
         </p:nvSpPr>
         <p:spPr>
-          <a:xfrm flipH="false" flipV="false" rot="0">
+          <a:xfrm>
             <a:off x="15980614" y="8615741"/>
             <a:ext cx="2857693" cy="2405658"/>
           </a:xfrm>
@@ -5270,9 +5268,9 @@
             <a:gdLst/>
             <a:ahLst/>
             <a:cxnLst/>
-            <a:rect r="r" b="b" t="t" l="l"/>
+            <a:rect l="l" t="t" r="r" b="b"/>
             <a:pathLst>
-              <a:path h="2405658" w="2857693">
+              <a:path w="2857693" h="2405658">
                 <a:moveTo>
                   <a:pt x="0" y="0"/>
                 </a:moveTo>
@@ -5301,19 +5299,19 @@
               </a:extLst>
             </a:blip>
             <a:stretch>
-              <a:fillRect l="0" t="0" r="0" b="0"/>
+              <a:fillRect/>
             </a:stretch>
           </a:blipFill>
         </p:spPr>
       </p:sp>
       <p:sp>
         <p:nvSpPr>
-          <p:cNvPr name="Freeform 14" id="14"/>
+          <p:cNvPr id="14" name="Freeform 14"/>
           <p:cNvSpPr/>
           <p:nvPr/>
         </p:nvSpPr>
         <p:spPr>
-          <a:xfrm flipH="false" flipV="false" rot="0">
+          <a:xfrm>
             <a:off x="-573764" y="-608703"/>
             <a:ext cx="2857693" cy="2405658"/>
           </a:xfrm>
@@ -5322,9 +5320,9 @@
             <a:gdLst/>
             <a:ahLst/>
             <a:cxnLst/>
-            <a:rect r="r" b="b" t="t" l="l"/>
+            <a:rect l="l" t="t" r="r" b="b"/>
             <a:pathLst>
-              <a:path h="2405658" w="2857693">
+              <a:path w="2857693" h="2405658">
                 <a:moveTo>
                   <a:pt x="0" y="0"/>
                 </a:moveTo>
@@ -5353,19 +5351,19 @@
               </a:extLst>
             </a:blip>
             <a:stretch>
-              <a:fillRect l="0" t="0" r="0" b="0"/>
+              <a:fillRect/>
             </a:stretch>
           </a:blipFill>
         </p:spPr>
       </p:sp>
       <p:sp>
         <p:nvSpPr>
-          <p:cNvPr name="TextBox 15" id="15"/>
-          <p:cNvSpPr txBox="true"/>
-          <p:nvPr/>
-        </p:nvSpPr>
-        <p:spPr>
-          <a:xfrm rot="0">
+          <p:cNvPr id="15" name="TextBox 15"/>
+          <p:cNvSpPr txBox="1"/>
+          <p:nvPr/>
+        </p:nvSpPr>
+        <p:spPr>
+          <a:xfrm>
             <a:off x="4035421" y="1680658"/>
             <a:ext cx="10217158" cy="1274674"/>
           </a:xfrm>
@@ -5374,7 +5372,7 @@
           </a:prstGeom>
         </p:spPr>
         <p:txBody>
-          <a:bodyPr anchor="t" rtlCol="false" tIns="0" lIns="0" bIns="0" rIns="0">
+          <a:bodyPr lIns="0" tIns="0" rIns="0" bIns="0" rtlCol="0" anchor="t">
             <a:spAutoFit/>
           </a:bodyPr>
           <a:lstStyle/>
@@ -5401,12 +5399,12 @@
       </p:sp>
       <p:sp>
         <p:nvSpPr>
-          <p:cNvPr name="TextBox 16" id="16"/>
-          <p:cNvSpPr txBox="true"/>
-          <p:nvPr/>
-        </p:nvSpPr>
-        <p:spPr>
-          <a:xfrm rot="0">
+          <p:cNvPr id="16" name="TextBox 16"/>
+          <p:cNvSpPr txBox="1"/>
+          <p:nvPr/>
+        </p:nvSpPr>
+        <p:spPr>
+          <a:xfrm>
             <a:off x="5608457" y="2573894"/>
             <a:ext cx="10061714" cy="7516813"/>
           </a:xfrm>
@@ -5415,7 +5413,7 @@
           </a:prstGeom>
         </p:spPr>
         <p:txBody>
-          <a:bodyPr anchor="t" rtlCol="false" tIns="0" lIns="0" bIns="0" rIns="0">
+          <a:bodyPr lIns="0" tIns="0" rIns="0" bIns="0" rtlCol="0" anchor="t">
             <a:spAutoFit/>
           </a:bodyPr>
           <a:lstStyle/>
@@ -5482,6 +5480,15 @@
                 <a:spcPts val="4262"/>
               </a:lnSpc>
             </a:pPr>
+            <a:endParaRPr lang="en-US" sz="3437">
+              <a:solidFill>
+                <a:srgbClr val="4F7BC7"/>
+              </a:solidFill>
+              <a:latin typeface="Jet"/>
+              <a:ea typeface="Jet"/>
+              <a:cs typeface="Jet"/>
+              <a:sym typeface="Jet"/>
+            </a:endParaRPr>
           </a:p>
           <a:p>
             <a:pPr algn="l">
@@ -5508,6 +5515,15 @@
                 <a:spcPts val="4262"/>
               </a:lnSpc>
             </a:pPr>
+            <a:endParaRPr lang="en-US" sz="3437">
+              <a:solidFill>
+                <a:srgbClr val="4F7BC7"/>
+              </a:solidFill>
+              <a:latin typeface="Jet"/>
+              <a:ea typeface="Jet"/>
+              <a:cs typeface="Jet"/>
+              <a:sym typeface="Jet"/>
+            </a:endParaRPr>
           </a:p>
           <a:p>
             <a:pPr algn="l">
@@ -5534,6 +5550,15 @@
                 <a:spcPts val="4262"/>
               </a:lnSpc>
             </a:pPr>
+            <a:endParaRPr lang="en-US" sz="3437">
+              <a:solidFill>
+                <a:srgbClr val="4F7BC7"/>
+              </a:solidFill>
+              <a:latin typeface="Jet"/>
+              <a:ea typeface="Jet"/>
+              <a:cs typeface="Jet"/>
+              <a:sym typeface="Jet"/>
+            </a:endParaRPr>
           </a:p>
           <a:p>
             <a:pPr algn="l">
@@ -5541,17 +5566,26 @@
                 <a:spcPts val="4262"/>
               </a:lnSpc>
             </a:pPr>
+            <a:endParaRPr lang="en-US" sz="3437">
+              <a:solidFill>
+                <a:srgbClr val="4F7BC7"/>
+              </a:solidFill>
+              <a:latin typeface="Jet"/>
+              <a:ea typeface="Jet"/>
+              <a:cs typeface="Jet"/>
+              <a:sym typeface="Jet"/>
+            </a:endParaRPr>
           </a:p>
         </p:txBody>
       </p:sp>
       <p:sp>
         <p:nvSpPr>
-          <p:cNvPr name="Freeform 17" id="17"/>
+          <p:cNvPr id="17" name="Freeform 17"/>
           <p:cNvSpPr/>
           <p:nvPr/>
         </p:nvSpPr>
         <p:spPr>
-          <a:xfrm flipH="false" flipV="false" rot="0">
+          <a:xfrm>
             <a:off x="1764543" y="2261737"/>
             <a:ext cx="3631195" cy="5623309"/>
           </a:xfrm>
@@ -5560,9 +5594,9 @@
             <a:gdLst/>
             <a:ahLst/>
             <a:cxnLst/>
-            <a:rect r="r" b="b" t="t" l="l"/>
+            <a:rect l="l" t="t" r="r" b="b"/>
             <a:pathLst>
-              <a:path h="5623309" w="3631195">
+              <a:path w="3631195" h="5623309">
                 <a:moveTo>
                   <a:pt x="0" y="0"/>
                 </a:moveTo>
@@ -5585,7 +5619,7 @@
           <a:blipFill>
             <a:blip r:embed="rId18"/>
             <a:stretch>
-              <a:fillRect l="0" t="0" r="0" b="0"/>
+              <a:fillRect/>
             </a:stretch>
           </a:blipFill>
         </p:spPr>
@@ -5599,13 +5633,14 @@
 </file>
 
 <file path=ppt/slides/slide4.xml><?xml version="1.0" encoding="utf-8"?>
-<p:sld xmlns:p="http://schemas.openxmlformats.org/presentationml/2006/main" xmlns:a="http://schemas.openxmlformats.org/drawingml/2006/main" xmlns:r="http://schemas.openxmlformats.org/officeDocument/2006/relationships">
+<p:sld xmlns:a="http://schemas.openxmlformats.org/drawingml/2006/main" xmlns:r="http://schemas.openxmlformats.org/officeDocument/2006/relationships" xmlns:p="http://schemas.openxmlformats.org/presentationml/2006/main">
   <p:cSld>
     <p:bg>
       <p:bgPr>
         <a:solidFill>
           <a:srgbClr val="CAE8FF"/>
         </a:solidFill>
+        <a:effectLst/>
       </p:bgPr>
     </p:bg>
     <p:spTree>
@@ -5624,12 +5659,12 @@
       </p:grpSpPr>
       <p:sp>
         <p:nvSpPr>
-          <p:cNvPr name="Freeform 2" id="2"/>
+          <p:cNvPr id="2" name="Freeform 2"/>
           <p:cNvSpPr/>
           <p:nvPr/>
         </p:nvSpPr>
         <p:spPr>
-          <a:xfrm flipH="true" flipV="false" rot="0">
+          <a:xfrm flipH="1">
             <a:off x="-793901" y="7885045"/>
             <a:ext cx="7315200" cy="3274807"/>
           </a:xfrm>
@@ -5638,9 +5673,9 @@
             <a:gdLst/>
             <a:ahLst/>
             <a:cxnLst/>
-            <a:rect r="r" b="b" t="t" l="l"/>
+            <a:rect l="l" t="t" r="r" b="b"/>
             <a:pathLst>
-              <a:path h="3274807" w="7315200">
+              <a:path w="7315200" h="3274807">
                 <a:moveTo>
                   <a:pt x="7315200" y="0"/>
                 </a:moveTo>
@@ -5669,19 +5704,19 @@
               </a:extLst>
             </a:blip>
             <a:stretch>
-              <a:fillRect l="0" t="0" r="0" b="0"/>
+              <a:fillRect/>
             </a:stretch>
           </a:blipFill>
         </p:spPr>
       </p:sp>
       <p:sp>
         <p:nvSpPr>
-          <p:cNvPr name="Freeform 3" id="3"/>
+          <p:cNvPr id="3" name="Freeform 3"/>
           <p:cNvSpPr/>
           <p:nvPr/>
         </p:nvSpPr>
         <p:spPr>
-          <a:xfrm flipH="false" flipV="false" rot="0">
+          <a:xfrm>
             <a:off x="13823566" y="7160107"/>
             <a:ext cx="6282137" cy="4114800"/>
           </a:xfrm>
@@ -5690,9 +5725,9 @@
             <a:gdLst/>
             <a:ahLst/>
             <a:cxnLst/>
-            <a:rect r="r" b="b" t="t" l="l"/>
+            <a:rect l="l" t="t" r="r" b="b"/>
             <a:pathLst>
-              <a:path h="4114800" w="6282137">
+              <a:path w="6282137" h="4114800">
                 <a:moveTo>
                   <a:pt x="0" y="0"/>
                 </a:moveTo>
@@ -5721,19 +5756,19 @@
               </a:extLst>
             </a:blip>
             <a:stretch>
-              <a:fillRect l="0" t="0" r="0" b="0"/>
+              <a:fillRect/>
             </a:stretch>
           </a:blipFill>
         </p:spPr>
       </p:sp>
       <p:sp>
         <p:nvSpPr>
-          <p:cNvPr name="Freeform 4" id="4"/>
+          <p:cNvPr id="4" name="Freeform 4"/>
           <p:cNvSpPr/>
           <p:nvPr/>
         </p:nvSpPr>
         <p:spPr>
-          <a:xfrm flipH="true" flipV="true" rot="0">
+          <a:xfrm flipH="1" flipV="1">
             <a:off x="-2112369" y="-1028700"/>
             <a:ext cx="6282137" cy="4114800"/>
           </a:xfrm>
@@ -5742,9 +5777,9 @@
             <a:gdLst/>
             <a:ahLst/>
             <a:cxnLst/>
-            <a:rect r="r" b="b" t="t" l="l"/>
+            <a:rect l="l" t="t" r="r" b="b"/>
             <a:pathLst>
-              <a:path h="4114800" w="6282137">
+              <a:path w="6282137" h="4114800">
                 <a:moveTo>
                   <a:pt x="6282138" y="4114800"/>
                 </a:moveTo>
@@ -5773,19 +5808,19 @@
               </a:extLst>
             </a:blip>
             <a:stretch>
-              <a:fillRect l="0" t="0" r="0" b="0"/>
+              <a:fillRect/>
             </a:stretch>
           </a:blipFill>
         </p:spPr>
       </p:sp>
       <p:sp>
         <p:nvSpPr>
-          <p:cNvPr name="Freeform 5" id="5"/>
+          <p:cNvPr id="5" name="Freeform 5"/>
           <p:cNvSpPr/>
           <p:nvPr/>
         </p:nvSpPr>
         <p:spPr>
-          <a:xfrm flipH="false" flipV="true" rot="0">
+          <a:xfrm flipV="1">
             <a:off x="12520266" y="-608703"/>
             <a:ext cx="7315200" cy="3274807"/>
           </a:xfrm>
@@ -5794,9 +5829,9 @@
             <a:gdLst/>
             <a:ahLst/>
             <a:cxnLst/>
-            <a:rect r="r" b="b" t="t" l="l"/>
+            <a:rect l="l" t="t" r="r" b="b"/>
             <a:pathLst>
-              <a:path h="3274807" w="7315200">
+              <a:path w="7315200" h="3274807">
                 <a:moveTo>
                   <a:pt x="0" y="3274806"/>
                 </a:moveTo>
@@ -5825,19 +5860,19 @@
               </a:extLst>
             </a:blip>
             <a:stretch>
-              <a:fillRect l="0" t="0" r="0" b="0"/>
+              <a:fillRect/>
             </a:stretch>
           </a:blipFill>
         </p:spPr>
       </p:sp>
       <p:sp>
         <p:nvSpPr>
-          <p:cNvPr name="Freeform 6" id="6"/>
+          <p:cNvPr id="6" name="Freeform 6"/>
           <p:cNvSpPr/>
           <p:nvPr/>
         </p:nvSpPr>
         <p:spPr>
-          <a:xfrm flipH="false" flipV="false" rot="0">
+          <a:xfrm>
             <a:off x="10639314" y="-2353783"/>
             <a:ext cx="3420356" cy="3490159"/>
           </a:xfrm>
@@ -5846,9 +5881,9 @@
             <a:gdLst/>
             <a:ahLst/>
             <a:cxnLst/>
-            <a:rect r="r" b="b" t="t" l="l"/>
+            <a:rect l="l" t="t" r="r" b="b"/>
             <a:pathLst>
-              <a:path h="3490159" w="3420356">
+              <a:path w="3420356" h="3490159">
                 <a:moveTo>
                   <a:pt x="0" y="0"/>
                 </a:moveTo>
@@ -5877,19 +5912,19 @@
               </a:extLst>
             </a:blip>
             <a:stretch>
-              <a:fillRect l="0" t="0" r="0" b="0"/>
+              <a:fillRect/>
             </a:stretch>
           </a:blipFill>
         </p:spPr>
       </p:sp>
       <p:sp>
         <p:nvSpPr>
-          <p:cNvPr name="Freeform 7" id="7"/>
+          <p:cNvPr id="7" name="Freeform 7"/>
           <p:cNvSpPr/>
           <p:nvPr/>
         </p:nvSpPr>
         <p:spPr>
-          <a:xfrm flipH="false" flipV="false" rot="0">
+          <a:xfrm>
             <a:off x="-2565274" y="6600548"/>
             <a:ext cx="3420356" cy="3490159"/>
           </a:xfrm>
@@ -5898,9 +5933,9 @@
             <a:gdLst/>
             <a:ahLst/>
             <a:cxnLst/>
-            <a:rect r="r" b="b" t="t" l="l"/>
+            <a:rect l="l" t="t" r="r" b="b"/>
             <a:pathLst>
-              <a:path h="3490159" w="3420356">
+              <a:path w="3420356" h="3490159">
                 <a:moveTo>
                   <a:pt x="0" y="0"/>
                 </a:moveTo>
@@ -5929,19 +5964,19 @@
               </a:extLst>
             </a:blip>
             <a:stretch>
-              <a:fillRect l="0" t="0" r="0" b="0"/>
+              <a:fillRect/>
             </a:stretch>
           </a:blipFill>
         </p:spPr>
       </p:sp>
       <p:sp>
         <p:nvSpPr>
-          <p:cNvPr name="Freeform 8" id="8"/>
+          <p:cNvPr id="8" name="Freeform 8"/>
           <p:cNvSpPr/>
           <p:nvPr/>
         </p:nvSpPr>
         <p:spPr>
-          <a:xfrm flipH="false" flipV="false" rot="-3497361">
+          <a:xfrm rot="-3497361">
             <a:off x="12366645" y="9293401"/>
             <a:ext cx="3061541" cy="3129828"/>
           </a:xfrm>
@@ -5950,9 +5985,9 @@
             <a:gdLst/>
             <a:ahLst/>
             <a:cxnLst/>
-            <a:rect r="r" b="b" t="t" l="l"/>
+            <a:rect l="l" t="t" r="r" b="b"/>
             <a:pathLst>
-              <a:path h="3129828" w="3061541">
+              <a:path w="3061541" h="3129828">
                 <a:moveTo>
                   <a:pt x="0" y="0"/>
                 </a:moveTo>
@@ -5981,19 +6016,19 @@
               </a:extLst>
             </a:blip>
             <a:stretch>
-              <a:fillRect l="0" t="0" r="0" b="0"/>
+              <a:fillRect/>
             </a:stretch>
           </a:blipFill>
         </p:spPr>
       </p:sp>
       <p:sp>
         <p:nvSpPr>
-          <p:cNvPr name="Freeform 9" id="9"/>
+          <p:cNvPr id="9" name="Freeform 9"/>
           <p:cNvSpPr/>
           <p:nvPr/>
         </p:nvSpPr>
         <p:spPr>
-          <a:xfrm flipH="false" flipV="false" rot="-3497361">
+          <a:xfrm rot="-3497361">
             <a:off x="2254467" y="-2259419"/>
             <a:ext cx="3061541" cy="3129828"/>
           </a:xfrm>
@@ -6002,9 +6037,9 @@
             <a:gdLst/>
             <a:ahLst/>
             <a:cxnLst/>
-            <a:rect r="r" b="b" t="t" l="l"/>
+            <a:rect l="l" t="t" r="r" b="b"/>
             <a:pathLst>
-              <a:path h="3129828" w="3061541">
+              <a:path w="3061541" h="3129828">
                 <a:moveTo>
                   <a:pt x="0" y="0"/>
                 </a:moveTo>
@@ -6033,19 +6068,19 @@
               </a:extLst>
             </a:blip>
             <a:stretch>
-              <a:fillRect l="0" t="0" r="0" b="0"/>
+              <a:fillRect/>
             </a:stretch>
           </a:blipFill>
         </p:spPr>
       </p:sp>
       <p:sp>
         <p:nvSpPr>
-          <p:cNvPr name="Freeform 10" id="10"/>
+          <p:cNvPr id="10" name="Freeform 10"/>
           <p:cNvSpPr/>
           <p:nvPr/>
         </p:nvSpPr>
         <p:spPr>
-          <a:xfrm flipH="false" flipV="false" rot="0">
+          <a:xfrm>
             <a:off x="15418916" y="183358"/>
             <a:ext cx="1517898" cy="1906037"/>
           </a:xfrm>
@@ -6054,9 +6089,9 @@
             <a:gdLst/>
             <a:ahLst/>
             <a:cxnLst/>
-            <a:rect r="r" b="b" t="t" l="l"/>
+            <a:rect l="l" t="t" r="r" b="b"/>
             <a:pathLst>
-              <a:path h="1906037" w="1517898">
+              <a:path w="1517898" h="1906037">
                 <a:moveTo>
                   <a:pt x="0" y="0"/>
                 </a:moveTo>
@@ -6085,19 +6120,19 @@
               </a:extLst>
             </a:blip>
             <a:stretch>
-              <a:fillRect l="0" t="0" r="0" b="0"/>
+              <a:fillRect/>
             </a:stretch>
           </a:blipFill>
         </p:spPr>
       </p:sp>
       <p:sp>
         <p:nvSpPr>
-          <p:cNvPr name="Freeform 11" id="11"/>
+          <p:cNvPr id="11" name="Freeform 11"/>
           <p:cNvSpPr/>
           <p:nvPr/>
         </p:nvSpPr>
         <p:spPr>
-          <a:xfrm flipH="false" flipV="false" rot="0">
+          <a:xfrm>
             <a:off x="1649325" y="8616443"/>
             <a:ext cx="2592823" cy="1202127"/>
           </a:xfrm>
@@ -6106,9 +6141,9 @@
             <a:gdLst/>
             <a:ahLst/>
             <a:cxnLst/>
-            <a:rect r="r" b="b" t="t" l="l"/>
+            <a:rect l="l" t="t" r="r" b="b"/>
             <a:pathLst>
-              <a:path h="1202127" w="2592823">
+              <a:path w="2592823" h="1202127">
                 <a:moveTo>
                   <a:pt x="0" y="0"/>
                 </a:moveTo>
@@ -6137,19 +6172,19 @@
               </a:extLst>
             </a:blip>
             <a:stretch>
-              <a:fillRect l="0" t="0" r="0" b="0"/>
+              <a:fillRect/>
             </a:stretch>
           </a:blipFill>
         </p:spPr>
       </p:sp>
       <p:sp>
         <p:nvSpPr>
-          <p:cNvPr name="TextBox 12" id="12"/>
-          <p:cNvSpPr txBox="true"/>
-          <p:nvPr/>
-        </p:nvSpPr>
-        <p:spPr>
-          <a:xfrm rot="0">
+          <p:cNvPr id="12" name="TextBox 12"/>
+          <p:cNvSpPr txBox="1"/>
+          <p:nvPr/>
+        </p:nvSpPr>
+        <p:spPr>
+          <a:xfrm>
             <a:off x="4035421" y="3076625"/>
             <a:ext cx="10217158" cy="1274674"/>
           </a:xfrm>
@@ -6158,7 +6193,7 @@
           </a:prstGeom>
         </p:spPr>
         <p:txBody>
-          <a:bodyPr anchor="t" rtlCol="false" tIns="0" lIns="0" bIns="0" rIns="0">
+          <a:bodyPr lIns="0" tIns="0" rIns="0" bIns="0" rtlCol="0" anchor="t">
             <a:spAutoFit/>
           </a:bodyPr>
           <a:lstStyle/>
@@ -6185,12 +6220,12 @@
       </p:sp>
       <p:sp>
         <p:nvSpPr>
-          <p:cNvPr name="TextBox 13" id="13"/>
-          <p:cNvSpPr txBox="true"/>
-          <p:nvPr/>
-        </p:nvSpPr>
-        <p:spPr>
-          <a:xfrm rot="0">
+          <p:cNvPr id="13" name="TextBox 13"/>
+          <p:cNvSpPr txBox="1"/>
+          <p:nvPr/>
+        </p:nvSpPr>
+        <p:spPr>
+          <a:xfrm>
             <a:off x="4633379" y="4284624"/>
             <a:ext cx="10061714" cy="1649413"/>
           </a:xfrm>
@@ -6199,7 +6234,7 @@
           </a:prstGeom>
         </p:spPr>
         <p:txBody>
-          <a:bodyPr anchor="t" rtlCol="false" tIns="0" lIns="0" bIns="0" rIns="0">
+          <a:bodyPr lIns="0" tIns="0" rIns="0" bIns="0" rtlCol="0" anchor="t">
             <a:spAutoFit/>
           </a:bodyPr>
           <a:lstStyle/>
@@ -6226,12 +6261,12 @@
       </p:sp>
       <p:sp>
         <p:nvSpPr>
-          <p:cNvPr name="TextBox 14" id="14"/>
-          <p:cNvSpPr txBox="true"/>
-          <p:nvPr/>
-        </p:nvSpPr>
-        <p:spPr>
-          <a:xfrm rot="0">
+          <p:cNvPr id="14" name="TextBox 14"/>
+          <p:cNvSpPr txBox="1"/>
+          <p:nvPr/>
+        </p:nvSpPr>
+        <p:spPr>
+          <a:xfrm>
             <a:off x="3592907" y="4932922"/>
             <a:ext cx="712566" cy="638566"/>
           </a:xfrm>
@@ -6240,7 +6275,7 @@
           </a:prstGeom>
         </p:spPr>
         <p:txBody>
-          <a:bodyPr anchor="t" rtlCol="false" tIns="0" lIns="0" bIns="0" rIns="0">
+          <a:bodyPr lIns="0" tIns="0" rIns="0" bIns="0" rtlCol="0" anchor="t">
             <a:spAutoFit/>
           </a:bodyPr>
           <a:lstStyle/>
@@ -6267,21 +6302,21 @@
       </p:sp>
       <p:sp>
         <p:nvSpPr>
-          <p:cNvPr name="TextBox 15" id="15"/>
-          <p:cNvSpPr txBox="true"/>
-          <p:nvPr/>
-        </p:nvSpPr>
-        <p:spPr>
-          <a:xfrm rot="0">
+          <p:cNvPr id="15" name="TextBox 15"/>
+          <p:cNvSpPr txBox="1"/>
+          <p:nvPr/>
+        </p:nvSpPr>
+        <p:spPr>
+          <a:xfrm>
             <a:off x="4633379" y="6018162"/>
-            <a:ext cx="10061714" cy="1116013"/>
+            <a:ext cx="10061714" cy="1654299"/>
           </a:xfrm>
           <a:prstGeom prst="rect">
             <a:avLst/>
           </a:prstGeom>
         </p:spPr>
         <p:txBody>
-          <a:bodyPr anchor="t" rtlCol="false" tIns="0" lIns="0" bIns="0" rIns="0">
+          <a:bodyPr lIns="0" tIns="0" rIns="0" bIns="0" rtlCol="0" anchor="t">
             <a:spAutoFit/>
           </a:bodyPr>
           <a:lstStyle/>
@@ -6292,7 +6327,7 @@
               </a:lnSpc>
             </a:pPr>
             <a:r>
-              <a:rPr lang="en-US" sz="3437">
+              <a:rPr lang="en-US" sz="3437" dirty="0">
                 <a:solidFill>
                   <a:srgbClr val="4F7BC7"/>
                 </a:solidFill>
@@ -6301,19 +6336,187 @@
                 <a:cs typeface="Jet"/>
                 <a:sym typeface="Jet"/>
               </a:rPr>
-              <a:t>Sur le stockage des donné avec le fichier .db avec le quel il a été récupérer et insérer des donnés.</a:t>
+              <a:t>Sur le stockage des données avec le </a:t>
+            </a:r>
+            <a:r>
+              <a:rPr lang="en-US" sz="3437" dirty="0" err="1">
+                <a:solidFill>
+                  <a:srgbClr val="4F7BC7"/>
+                </a:solidFill>
+                <a:latin typeface="Jet"/>
+                <a:ea typeface="Jet"/>
+                <a:cs typeface="Jet"/>
+                <a:sym typeface="Jet"/>
+              </a:rPr>
+              <a:t>fichier</a:t>
+            </a:r>
+            <a:r>
+              <a:rPr lang="en-US" sz="3437" dirty="0">
+                <a:solidFill>
+                  <a:srgbClr val="4F7BC7"/>
+                </a:solidFill>
+                <a:latin typeface="Jet"/>
+                <a:ea typeface="Jet"/>
+                <a:cs typeface="Jet"/>
+                <a:sym typeface="Jet"/>
+              </a:rPr>
+              <a:t> .</a:t>
+            </a:r>
+            <a:r>
+              <a:rPr lang="en-US" sz="3437" dirty="0" err="1">
+                <a:solidFill>
+                  <a:srgbClr val="4F7BC7"/>
+                </a:solidFill>
+                <a:latin typeface="Jet"/>
+                <a:ea typeface="Jet"/>
+                <a:cs typeface="Jet"/>
+                <a:sym typeface="Jet"/>
+              </a:rPr>
+              <a:t>db</a:t>
+            </a:r>
+            <a:r>
+              <a:rPr lang="en-US" sz="3437" dirty="0">
+                <a:solidFill>
+                  <a:srgbClr val="4F7BC7"/>
+                </a:solidFill>
+                <a:latin typeface="Jet"/>
+                <a:ea typeface="Jet"/>
+                <a:cs typeface="Jet"/>
+                <a:sym typeface="Jet"/>
+              </a:rPr>
+              <a:t> avec le </a:t>
+            </a:r>
+            <a:r>
+              <a:rPr lang="en-US" sz="3437" dirty="0" err="1">
+                <a:solidFill>
+                  <a:srgbClr val="4F7BC7"/>
+                </a:solidFill>
+                <a:latin typeface="Jet"/>
+                <a:ea typeface="Jet"/>
+                <a:cs typeface="Jet"/>
+                <a:sym typeface="Jet"/>
+              </a:rPr>
+              <a:t>quel</a:t>
+            </a:r>
+            <a:r>
+              <a:rPr lang="en-US" sz="3437" dirty="0">
+                <a:solidFill>
+                  <a:srgbClr val="4F7BC7"/>
+                </a:solidFill>
+                <a:latin typeface="Jet"/>
+                <a:ea typeface="Jet"/>
+                <a:cs typeface="Jet"/>
+                <a:sym typeface="Jet"/>
+              </a:rPr>
+              <a:t> il a </a:t>
+            </a:r>
+            <a:r>
+              <a:rPr lang="en-US" sz="3437" dirty="0" err="1">
+                <a:solidFill>
+                  <a:srgbClr val="4F7BC7"/>
+                </a:solidFill>
+                <a:latin typeface="Jet"/>
+                <a:ea typeface="Jet"/>
+                <a:cs typeface="Jet"/>
+                <a:sym typeface="Jet"/>
+              </a:rPr>
+              <a:t>été</a:t>
+            </a:r>
+            <a:r>
+              <a:rPr lang="en-US" sz="3437" dirty="0">
+                <a:solidFill>
+                  <a:srgbClr val="4F7BC7"/>
+                </a:solidFill>
+                <a:latin typeface="Jet"/>
+                <a:ea typeface="Jet"/>
+                <a:cs typeface="Jet"/>
+                <a:sym typeface="Jet"/>
+              </a:rPr>
+              <a:t> </a:t>
+            </a:r>
+            <a:r>
+              <a:rPr lang="en-US" sz="3437" dirty="0" err="1">
+                <a:solidFill>
+                  <a:srgbClr val="4F7BC7"/>
+                </a:solidFill>
+                <a:latin typeface="Jet"/>
+                <a:ea typeface="Jet"/>
+                <a:cs typeface="Jet"/>
+                <a:sym typeface="Jet"/>
+              </a:rPr>
+              <a:t>récupérer</a:t>
+            </a:r>
+            <a:r>
+              <a:rPr lang="en-US" sz="3437" dirty="0">
+                <a:solidFill>
+                  <a:srgbClr val="4F7BC7"/>
+                </a:solidFill>
+                <a:latin typeface="Jet"/>
+                <a:ea typeface="Jet"/>
+                <a:cs typeface="Jet"/>
+                <a:sym typeface="Jet"/>
+              </a:rPr>
+              <a:t> et </a:t>
+            </a:r>
+            <a:r>
+              <a:rPr lang="en-US" sz="3437" dirty="0" err="1">
+                <a:solidFill>
+                  <a:srgbClr val="4F7BC7"/>
+                </a:solidFill>
+                <a:latin typeface="Jet"/>
+                <a:ea typeface="Jet"/>
+                <a:cs typeface="Jet"/>
+                <a:sym typeface="Jet"/>
+              </a:rPr>
+              <a:t>insérer</a:t>
+            </a:r>
+            <a:r>
+              <a:rPr lang="en-US" sz="3437" dirty="0">
+                <a:solidFill>
+                  <a:srgbClr val="4F7BC7"/>
+                </a:solidFill>
+                <a:latin typeface="Jet"/>
+                <a:ea typeface="Jet"/>
+                <a:cs typeface="Jet"/>
+                <a:sym typeface="Jet"/>
+              </a:rPr>
+              <a:t> des </a:t>
+            </a:r>
+            <a:r>
+              <a:rPr lang="en-US" sz="3437" dirty="0" err="1">
+                <a:solidFill>
+                  <a:srgbClr val="4F7BC7"/>
+                </a:solidFill>
+                <a:latin typeface="Jet"/>
+                <a:ea typeface="Jet"/>
+                <a:cs typeface="Jet"/>
+                <a:sym typeface="Jet"/>
+              </a:rPr>
+              <a:t>donnés</a:t>
+            </a:r>
+            <a:r>
+              <a:rPr lang="en-US" sz="3437" dirty="0">
+                <a:solidFill>
+                  <a:srgbClr val="4F7BC7"/>
+                </a:solidFill>
+                <a:latin typeface="Jet"/>
+                <a:ea typeface="Jet"/>
+                <a:cs typeface="Jet"/>
+                <a:sym typeface="Jet"/>
+              </a:rPr>
+              <a:t>.</a:t>
             </a:r>
           </a:p>
         </p:txBody>
       </p:sp>
       <p:sp>
         <p:nvSpPr>
-          <p:cNvPr name="TextBox 16" id="16"/>
-          <p:cNvSpPr txBox="true"/>
-          <p:nvPr/>
-        </p:nvSpPr>
-        <p:spPr>
-          <a:xfrm rot="0">
+          <p:cNvPr id="16" name="TextBox 16"/>
+          <p:cNvSpPr txBox="1"/>
+          <p:nvPr/>
+        </p:nvSpPr>
+        <p:spPr>
+          <a:xfrm>
             <a:off x="3592907" y="6666461"/>
             <a:ext cx="712566" cy="638566"/>
           </a:xfrm>
@@ -6322,7 +6525,7 @@
           </a:prstGeom>
         </p:spPr>
         <p:txBody>
-          <a:bodyPr anchor="t" rtlCol="false" tIns="0" lIns="0" bIns="0" rIns="0">
+          <a:bodyPr lIns="0" tIns="0" rIns="0" bIns="0" rtlCol="0" anchor="t">
             <a:spAutoFit/>
           </a:bodyPr>
           <a:lstStyle/>
@@ -6349,12 +6552,12 @@
       </p:sp>
       <p:sp>
         <p:nvSpPr>
-          <p:cNvPr name="Freeform 17" id="17"/>
+          <p:cNvPr id="17" name="Freeform 17"/>
           <p:cNvSpPr/>
           <p:nvPr/>
         </p:nvSpPr>
         <p:spPr>
-          <a:xfrm flipH="false" flipV="false" rot="0">
+          <a:xfrm>
             <a:off x="17570909" y="6146977"/>
             <a:ext cx="2534795" cy="2586526"/>
           </a:xfrm>
@@ -6363,9 +6566,9 @@
             <a:gdLst/>
             <a:ahLst/>
             <a:cxnLst/>
-            <a:rect r="r" b="b" t="t" l="l"/>
+            <a:rect l="l" t="t" r="r" b="b"/>
             <a:pathLst>
-              <a:path h="2586526" w="2534795">
+              <a:path w="2534795" h="2586526">
                 <a:moveTo>
                   <a:pt x="0" y="0"/>
                 </a:moveTo>
@@ -6394,19 +6597,19 @@
               </a:extLst>
             </a:blip>
             <a:stretch>
-              <a:fillRect l="0" t="0" r="0" b="0"/>
+              <a:fillRect/>
             </a:stretch>
           </a:blipFill>
         </p:spPr>
       </p:sp>
       <p:sp>
         <p:nvSpPr>
-          <p:cNvPr name="Freeform 18" id="18"/>
+          <p:cNvPr id="18" name="Freeform 18"/>
           <p:cNvSpPr/>
           <p:nvPr/>
         </p:nvSpPr>
         <p:spPr>
-          <a:xfrm flipH="false" flipV="false" rot="0">
+          <a:xfrm>
             <a:off x="15980614" y="8615741"/>
             <a:ext cx="2857693" cy="2405658"/>
           </a:xfrm>
@@ -6415,9 +6618,9 @@
             <a:gdLst/>
             <a:ahLst/>
             <a:cxnLst/>
-            <a:rect r="r" b="b" t="t" l="l"/>
+            <a:rect l="l" t="t" r="r" b="b"/>
             <a:pathLst>
-              <a:path h="2405658" w="2857693">
+              <a:path w="2857693" h="2405658">
                 <a:moveTo>
                   <a:pt x="0" y="0"/>
                 </a:moveTo>
@@ -6446,19 +6649,19 @@
               </a:extLst>
             </a:blip>
             <a:stretch>
-              <a:fillRect l="0" t="0" r="0" b="0"/>
+              <a:fillRect/>
             </a:stretch>
           </a:blipFill>
         </p:spPr>
       </p:sp>
       <p:sp>
         <p:nvSpPr>
-          <p:cNvPr name="Freeform 19" id="19"/>
+          <p:cNvPr id="19" name="Freeform 19"/>
           <p:cNvSpPr/>
           <p:nvPr/>
         </p:nvSpPr>
         <p:spPr>
-          <a:xfrm flipH="false" flipV="false" rot="0">
+          <a:xfrm>
             <a:off x="-573764" y="-608703"/>
             <a:ext cx="2857693" cy="2405658"/>
           </a:xfrm>
@@ -6467,9 +6670,9 @@
             <a:gdLst/>
             <a:ahLst/>
             <a:cxnLst/>
-            <a:rect r="r" b="b" t="t" l="l"/>
+            <a:rect l="l" t="t" r="r" b="b"/>
             <a:pathLst>
-              <a:path h="2405658" w="2857693">
+              <a:path w="2857693" h="2405658">
                 <a:moveTo>
                   <a:pt x="0" y="0"/>
                 </a:moveTo>
@@ -6498,10 +6701,173 @@
               </a:extLst>
             </a:blip>
             <a:stretch>
-              <a:fillRect l="0" t="0" r="0" b="0"/>
+              <a:fillRect/>
             </a:stretch>
           </a:blipFill>
         </p:spPr>
+      </p:sp>
+      <p:sp>
+        <p:nvSpPr>
+          <p:cNvPr id="20" name="TextBox 16">
+            <a:extLst>
+              <a:ext uri="{FF2B5EF4-FFF2-40B4-BE49-F238E27FC236}">
+                <a16:creationId xmlns:a16="http://schemas.microsoft.com/office/drawing/2014/main" id="{8A77D0E6-CEF9-41C2-406E-9DCAFB845689}"/>
+              </a:ext>
+            </a:extLst>
+          </p:cNvPr>
+          <p:cNvSpPr txBox="1"/>
+          <p:nvPr/>
+        </p:nvSpPr>
+        <p:spPr>
+          <a:xfrm>
+            <a:off x="3592907" y="7931461"/>
+            <a:ext cx="712566" cy="640240"/>
+          </a:xfrm>
+          <a:prstGeom prst="rect">
+            <a:avLst/>
+          </a:prstGeom>
+        </p:spPr>
+        <p:txBody>
+          <a:bodyPr lIns="0" tIns="0" rIns="0" bIns="0" rtlCol="0" anchor="t">
+            <a:spAutoFit/>
+          </a:bodyPr>
+          <a:lstStyle/>
+          <a:p>
+            <a:pPr algn="ctr">
+              <a:lnSpc>
+                <a:spcPts val="4402"/>
+              </a:lnSpc>
+            </a:pPr>
+            <a:r>
+              <a:rPr lang="en-US" sz="5643" dirty="0">
+                <a:solidFill>
+                  <a:srgbClr val="4F7BC7"/>
+                </a:solidFill>
+                <a:latin typeface="Balabeloo"/>
+                <a:ea typeface="Balabeloo"/>
+                <a:cs typeface="Balabeloo"/>
+                <a:sym typeface="Balabeloo"/>
+              </a:rPr>
+              <a:t>3.</a:t>
+            </a:r>
+          </a:p>
+        </p:txBody>
+      </p:sp>
+      <p:sp>
+        <p:nvSpPr>
+          <p:cNvPr id="21" name="TextBox 15">
+            <a:extLst>
+              <a:ext uri="{FF2B5EF4-FFF2-40B4-BE49-F238E27FC236}">
+                <a16:creationId xmlns:a16="http://schemas.microsoft.com/office/drawing/2014/main" id="{3BA6AEF3-B311-11BB-AAF1-C8428DD865E5}"/>
+              </a:ext>
+            </a:extLst>
+          </p:cNvPr>
+          <p:cNvSpPr txBox="1"/>
+          <p:nvPr/>
+        </p:nvSpPr>
+        <p:spPr>
+          <a:xfrm>
+            <a:off x="4633379" y="7847472"/>
+            <a:ext cx="10061714" cy="1095428"/>
+          </a:xfrm>
+          <a:prstGeom prst="rect">
+            <a:avLst/>
+          </a:prstGeom>
+        </p:spPr>
+        <p:txBody>
+          <a:bodyPr lIns="0" tIns="0" rIns="0" bIns="0" rtlCol="0" anchor="t">
+            <a:spAutoFit/>
+          </a:bodyPr>
+          <a:lstStyle/>
+          <a:p>
+            <a:pPr algn="l">
+              <a:lnSpc>
+                <a:spcPts val="4262"/>
+              </a:lnSpc>
+            </a:pPr>
+            <a:r>
+              <a:rPr lang="en-US" sz="3437" dirty="0">
+                <a:solidFill>
+                  <a:srgbClr val="4F7BC7"/>
+                </a:solidFill>
+                <a:latin typeface="Jet"/>
+                <a:ea typeface="Jet"/>
+                <a:cs typeface="Jet"/>
+                <a:sym typeface="Jet"/>
+              </a:rPr>
+              <a:t>Fermeture de session </a:t>
+            </a:r>
+            <a:r>
+              <a:rPr lang="en-US" sz="3437" dirty="0" err="1">
+                <a:solidFill>
+                  <a:srgbClr val="4F7BC7"/>
+                </a:solidFill>
+                <a:latin typeface="Jet"/>
+                <a:ea typeface="Jet"/>
+                <a:cs typeface="Jet"/>
+                <a:sym typeface="Jet"/>
+              </a:rPr>
+              <a:t>lors</a:t>
+            </a:r>
+            <a:r>
+              <a:rPr lang="en-US" sz="3437" dirty="0">
+                <a:solidFill>
+                  <a:srgbClr val="4F7BC7"/>
+                </a:solidFill>
+                <a:latin typeface="Jet"/>
+                <a:ea typeface="Jet"/>
+                <a:cs typeface="Jet"/>
+                <a:sym typeface="Jet"/>
+              </a:rPr>
+              <a:t> de la </a:t>
+            </a:r>
+            <a:r>
+              <a:rPr lang="en-US" sz="3437" dirty="0" err="1">
+                <a:solidFill>
+                  <a:srgbClr val="4F7BC7"/>
+                </a:solidFill>
+                <a:latin typeface="Jet"/>
+                <a:ea typeface="Jet"/>
+                <a:cs typeface="Jet"/>
+                <a:sym typeface="Jet"/>
+              </a:rPr>
+              <a:t>déconnexion</a:t>
+            </a:r>
+            <a:r>
+              <a:rPr lang="en-US" sz="3437" dirty="0">
+                <a:solidFill>
+                  <a:srgbClr val="4F7BC7"/>
+                </a:solidFill>
+                <a:latin typeface="Jet"/>
+                <a:ea typeface="Jet"/>
+                <a:cs typeface="Jet"/>
+                <a:sym typeface="Jet"/>
+              </a:rPr>
+              <a:t> de </a:t>
+            </a:r>
+            <a:r>
+              <a:rPr lang="en-US" sz="3437" dirty="0" err="1">
+                <a:solidFill>
+                  <a:srgbClr val="4F7BC7"/>
+                </a:solidFill>
+                <a:latin typeface="Jet"/>
+                <a:ea typeface="Jet"/>
+                <a:cs typeface="Jet"/>
+                <a:sym typeface="Jet"/>
+              </a:rPr>
+              <a:t>l’utilisateur</a:t>
+            </a:r>
+            <a:endParaRPr lang="en-US" sz="3437" dirty="0">
+              <a:solidFill>
+                <a:srgbClr val="4F7BC7"/>
+              </a:solidFill>
+              <a:latin typeface="Jet"/>
+              <a:ea typeface="Jet"/>
+              <a:cs typeface="Jet"/>
+              <a:sym typeface="Jet"/>
+            </a:endParaRPr>
+          </a:p>
+        </p:txBody>
       </p:sp>
     </p:spTree>
   </p:cSld>
@@ -6512,13 +6878,14 @@
 </file>
 
 <file path=ppt/slides/slide5.xml><?xml version="1.0" encoding="utf-8"?>
-<p:sld xmlns:p="http://schemas.openxmlformats.org/presentationml/2006/main" xmlns:a="http://schemas.openxmlformats.org/drawingml/2006/main" xmlns:r="http://schemas.openxmlformats.org/officeDocument/2006/relationships">
+<p:sld xmlns:a="http://schemas.openxmlformats.org/drawingml/2006/main" xmlns:r="http://schemas.openxmlformats.org/officeDocument/2006/relationships" xmlns:p="http://schemas.openxmlformats.org/presentationml/2006/main">
   <p:cSld>
     <p:bg>
       <p:bgPr>
         <a:solidFill>
           <a:srgbClr val="CAE8FF"/>
         </a:solidFill>
+        <a:effectLst/>
       </p:bgPr>
     </p:bg>
     <p:spTree>
@@ -6537,12 +6904,12 @@
       </p:grpSpPr>
       <p:sp>
         <p:nvSpPr>
-          <p:cNvPr name="Freeform 2" id="2"/>
+          <p:cNvPr id="2" name="Freeform 2"/>
           <p:cNvSpPr/>
           <p:nvPr/>
         </p:nvSpPr>
         <p:spPr>
-          <a:xfrm flipH="true" flipV="false" rot="0">
+          <a:xfrm flipH="1">
             <a:off x="-793901" y="7885045"/>
             <a:ext cx="7315200" cy="3274807"/>
           </a:xfrm>
@@ -6551,9 +6918,9 @@
             <a:gdLst/>
             <a:ahLst/>
             <a:cxnLst/>
-            <a:rect r="r" b="b" t="t" l="l"/>
+            <a:rect l="l" t="t" r="r" b="b"/>
             <a:pathLst>
-              <a:path h="3274807" w="7315200">
+              <a:path w="7315200" h="3274807">
                 <a:moveTo>
                   <a:pt x="7315200" y="0"/>
                 </a:moveTo>
@@ -6582,19 +6949,19 @@
               </a:extLst>
             </a:blip>
             <a:stretch>
-              <a:fillRect l="0" t="0" r="0" b="0"/>
+              <a:fillRect/>
             </a:stretch>
           </a:blipFill>
         </p:spPr>
       </p:sp>
       <p:sp>
         <p:nvSpPr>
-          <p:cNvPr name="Freeform 3" id="3"/>
+          <p:cNvPr id="3" name="Freeform 3"/>
           <p:cNvSpPr/>
           <p:nvPr/>
         </p:nvSpPr>
         <p:spPr>
-          <a:xfrm flipH="false" flipV="false" rot="0">
+          <a:xfrm>
             <a:off x="13823566" y="7160107"/>
             <a:ext cx="6282137" cy="4114800"/>
           </a:xfrm>
@@ -6603,9 +6970,9 @@
             <a:gdLst/>
             <a:ahLst/>
             <a:cxnLst/>
-            <a:rect r="r" b="b" t="t" l="l"/>
+            <a:rect l="l" t="t" r="r" b="b"/>
             <a:pathLst>
-              <a:path h="4114800" w="6282137">
+              <a:path w="6282137" h="4114800">
                 <a:moveTo>
                   <a:pt x="0" y="0"/>
                 </a:moveTo>
@@ -6634,19 +7001,19 @@
               </a:extLst>
             </a:blip>
             <a:stretch>
-              <a:fillRect l="0" t="0" r="0" b="0"/>
+              <a:fillRect/>
             </a:stretch>
           </a:blipFill>
         </p:spPr>
       </p:sp>
       <p:sp>
         <p:nvSpPr>
-          <p:cNvPr name="Freeform 4" id="4"/>
+          <p:cNvPr id="4" name="Freeform 4"/>
           <p:cNvSpPr/>
           <p:nvPr/>
         </p:nvSpPr>
         <p:spPr>
-          <a:xfrm flipH="true" flipV="true" rot="0">
+          <a:xfrm flipH="1" flipV="1">
             <a:off x="-2112369" y="-1028700"/>
             <a:ext cx="6282137" cy="4114800"/>
           </a:xfrm>
@@ -6655,9 +7022,9 @@
             <a:gdLst/>
             <a:ahLst/>
             <a:cxnLst/>
-            <a:rect r="r" b="b" t="t" l="l"/>
+            <a:rect l="l" t="t" r="r" b="b"/>
             <a:pathLst>
-              <a:path h="4114800" w="6282137">
+              <a:path w="6282137" h="4114800">
                 <a:moveTo>
                   <a:pt x="6282138" y="4114800"/>
                 </a:moveTo>
@@ -6686,19 +7053,19 @@
               </a:extLst>
             </a:blip>
             <a:stretch>
-              <a:fillRect l="0" t="0" r="0" b="0"/>
+              <a:fillRect/>
             </a:stretch>
           </a:blipFill>
         </p:spPr>
       </p:sp>
       <p:sp>
         <p:nvSpPr>
-          <p:cNvPr name="Freeform 5" id="5"/>
+          <p:cNvPr id="5" name="Freeform 5"/>
           <p:cNvSpPr/>
           <p:nvPr/>
         </p:nvSpPr>
         <p:spPr>
-          <a:xfrm flipH="false" flipV="true" rot="0">
+          <a:xfrm flipV="1">
             <a:off x="12520266" y="-608703"/>
             <a:ext cx="7315200" cy="3274807"/>
           </a:xfrm>
@@ -6707,9 +7074,9 @@
             <a:gdLst/>
             <a:ahLst/>
             <a:cxnLst/>
-            <a:rect r="r" b="b" t="t" l="l"/>
+            <a:rect l="l" t="t" r="r" b="b"/>
             <a:pathLst>
-              <a:path h="3274807" w="7315200">
+              <a:path w="7315200" h="3274807">
                 <a:moveTo>
                   <a:pt x="0" y="3274806"/>
                 </a:moveTo>
@@ -6738,19 +7105,19 @@
               </a:extLst>
             </a:blip>
             <a:stretch>
-              <a:fillRect l="0" t="0" r="0" b="0"/>
+              <a:fillRect/>
             </a:stretch>
           </a:blipFill>
         </p:spPr>
       </p:sp>
       <p:sp>
         <p:nvSpPr>
-          <p:cNvPr name="Freeform 6" id="6"/>
+          <p:cNvPr id="6" name="Freeform 6"/>
           <p:cNvSpPr/>
           <p:nvPr/>
         </p:nvSpPr>
         <p:spPr>
-          <a:xfrm flipH="false" flipV="false" rot="0">
+          <a:xfrm>
             <a:off x="10639314" y="-2353783"/>
             <a:ext cx="3420356" cy="3490159"/>
           </a:xfrm>
@@ -6759,9 +7126,9 @@
             <a:gdLst/>
             <a:ahLst/>
             <a:cxnLst/>
-            <a:rect r="r" b="b" t="t" l="l"/>
+            <a:rect l="l" t="t" r="r" b="b"/>
             <a:pathLst>
-              <a:path h="3490159" w="3420356">
+              <a:path w="3420356" h="3490159">
                 <a:moveTo>
                   <a:pt x="0" y="0"/>
                 </a:moveTo>
@@ -6790,19 +7157,19 @@
               </a:extLst>
             </a:blip>
             <a:stretch>
-              <a:fillRect l="0" t="0" r="0" b="0"/>
+              <a:fillRect/>
             </a:stretch>
           </a:blipFill>
         </p:spPr>
       </p:sp>
       <p:sp>
         <p:nvSpPr>
-          <p:cNvPr name="Freeform 7" id="7"/>
+          <p:cNvPr id="7" name="Freeform 7"/>
           <p:cNvSpPr/>
           <p:nvPr/>
         </p:nvSpPr>
         <p:spPr>
-          <a:xfrm flipH="false" flipV="false" rot="0">
+          <a:xfrm>
             <a:off x="-2565274" y="6600548"/>
             <a:ext cx="3420356" cy="3490159"/>
           </a:xfrm>
@@ -6811,9 +7178,9 @@
             <a:gdLst/>
             <a:ahLst/>
             <a:cxnLst/>
-            <a:rect r="r" b="b" t="t" l="l"/>
+            <a:rect l="l" t="t" r="r" b="b"/>
             <a:pathLst>
-              <a:path h="3490159" w="3420356">
+              <a:path w="3420356" h="3490159">
                 <a:moveTo>
                   <a:pt x="0" y="0"/>
                 </a:moveTo>
@@ -6842,19 +7209,19 @@
               </a:extLst>
             </a:blip>
             <a:stretch>
-              <a:fillRect l="0" t="0" r="0" b="0"/>
+              <a:fillRect/>
             </a:stretch>
           </a:blipFill>
         </p:spPr>
       </p:sp>
       <p:sp>
         <p:nvSpPr>
-          <p:cNvPr name="Freeform 8" id="8"/>
+          <p:cNvPr id="8" name="Freeform 8"/>
           <p:cNvSpPr/>
           <p:nvPr/>
         </p:nvSpPr>
         <p:spPr>
-          <a:xfrm flipH="false" flipV="false" rot="-3497361">
+          <a:xfrm rot="-3497361">
             <a:off x="12366645" y="9293401"/>
             <a:ext cx="3061541" cy="3129828"/>
           </a:xfrm>
@@ -6863,9 +7230,9 @@
             <a:gdLst/>
             <a:ahLst/>
             <a:cxnLst/>
-            <a:rect r="r" b="b" t="t" l="l"/>
+            <a:rect l="l" t="t" r="r" b="b"/>
             <a:pathLst>
-              <a:path h="3129828" w="3061541">
+              <a:path w="3061541" h="3129828">
                 <a:moveTo>
                   <a:pt x="0" y="0"/>
                 </a:moveTo>
@@ -6894,19 +7261,19 @@
               </a:extLst>
             </a:blip>
             <a:stretch>
-              <a:fillRect l="0" t="0" r="0" b="0"/>
+              <a:fillRect/>
             </a:stretch>
           </a:blipFill>
         </p:spPr>
       </p:sp>
       <p:sp>
         <p:nvSpPr>
-          <p:cNvPr name="Freeform 9" id="9"/>
+          <p:cNvPr id="9" name="Freeform 9"/>
           <p:cNvSpPr/>
           <p:nvPr/>
         </p:nvSpPr>
         <p:spPr>
-          <a:xfrm flipH="false" flipV="false" rot="-3497361">
+          <a:xfrm rot="-3497361">
             <a:off x="2254467" y="-2259419"/>
             <a:ext cx="3061541" cy="3129828"/>
           </a:xfrm>
@@ -6915,9 +7282,9 @@
             <a:gdLst/>
             <a:ahLst/>
             <a:cxnLst/>
-            <a:rect r="r" b="b" t="t" l="l"/>
+            <a:rect l="l" t="t" r="r" b="b"/>
             <a:pathLst>
-              <a:path h="3129828" w="3061541">
+              <a:path w="3061541" h="3129828">
                 <a:moveTo>
                   <a:pt x="0" y="0"/>
                 </a:moveTo>
@@ -6946,19 +7313,19 @@
               </a:extLst>
             </a:blip>
             <a:stretch>
-              <a:fillRect l="0" t="0" r="0" b="0"/>
+              <a:fillRect/>
             </a:stretch>
           </a:blipFill>
         </p:spPr>
       </p:sp>
       <p:sp>
         <p:nvSpPr>
-          <p:cNvPr name="Freeform 10" id="10"/>
+          <p:cNvPr id="10" name="Freeform 10"/>
           <p:cNvSpPr/>
           <p:nvPr/>
         </p:nvSpPr>
         <p:spPr>
-          <a:xfrm flipH="false" flipV="false" rot="0">
+          <a:xfrm>
             <a:off x="15418916" y="183358"/>
             <a:ext cx="1517898" cy="1906037"/>
           </a:xfrm>
@@ -6967,9 +7334,9 @@
             <a:gdLst/>
             <a:ahLst/>
             <a:cxnLst/>
-            <a:rect r="r" b="b" t="t" l="l"/>
+            <a:rect l="l" t="t" r="r" b="b"/>
             <a:pathLst>
-              <a:path h="1906037" w="1517898">
+              <a:path w="1517898" h="1906037">
                 <a:moveTo>
                   <a:pt x="0" y="0"/>
                 </a:moveTo>
@@ -6998,19 +7365,19 @@
               </a:extLst>
             </a:blip>
             <a:stretch>
-              <a:fillRect l="0" t="0" r="0" b="0"/>
+              <a:fillRect/>
             </a:stretch>
           </a:blipFill>
         </p:spPr>
       </p:sp>
       <p:sp>
         <p:nvSpPr>
-          <p:cNvPr name="Freeform 11" id="11"/>
+          <p:cNvPr id="11" name="Freeform 11"/>
           <p:cNvSpPr/>
           <p:nvPr/>
         </p:nvSpPr>
         <p:spPr>
-          <a:xfrm flipH="false" flipV="false" rot="0">
+          <a:xfrm>
             <a:off x="1649325" y="8616443"/>
             <a:ext cx="2592823" cy="1202127"/>
           </a:xfrm>
@@ -7019,9 +7386,9 @@
             <a:gdLst/>
             <a:ahLst/>
             <a:cxnLst/>
-            <a:rect r="r" b="b" t="t" l="l"/>
+            <a:rect l="l" t="t" r="r" b="b"/>
             <a:pathLst>
-              <a:path h="1202127" w="2592823">
+              <a:path w="2592823" h="1202127">
                 <a:moveTo>
                   <a:pt x="0" y="0"/>
                 </a:moveTo>
@@ -7050,19 +7417,19 @@
               </a:extLst>
             </a:blip>
             <a:stretch>
-              <a:fillRect l="0" t="0" r="0" b="0"/>
+              <a:fillRect/>
             </a:stretch>
           </a:blipFill>
         </p:spPr>
       </p:sp>
       <p:sp>
         <p:nvSpPr>
-          <p:cNvPr name="TextBox 12" id="12"/>
-          <p:cNvSpPr txBox="true"/>
-          <p:nvPr/>
-        </p:nvSpPr>
-        <p:spPr>
-          <a:xfrm rot="0">
+          <p:cNvPr id="12" name="TextBox 12"/>
+          <p:cNvSpPr txBox="1"/>
+          <p:nvPr/>
+        </p:nvSpPr>
+        <p:spPr>
+          <a:xfrm>
             <a:off x="4035421" y="3076625"/>
             <a:ext cx="10217158" cy="1274674"/>
           </a:xfrm>
@@ -7071,7 +7438,7 @@
           </a:prstGeom>
         </p:spPr>
         <p:txBody>
-          <a:bodyPr anchor="t" rtlCol="false" tIns="0" lIns="0" bIns="0" rIns="0">
+          <a:bodyPr lIns="0" tIns="0" rIns="0" bIns="0" rtlCol="0" anchor="t">
             <a:spAutoFit/>
           </a:bodyPr>
           <a:lstStyle/>
@@ -7098,12 +7465,12 @@
       </p:sp>
       <p:sp>
         <p:nvSpPr>
-          <p:cNvPr name="TextBox 13" id="13"/>
-          <p:cNvSpPr txBox="true"/>
-          <p:nvPr/>
-        </p:nvSpPr>
-        <p:spPr>
-          <a:xfrm rot="0">
+          <p:cNvPr id="13" name="TextBox 13"/>
+          <p:cNvSpPr txBox="1"/>
+          <p:nvPr/>
+        </p:nvSpPr>
+        <p:spPr>
+          <a:xfrm>
             <a:off x="4633379" y="4757261"/>
             <a:ext cx="10184516" cy="582613"/>
           </a:xfrm>
@@ -7112,7 +7479,7 @@
           </a:prstGeom>
         </p:spPr>
         <p:txBody>
-          <a:bodyPr anchor="t" rtlCol="false" tIns="0" lIns="0" bIns="0" rIns="0">
+          <a:bodyPr lIns="0" tIns="0" rIns="0" bIns="0" rtlCol="0" anchor="t">
             <a:spAutoFit/>
           </a:bodyPr>
           <a:lstStyle/>
@@ -7139,12 +7506,12 @@
       </p:sp>
       <p:sp>
         <p:nvSpPr>
-          <p:cNvPr name="TextBox 14" id="14"/>
-          <p:cNvSpPr txBox="true"/>
-          <p:nvPr/>
-        </p:nvSpPr>
-        <p:spPr>
-          <a:xfrm rot="0">
+          <p:cNvPr id="14" name="TextBox 14"/>
+          <p:cNvSpPr txBox="1"/>
+          <p:nvPr/>
+        </p:nvSpPr>
+        <p:spPr>
+          <a:xfrm>
             <a:off x="3592907" y="4932922"/>
             <a:ext cx="712566" cy="638566"/>
           </a:xfrm>
@@ -7153,7 +7520,7 @@
           </a:prstGeom>
         </p:spPr>
         <p:txBody>
-          <a:bodyPr anchor="t" rtlCol="false" tIns="0" lIns="0" bIns="0" rIns="0">
+          <a:bodyPr lIns="0" tIns="0" rIns="0" bIns="0" rtlCol="0" anchor="t">
             <a:spAutoFit/>
           </a:bodyPr>
           <a:lstStyle/>
@@ -7180,12 +7547,12 @@
       </p:sp>
       <p:sp>
         <p:nvSpPr>
-          <p:cNvPr name="TextBox 15" id="15"/>
-          <p:cNvSpPr txBox="true"/>
-          <p:nvPr/>
-        </p:nvSpPr>
-        <p:spPr>
-          <a:xfrm rot="0">
+          <p:cNvPr id="15" name="TextBox 15"/>
+          <p:cNvSpPr txBox="1"/>
+          <p:nvPr/>
+        </p:nvSpPr>
+        <p:spPr>
+          <a:xfrm>
             <a:off x="4633379" y="6018162"/>
             <a:ext cx="10061714" cy="1649413"/>
           </a:xfrm>
@@ -7194,7 +7561,7 @@
           </a:prstGeom>
         </p:spPr>
         <p:txBody>
-          <a:bodyPr anchor="t" rtlCol="false" tIns="0" lIns="0" bIns="0" rIns="0">
+          <a:bodyPr lIns="0" tIns="0" rIns="0" bIns="0" rtlCol="0" anchor="t">
             <a:spAutoFit/>
           </a:bodyPr>
           <a:lstStyle/>
@@ -7221,12 +7588,12 @@
       </p:sp>
       <p:sp>
         <p:nvSpPr>
-          <p:cNvPr name="TextBox 16" id="16"/>
-          <p:cNvSpPr txBox="true"/>
-          <p:nvPr/>
-        </p:nvSpPr>
-        <p:spPr>
-          <a:xfrm rot="0">
+          <p:cNvPr id="16" name="TextBox 16"/>
+          <p:cNvSpPr txBox="1"/>
+          <p:nvPr/>
+        </p:nvSpPr>
+        <p:spPr>
+          <a:xfrm>
             <a:off x="3592907" y="6666461"/>
             <a:ext cx="712566" cy="638566"/>
           </a:xfrm>
@@ -7235,7 +7602,7 @@
           </a:prstGeom>
         </p:spPr>
         <p:txBody>
-          <a:bodyPr anchor="t" rtlCol="false" tIns="0" lIns="0" bIns="0" rIns="0">
+          <a:bodyPr lIns="0" tIns="0" rIns="0" bIns="0" rtlCol="0" anchor="t">
             <a:spAutoFit/>
           </a:bodyPr>
           <a:lstStyle/>
@@ -7262,12 +7629,12 @@
       </p:sp>
       <p:sp>
         <p:nvSpPr>
-          <p:cNvPr name="Freeform 17" id="17"/>
+          <p:cNvPr id="17" name="Freeform 17"/>
           <p:cNvSpPr/>
           <p:nvPr/>
         </p:nvSpPr>
         <p:spPr>
-          <a:xfrm flipH="false" flipV="false" rot="0">
+          <a:xfrm>
             <a:off x="17570909" y="6146977"/>
             <a:ext cx="2534795" cy="2586526"/>
           </a:xfrm>
@@ -7276,9 +7643,9 @@
             <a:gdLst/>
             <a:ahLst/>
             <a:cxnLst/>
-            <a:rect r="r" b="b" t="t" l="l"/>
+            <a:rect l="l" t="t" r="r" b="b"/>
             <a:pathLst>
-              <a:path h="2586526" w="2534795">
+              <a:path w="2534795" h="2586526">
                 <a:moveTo>
                   <a:pt x="0" y="0"/>
                 </a:moveTo>
@@ -7307,19 +7674,19 @@
               </a:extLst>
             </a:blip>
             <a:stretch>
-              <a:fillRect l="0" t="0" r="0" b="0"/>
+              <a:fillRect/>
             </a:stretch>
           </a:blipFill>
         </p:spPr>
       </p:sp>
       <p:sp>
         <p:nvSpPr>
-          <p:cNvPr name="Freeform 18" id="18"/>
+          <p:cNvPr id="18" name="Freeform 18"/>
           <p:cNvSpPr/>
           <p:nvPr/>
         </p:nvSpPr>
         <p:spPr>
-          <a:xfrm flipH="false" flipV="false" rot="0">
+          <a:xfrm>
             <a:off x="15980614" y="8615741"/>
             <a:ext cx="2857693" cy="2405658"/>
           </a:xfrm>
@@ -7328,9 +7695,9 @@
             <a:gdLst/>
             <a:ahLst/>
             <a:cxnLst/>
-            <a:rect r="r" b="b" t="t" l="l"/>
+            <a:rect l="l" t="t" r="r" b="b"/>
             <a:pathLst>
-              <a:path h="2405658" w="2857693">
+              <a:path w="2857693" h="2405658">
                 <a:moveTo>
                   <a:pt x="0" y="0"/>
                 </a:moveTo>
@@ -7359,19 +7726,19 @@
               </a:extLst>
             </a:blip>
             <a:stretch>
-              <a:fillRect l="0" t="0" r="0" b="0"/>
+              <a:fillRect/>
             </a:stretch>
           </a:blipFill>
         </p:spPr>
       </p:sp>
       <p:sp>
         <p:nvSpPr>
-          <p:cNvPr name="Freeform 19" id="19"/>
+          <p:cNvPr id="19" name="Freeform 19"/>
           <p:cNvSpPr/>
           <p:nvPr/>
         </p:nvSpPr>
         <p:spPr>
-          <a:xfrm flipH="false" flipV="false" rot="0">
+          <a:xfrm>
             <a:off x="-573764" y="-608703"/>
             <a:ext cx="2857693" cy="2405658"/>
           </a:xfrm>
@@ -7380,9 +7747,9 @@
             <a:gdLst/>
             <a:ahLst/>
             <a:cxnLst/>
-            <a:rect r="r" b="b" t="t" l="l"/>
+            <a:rect l="l" t="t" r="r" b="b"/>
             <a:pathLst>
-              <a:path h="2405658" w="2857693">
+              <a:path w="2857693" h="2405658">
                 <a:moveTo>
                   <a:pt x="0" y="0"/>
                 </a:moveTo>
@@ -7411,7 +7778,7 @@
               </a:extLst>
             </a:blip>
             <a:stretch>
-              <a:fillRect l="0" t="0" r="0" b="0"/>
+              <a:fillRect/>
             </a:stretch>
           </a:blipFill>
         </p:spPr>
@@ -7425,13 +7792,14 @@
 </file>
 
 <file path=ppt/slides/slide6.xml><?xml version="1.0" encoding="utf-8"?>
-<p:sld xmlns:p="http://schemas.openxmlformats.org/presentationml/2006/main" xmlns:a="http://schemas.openxmlformats.org/drawingml/2006/main" xmlns:r="http://schemas.openxmlformats.org/officeDocument/2006/relationships">
+<p:sld xmlns:a="http://schemas.openxmlformats.org/drawingml/2006/main" xmlns:r="http://schemas.openxmlformats.org/officeDocument/2006/relationships" xmlns:p="http://schemas.openxmlformats.org/presentationml/2006/main">
   <p:cSld>
     <p:bg>
       <p:bgPr>
         <a:solidFill>
           <a:srgbClr val="CAE8FF"/>
         </a:solidFill>
+        <a:effectLst/>
       </p:bgPr>
     </p:bg>
     <p:spTree>
@@ -7450,12 +7818,12 @@
       </p:grpSpPr>
       <p:sp>
         <p:nvSpPr>
-          <p:cNvPr name="Freeform 2" id="2"/>
+          <p:cNvPr id="2" name="Freeform 2"/>
           <p:cNvSpPr/>
           <p:nvPr/>
         </p:nvSpPr>
         <p:spPr>
-          <a:xfrm flipH="true" flipV="false" rot="0">
+          <a:xfrm flipH="1">
             <a:off x="-793901" y="7885045"/>
             <a:ext cx="7315200" cy="3274807"/>
           </a:xfrm>
@@ -7464,9 +7832,9 @@
             <a:gdLst/>
             <a:ahLst/>
             <a:cxnLst/>
-            <a:rect r="r" b="b" t="t" l="l"/>
+            <a:rect l="l" t="t" r="r" b="b"/>
             <a:pathLst>
-              <a:path h="3274807" w="7315200">
+              <a:path w="7315200" h="3274807">
                 <a:moveTo>
                   <a:pt x="7315200" y="0"/>
                 </a:moveTo>
@@ -7495,19 +7863,19 @@
               </a:extLst>
             </a:blip>
             <a:stretch>
-              <a:fillRect l="0" t="0" r="0" b="0"/>
+              <a:fillRect/>
             </a:stretch>
           </a:blipFill>
         </p:spPr>
       </p:sp>
       <p:sp>
         <p:nvSpPr>
-          <p:cNvPr name="Freeform 3" id="3"/>
+          <p:cNvPr id="3" name="Freeform 3"/>
           <p:cNvSpPr/>
           <p:nvPr/>
         </p:nvSpPr>
         <p:spPr>
-          <a:xfrm flipH="false" flipV="false" rot="0">
+          <a:xfrm>
             <a:off x="13823566" y="7160107"/>
             <a:ext cx="6282137" cy="4114800"/>
           </a:xfrm>
@@ -7516,9 +7884,9 @@
             <a:gdLst/>
             <a:ahLst/>
             <a:cxnLst/>
-            <a:rect r="r" b="b" t="t" l="l"/>
+            <a:rect l="l" t="t" r="r" b="b"/>
             <a:pathLst>
-              <a:path h="4114800" w="6282137">
+              <a:path w="6282137" h="4114800">
                 <a:moveTo>
                   <a:pt x="0" y="0"/>
                 </a:moveTo>
@@ -7547,19 +7915,19 @@
               </a:extLst>
             </a:blip>
             <a:stretch>
-              <a:fillRect l="0" t="0" r="0" b="0"/>
+              <a:fillRect/>
             </a:stretch>
           </a:blipFill>
         </p:spPr>
       </p:sp>
       <p:sp>
         <p:nvSpPr>
-          <p:cNvPr name="Freeform 4" id="4"/>
+          <p:cNvPr id="4" name="Freeform 4"/>
           <p:cNvSpPr/>
           <p:nvPr/>
         </p:nvSpPr>
         <p:spPr>
-          <a:xfrm flipH="true" flipV="true" rot="0">
+          <a:xfrm flipH="1" flipV="1">
             <a:off x="-2112369" y="-1028700"/>
             <a:ext cx="6282137" cy="4114800"/>
           </a:xfrm>
@@ -7568,9 +7936,9 @@
             <a:gdLst/>
             <a:ahLst/>
             <a:cxnLst/>
-            <a:rect r="r" b="b" t="t" l="l"/>
+            <a:rect l="l" t="t" r="r" b="b"/>
             <a:pathLst>
-              <a:path h="4114800" w="6282137">
+              <a:path w="6282137" h="4114800">
                 <a:moveTo>
                   <a:pt x="6282138" y="4114800"/>
                 </a:moveTo>
@@ -7599,19 +7967,19 @@
               </a:extLst>
             </a:blip>
             <a:stretch>
-              <a:fillRect l="0" t="0" r="0" b="0"/>
+              <a:fillRect/>
             </a:stretch>
           </a:blipFill>
         </p:spPr>
       </p:sp>
       <p:sp>
         <p:nvSpPr>
-          <p:cNvPr name="Freeform 5" id="5"/>
+          <p:cNvPr id="5" name="Freeform 5"/>
           <p:cNvSpPr/>
           <p:nvPr/>
         </p:nvSpPr>
         <p:spPr>
-          <a:xfrm flipH="false" flipV="true" rot="0">
+          <a:xfrm flipV="1">
             <a:off x="12520266" y="-608703"/>
             <a:ext cx="7315200" cy="3274807"/>
           </a:xfrm>
@@ -7620,9 +7988,9 @@
             <a:gdLst/>
             <a:ahLst/>
             <a:cxnLst/>
-            <a:rect r="r" b="b" t="t" l="l"/>
+            <a:rect l="l" t="t" r="r" b="b"/>
             <a:pathLst>
-              <a:path h="3274807" w="7315200">
+              <a:path w="7315200" h="3274807">
                 <a:moveTo>
                   <a:pt x="0" y="3274806"/>
                 </a:moveTo>
@@ -7651,19 +8019,19 @@
               </a:extLst>
             </a:blip>
             <a:stretch>
-              <a:fillRect l="0" t="0" r="0" b="0"/>
+              <a:fillRect/>
             </a:stretch>
           </a:blipFill>
         </p:spPr>
       </p:sp>
       <p:sp>
         <p:nvSpPr>
-          <p:cNvPr name="Freeform 6" id="6"/>
+          <p:cNvPr id="6" name="Freeform 6"/>
           <p:cNvSpPr/>
           <p:nvPr/>
         </p:nvSpPr>
         <p:spPr>
-          <a:xfrm flipH="false" flipV="false" rot="0">
+          <a:xfrm>
             <a:off x="10639314" y="-2353783"/>
             <a:ext cx="3420356" cy="3490159"/>
           </a:xfrm>
@@ -7672,9 +8040,9 @@
             <a:gdLst/>
             <a:ahLst/>
             <a:cxnLst/>
-            <a:rect r="r" b="b" t="t" l="l"/>
+            <a:rect l="l" t="t" r="r" b="b"/>
             <a:pathLst>
-              <a:path h="3490159" w="3420356">
+              <a:path w="3420356" h="3490159">
                 <a:moveTo>
                   <a:pt x="0" y="0"/>
                 </a:moveTo>
@@ -7703,19 +8071,19 @@
               </a:extLst>
             </a:blip>
             <a:stretch>
-              <a:fillRect l="0" t="0" r="0" b="0"/>
+              <a:fillRect/>
             </a:stretch>
           </a:blipFill>
         </p:spPr>
       </p:sp>
       <p:sp>
         <p:nvSpPr>
-          <p:cNvPr name="Freeform 7" id="7"/>
+          <p:cNvPr id="7" name="Freeform 7"/>
           <p:cNvSpPr/>
           <p:nvPr/>
         </p:nvSpPr>
         <p:spPr>
-          <a:xfrm flipH="false" flipV="false" rot="0">
+          <a:xfrm>
             <a:off x="-2565274" y="6600548"/>
             <a:ext cx="3420356" cy="3490159"/>
           </a:xfrm>
@@ -7724,9 +8092,9 @@
             <a:gdLst/>
             <a:ahLst/>
             <a:cxnLst/>
-            <a:rect r="r" b="b" t="t" l="l"/>
+            <a:rect l="l" t="t" r="r" b="b"/>
             <a:pathLst>
-              <a:path h="3490159" w="3420356">
+              <a:path w="3420356" h="3490159">
                 <a:moveTo>
                   <a:pt x="0" y="0"/>
                 </a:moveTo>
@@ -7755,19 +8123,19 @@
               </a:extLst>
             </a:blip>
             <a:stretch>
-              <a:fillRect l="0" t="0" r="0" b="0"/>
+              <a:fillRect/>
             </a:stretch>
           </a:blipFill>
         </p:spPr>
       </p:sp>
       <p:sp>
         <p:nvSpPr>
-          <p:cNvPr name="Freeform 8" id="8"/>
+          <p:cNvPr id="8" name="Freeform 8"/>
           <p:cNvSpPr/>
           <p:nvPr/>
         </p:nvSpPr>
         <p:spPr>
-          <a:xfrm flipH="false" flipV="false" rot="-3497361">
+          <a:xfrm rot="-3497361">
             <a:off x="12366645" y="9293401"/>
             <a:ext cx="3061541" cy="3129828"/>
           </a:xfrm>
@@ -7776,9 +8144,9 @@
             <a:gdLst/>
             <a:ahLst/>
             <a:cxnLst/>
-            <a:rect r="r" b="b" t="t" l="l"/>
+            <a:rect l="l" t="t" r="r" b="b"/>
             <a:pathLst>
-              <a:path h="3129828" w="3061541">
+              <a:path w="3061541" h="3129828">
                 <a:moveTo>
                   <a:pt x="0" y="0"/>
                 </a:moveTo>
@@ -7807,19 +8175,19 @@
               </a:extLst>
             </a:blip>
             <a:stretch>
-              <a:fillRect l="0" t="0" r="0" b="0"/>
+              <a:fillRect/>
             </a:stretch>
           </a:blipFill>
         </p:spPr>
       </p:sp>
       <p:sp>
         <p:nvSpPr>
-          <p:cNvPr name="Freeform 9" id="9"/>
+          <p:cNvPr id="9" name="Freeform 9"/>
           <p:cNvSpPr/>
           <p:nvPr/>
         </p:nvSpPr>
         <p:spPr>
-          <a:xfrm flipH="false" flipV="false" rot="-3497361">
+          <a:xfrm rot="-3497361">
             <a:off x="2254467" y="-2259419"/>
             <a:ext cx="3061541" cy="3129828"/>
           </a:xfrm>
@@ -7828,9 +8196,9 @@
             <a:gdLst/>
             <a:ahLst/>
             <a:cxnLst/>
-            <a:rect r="r" b="b" t="t" l="l"/>
+            <a:rect l="l" t="t" r="r" b="b"/>
             <a:pathLst>
-              <a:path h="3129828" w="3061541">
+              <a:path w="3061541" h="3129828">
                 <a:moveTo>
                   <a:pt x="0" y="0"/>
                 </a:moveTo>
@@ -7859,19 +8227,19 @@
               </a:extLst>
             </a:blip>
             <a:stretch>
-              <a:fillRect l="0" t="0" r="0" b="0"/>
+              <a:fillRect/>
             </a:stretch>
           </a:blipFill>
         </p:spPr>
       </p:sp>
       <p:sp>
         <p:nvSpPr>
-          <p:cNvPr name="Freeform 10" id="10"/>
+          <p:cNvPr id="10" name="Freeform 10"/>
           <p:cNvSpPr/>
           <p:nvPr/>
         </p:nvSpPr>
         <p:spPr>
-          <a:xfrm flipH="false" flipV="false" rot="0">
+          <a:xfrm>
             <a:off x="15418916" y="183358"/>
             <a:ext cx="1517898" cy="1906037"/>
           </a:xfrm>
@@ -7880,9 +8248,9 @@
             <a:gdLst/>
             <a:ahLst/>
             <a:cxnLst/>
-            <a:rect r="r" b="b" t="t" l="l"/>
+            <a:rect l="l" t="t" r="r" b="b"/>
             <a:pathLst>
-              <a:path h="1906037" w="1517898">
+              <a:path w="1517898" h="1906037">
                 <a:moveTo>
                   <a:pt x="0" y="0"/>
                 </a:moveTo>
@@ -7911,19 +8279,19 @@
               </a:extLst>
             </a:blip>
             <a:stretch>
-              <a:fillRect l="0" t="0" r="0" b="0"/>
+              <a:fillRect/>
             </a:stretch>
           </a:blipFill>
         </p:spPr>
       </p:sp>
       <p:sp>
         <p:nvSpPr>
-          <p:cNvPr name="Freeform 11" id="11"/>
+          <p:cNvPr id="11" name="Freeform 11"/>
           <p:cNvSpPr/>
           <p:nvPr/>
         </p:nvSpPr>
         <p:spPr>
-          <a:xfrm flipH="false" flipV="false" rot="0">
+          <a:xfrm>
             <a:off x="1649325" y="8616443"/>
             <a:ext cx="2592823" cy="1202127"/>
           </a:xfrm>
@@ -7932,9 +8300,9 @@
             <a:gdLst/>
             <a:ahLst/>
             <a:cxnLst/>
-            <a:rect r="r" b="b" t="t" l="l"/>
+            <a:rect l="l" t="t" r="r" b="b"/>
             <a:pathLst>
-              <a:path h="1202127" w="2592823">
+              <a:path w="2592823" h="1202127">
                 <a:moveTo>
                   <a:pt x="0" y="0"/>
                 </a:moveTo>
@@ -7963,19 +8331,19 @@
               </a:extLst>
             </a:blip>
             <a:stretch>
-              <a:fillRect l="0" t="0" r="0" b="0"/>
+              <a:fillRect/>
             </a:stretch>
           </a:blipFill>
         </p:spPr>
       </p:sp>
       <p:sp>
         <p:nvSpPr>
-          <p:cNvPr name="TextBox 12" id="12"/>
-          <p:cNvSpPr txBox="true"/>
-          <p:nvPr/>
-        </p:nvSpPr>
-        <p:spPr>
-          <a:xfrm rot="0">
+          <p:cNvPr id="12" name="TextBox 12"/>
+          <p:cNvSpPr txBox="1"/>
+          <p:nvPr/>
+        </p:nvSpPr>
+        <p:spPr>
+          <a:xfrm>
             <a:off x="4035421" y="2876594"/>
             <a:ext cx="11303480" cy="1274674"/>
           </a:xfrm>
@@ -7984,7 +8352,7 @@
           </a:prstGeom>
         </p:spPr>
         <p:txBody>
-          <a:bodyPr anchor="t" rtlCol="false" tIns="0" lIns="0" bIns="0" rIns="0">
+          <a:bodyPr lIns="0" tIns="0" rIns="0" bIns="0" rtlCol="0" anchor="t">
             <a:spAutoFit/>
           </a:bodyPr>
           <a:lstStyle/>
@@ -8011,12 +8379,12 @@
       </p:sp>
       <p:sp>
         <p:nvSpPr>
-          <p:cNvPr name="Freeform 13" id="13"/>
+          <p:cNvPr id="13" name="Freeform 13"/>
           <p:cNvSpPr/>
           <p:nvPr/>
         </p:nvSpPr>
         <p:spPr>
-          <a:xfrm flipH="false" flipV="false" rot="0">
+          <a:xfrm>
             <a:off x="17570909" y="6146977"/>
             <a:ext cx="2534795" cy="2586526"/>
           </a:xfrm>
@@ -8025,9 +8393,9 @@
             <a:gdLst/>
             <a:ahLst/>
             <a:cxnLst/>
-            <a:rect r="r" b="b" t="t" l="l"/>
+            <a:rect l="l" t="t" r="r" b="b"/>
             <a:pathLst>
-              <a:path h="2586526" w="2534795">
+              <a:path w="2534795" h="2586526">
                 <a:moveTo>
                   <a:pt x="0" y="0"/>
                 </a:moveTo>
@@ -8056,19 +8424,19 @@
               </a:extLst>
             </a:blip>
             <a:stretch>
-              <a:fillRect l="0" t="0" r="0" b="0"/>
+              <a:fillRect/>
             </a:stretch>
           </a:blipFill>
         </p:spPr>
       </p:sp>
       <p:sp>
         <p:nvSpPr>
-          <p:cNvPr name="Freeform 14" id="14"/>
+          <p:cNvPr id="14" name="Freeform 14"/>
           <p:cNvSpPr/>
           <p:nvPr/>
         </p:nvSpPr>
         <p:spPr>
-          <a:xfrm flipH="false" flipV="false" rot="0">
+          <a:xfrm>
             <a:off x="15980614" y="8615741"/>
             <a:ext cx="2857693" cy="2405658"/>
           </a:xfrm>
@@ -8077,9 +8445,9 @@
             <a:gdLst/>
             <a:ahLst/>
             <a:cxnLst/>
-            <a:rect r="r" b="b" t="t" l="l"/>
+            <a:rect l="l" t="t" r="r" b="b"/>
             <a:pathLst>
-              <a:path h="2405658" w="2857693">
+              <a:path w="2857693" h="2405658">
                 <a:moveTo>
                   <a:pt x="0" y="0"/>
                 </a:moveTo>
@@ -8108,19 +8476,19 @@
               </a:extLst>
             </a:blip>
             <a:stretch>
-              <a:fillRect l="0" t="0" r="0" b="0"/>
+              <a:fillRect/>
             </a:stretch>
           </a:blipFill>
         </p:spPr>
       </p:sp>
       <p:sp>
         <p:nvSpPr>
-          <p:cNvPr name="Freeform 15" id="15"/>
+          <p:cNvPr id="15" name="Freeform 15"/>
           <p:cNvSpPr/>
           <p:nvPr/>
         </p:nvSpPr>
         <p:spPr>
-          <a:xfrm flipH="false" flipV="false" rot="0">
+          <a:xfrm>
             <a:off x="-573764" y="-608703"/>
             <a:ext cx="2857693" cy="2405658"/>
           </a:xfrm>
@@ -8129,9 +8497,9 @@
             <a:gdLst/>
             <a:ahLst/>
             <a:cxnLst/>
-            <a:rect r="r" b="b" t="t" l="l"/>
+            <a:rect l="l" t="t" r="r" b="b"/>
             <a:pathLst>
-              <a:path h="2405658" w="2857693">
+              <a:path w="2857693" h="2405658">
                 <a:moveTo>
                   <a:pt x="0" y="0"/>
                 </a:moveTo>
@@ -8160,19 +8528,19 @@
               </a:extLst>
             </a:blip>
             <a:stretch>
-              <a:fillRect l="0" t="0" r="0" b="0"/>
+              <a:fillRect/>
             </a:stretch>
           </a:blipFill>
         </p:spPr>
       </p:sp>
       <p:sp>
         <p:nvSpPr>
-          <p:cNvPr name="TextBox 16" id="16"/>
-          <p:cNvSpPr txBox="true"/>
-          <p:nvPr/>
-        </p:nvSpPr>
-        <p:spPr>
-          <a:xfrm rot="0">
+          <p:cNvPr id="16" name="TextBox 16"/>
+          <p:cNvSpPr txBox="1"/>
+          <p:nvPr/>
+        </p:nvSpPr>
+        <p:spPr>
+          <a:xfrm>
             <a:off x="4113143" y="4551766"/>
             <a:ext cx="10061714" cy="3249613"/>
           </a:xfrm>
@@ -8181,7 +8549,7 @@
           </a:prstGeom>
         </p:spPr>
         <p:txBody>
-          <a:bodyPr anchor="t" rtlCol="false" tIns="0" lIns="0" bIns="0" rIns="0">
+          <a:bodyPr lIns="0" tIns="0" rIns="0" bIns="0" rtlCol="0" anchor="t">
             <a:spAutoFit/>
           </a:bodyPr>
           <a:lstStyle/>
@@ -8210,6 +8578,15 @@
                 <a:spcPts val="4262"/>
               </a:lnSpc>
             </a:pPr>
+            <a:endParaRPr lang="en-US" sz="3437">
+              <a:solidFill>
+                <a:srgbClr val="4F7BC7"/>
+              </a:solidFill>
+              <a:latin typeface="Jet"/>
+              <a:ea typeface="Jet"/>
+              <a:cs typeface="Jet"/>
+              <a:sym typeface="Jet"/>
+            </a:endParaRPr>
           </a:p>
           <a:p>
             <a:pPr algn="l">
@@ -8260,13 +8637,14 @@
 </file>
 
 <file path=ppt/slides/slide7.xml><?xml version="1.0" encoding="utf-8"?>
-<p:sld xmlns:p="http://schemas.openxmlformats.org/presentationml/2006/main" xmlns:a="http://schemas.openxmlformats.org/drawingml/2006/main" xmlns:r="http://schemas.openxmlformats.org/officeDocument/2006/relationships">
+<p:sld xmlns:a="http://schemas.openxmlformats.org/drawingml/2006/main" xmlns:r="http://schemas.openxmlformats.org/officeDocument/2006/relationships" xmlns:p="http://schemas.openxmlformats.org/presentationml/2006/main">
   <p:cSld>
     <p:bg>
       <p:bgPr>
         <a:solidFill>
           <a:srgbClr val="CAE8FF"/>
         </a:solidFill>
+        <a:effectLst/>
       </p:bgPr>
     </p:bg>
     <p:spTree>
@@ -8285,12 +8663,12 @@
       </p:grpSpPr>
       <p:sp>
         <p:nvSpPr>
-          <p:cNvPr name="Freeform 2" id="2"/>
+          <p:cNvPr id="2" name="Freeform 2"/>
           <p:cNvSpPr/>
           <p:nvPr/>
         </p:nvSpPr>
         <p:spPr>
-          <a:xfrm flipH="true" flipV="false" rot="0">
+          <a:xfrm flipH="1">
             <a:off x="-793901" y="7885045"/>
             <a:ext cx="7315200" cy="3274807"/>
           </a:xfrm>
@@ -8299,9 +8677,9 @@
             <a:gdLst/>
             <a:ahLst/>
             <a:cxnLst/>
-            <a:rect r="r" b="b" t="t" l="l"/>
+            <a:rect l="l" t="t" r="r" b="b"/>
             <a:pathLst>
-              <a:path h="3274807" w="7315200">
+              <a:path w="7315200" h="3274807">
                 <a:moveTo>
                   <a:pt x="7315200" y="0"/>
                 </a:moveTo>
@@ -8330,19 +8708,19 @@
               </a:extLst>
             </a:blip>
             <a:stretch>
-              <a:fillRect l="0" t="0" r="0" b="0"/>
+              <a:fillRect/>
             </a:stretch>
           </a:blipFill>
         </p:spPr>
       </p:sp>
       <p:sp>
         <p:nvSpPr>
-          <p:cNvPr name="Freeform 3" id="3"/>
+          <p:cNvPr id="3" name="Freeform 3"/>
           <p:cNvSpPr/>
           <p:nvPr/>
         </p:nvSpPr>
         <p:spPr>
-          <a:xfrm flipH="false" flipV="false" rot="0">
+          <a:xfrm>
             <a:off x="13823566" y="7160107"/>
             <a:ext cx="6282137" cy="4114800"/>
           </a:xfrm>
@@ -8351,9 +8729,9 @@
             <a:gdLst/>
             <a:ahLst/>
             <a:cxnLst/>
-            <a:rect r="r" b="b" t="t" l="l"/>
+            <a:rect l="l" t="t" r="r" b="b"/>
             <a:pathLst>
-              <a:path h="4114800" w="6282137">
+              <a:path w="6282137" h="4114800">
                 <a:moveTo>
                   <a:pt x="0" y="0"/>
                 </a:moveTo>
@@ -8382,19 +8760,19 @@
               </a:extLst>
             </a:blip>
             <a:stretch>
-              <a:fillRect l="0" t="0" r="0" b="0"/>
+              <a:fillRect/>
             </a:stretch>
           </a:blipFill>
         </p:spPr>
       </p:sp>
       <p:sp>
         <p:nvSpPr>
-          <p:cNvPr name="Freeform 4" id="4"/>
+          <p:cNvPr id="4" name="Freeform 4"/>
           <p:cNvSpPr/>
           <p:nvPr/>
         </p:nvSpPr>
         <p:spPr>
-          <a:xfrm flipH="true" flipV="true" rot="0">
+          <a:xfrm flipH="1" flipV="1">
             <a:off x="-2112369" y="-1028700"/>
             <a:ext cx="6282137" cy="4114800"/>
           </a:xfrm>
@@ -8403,9 +8781,9 @@
             <a:gdLst/>
             <a:ahLst/>
             <a:cxnLst/>
-            <a:rect r="r" b="b" t="t" l="l"/>
+            <a:rect l="l" t="t" r="r" b="b"/>
             <a:pathLst>
-              <a:path h="4114800" w="6282137">
+              <a:path w="6282137" h="4114800">
                 <a:moveTo>
                   <a:pt x="6282138" y="4114800"/>
                 </a:moveTo>
@@ -8434,19 +8812,19 @@
               </a:extLst>
             </a:blip>
             <a:stretch>
-              <a:fillRect l="0" t="0" r="0" b="0"/>
+              <a:fillRect/>
             </a:stretch>
           </a:blipFill>
         </p:spPr>
       </p:sp>
       <p:sp>
         <p:nvSpPr>
-          <p:cNvPr name="Freeform 5" id="5"/>
+          <p:cNvPr id="5" name="Freeform 5"/>
           <p:cNvSpPr/>
           <p:nvPr/>
         </p:nvSpPr>
         <p:spPr>
-          <a:xfrm flipH="false" flipV="true" rot="0">
+          <a:xfrm flipV="1">
             <a:off x="12520266" y="-608703"/>
             <a:ext cx="7315200" cy="3274807"/>
           </a:xfrm>
@@ -8455,9 +8833,9 @@
             <a:gdLst/>
             <a:ahLst/>
             <a:cxnLst/>
-            <a:rect r="r" b="b" t="t" l="l"/>
+            <a:rect l="l" t="t" r="r" b="b"/>
             <a:pathLst>
-              <a:path h="3274807" w="7315200">
+              <a:path w="7315200" h="3274807">
                 <a:moveTo>
                   <a:pt x="0" y="3274806"/>
                 </a:moveTo>
@@ -8486,19 +8864,19 @@
               </a:extLst>
             </a:blip>
             <a:stretch>
-              <a:fillRect l="0" t="0" r="0" b="0"/>
+              <a:fillRect/>
             </a:stretch>
           </a:blipFill>
         </p:spPr>
       </p:sp>
       <p:sp>
         <p:nvSpPr>
-          <p:cNvPr name="Freeform 6" id="6"/>
+          <p:cNvPr id="6" name="Freeform 6"/>
           <p:cNvSpPr/>
           <p:nvPr/>
         </p:nvSpPr>
         <p:spPr>
-          <a:xfrm flipH="false" flipV="false" rot="0">
+          <a:xfrm>
             <a:off x="10639314" y="-2353783"/>
             <a:ext cx="3420356" cy="3490159"/>
           </a:xfrm>
@@ -8507,9 +8885,9 @@
             <a:gdLst/>
             <a:ahLst/>
             <a:cxnLst/>
-            <a:rect r="r" b="b" t="t" l="l"/>
+            <a:rect l="l" t="t" r="r" b="b"/>
             <a:pathLst>
-              <a:path h="3490159" w="3420356">
+              <a:path w="3420356" h="3490159">
                 <a:moveTo>
                   <a:pt x="0" y="0"/>
                 </a:moveTo>
@@ -8538,19 +8916,19 @@
               </a:extLst>
             </a:blip>
             <a:stretch>
-              <a:fillRect l="0" t="0" r="0" b="0"/>
+              <a:fillRect/>
             </a:stretch>
           </a:blipFill>
         </p:spPr>
       </p:sp>
       <p:sp>
         <p:nvSpPr>
-          <p:cNvPr name="Freeform 7" id="7"/>
+          <p:cNvPr id="7" name="Freeform 7"/>
           <p:cNvSpPr/>
           <p:nvPr/>
         </p:nvSpPr>
         <p:spPr>
-          <a:xfrm flipH="false" flipV="false" rot="0">
+          <a:xfrm>
             <a:off x="-2565274" y="6600548"/>
             <a:ext cx="3420356" cy="3490159"/>
           </a:xfrm>
@@ -8559,9 +8937,9 @@
             <a:gdLst/>
             <a:ahLst/>
             <a:cxnLst/>
-            <a:rect r="r" b="b" t="t" l="l"/>
+            <a:rect l="l" t="t" r="r" b="b"/>
             <a:pathLst>
-              <a:path h="3490159" w="3420356">
+              <a:path w="3420356" h="3490159">
                 <a:moveTo>
                   <a:pt x="0" y="0"/>
                 </a:moveTo>
@@ -8590,19 +8968,19 @@
               </a:extLst>
             </a:blip>
             <a:stretch>
-              <a:fillRect l="0" t="0" r="0" b="0"/>
+              <a:fillRect/>
             </a:stretch>
           </a:blipFill>
         </p:spPr>
       </p:sp>
       <p:sp>
         <p:nvSpPr>
-          <p:cNvPr name="Freeform 8" id="8"/>
+          <p:cNvPr id="8" name="Freeform 8"/>
           <p:cNvSpPr/>
           <p:nvPr/>
         </p:nvSpPr>
         <p:spPr>
-          <a:xfrm flipH="false" flipV="false" rot="-3497361">
+          <a:xfrm rot="-3497361">
             <a:off x="12366645" y="9293401"/>
             <a:ext cx="3061541" cy="3129828"/>
           </a:xfrm>
@@ -8611,9 +8989,9 @@
             <a:gdLst/>
             <a:ahLst/>
             <a:cxnLst/>
-            <a:rect r="r" b="b" t="t" l="l"/>
+            <a:rect l="l" t="t" r="r" b="b"/>
             <a:pathLst>
-              <a:path h="3129828" w="3061541">
+              <a:path w="3061541" h="3129828">
                 <a:moveTo>
                   <a:pt x="0" y="0"/>
                 </a:moveTo>
@@ -8642,19 +9020,19 @@
               </a:extLst>
             </a:blip>
             <a:stretch>
-              <a:fillRect l="0" t="0" r="0" b="0"/>
+              <a:fillRect/>
             </a:stretch>
           </a:blipFill>
         </p:spPr>
       </p:sp>
       <p:sp>
         <p:nvSpPr>
-          <p:cNvPr name="Freeform 9" id="9"/>
+          <p:cNvPr id="9" name="Freeform 9"/>
           <p:cNvSpPr/>
           <p:nvPr/>
         </p:nvSpPr>
         <p:spPr>
-          <a:xfrm flipH="false" flipV="false" rot="-3497361">
+          <a:xfrm rot="-3497361">
             <a:off x="2254467" y="-2259419"/>
             <a:ext cx="3061541" cy="3129828"/>
           </a:xfrm>
@@ -8663,9 +9041,9 @@
             <a:gdLst/>
             <a:ahLst/>
             <a:cxnLst/>
-            <a:rect r="r" b="b" t="t" l="l"/>
+            <a:rect l="l" t="t" r="r" b="b"/>
             <a:pathLst>
-              <a:path h="3129828" w="3061541">
+              <a:path w="3061541" h="3129828">
                 <a:moveTo>
                   <a:pt x="0" y="0"/>
                 </a:moveTo>
@@ -8694,19 +9072,19 @@
               </a:extLst>
             </a:blip>
             <a:stretch>
-              <a:fillRect l="0" t="0" r="0" b="0"/>
+              <a:fillRect/>
             </a:stretch>
           </a:blipFill>
         </p:spPr>
       </p:sp>
       <p:sp>
         <p:nvSpPr>
-          <p:cNvPr name="Freeform 10" id="10"/>
+          <p:cNvPr id="10" name="Freeform 10"/>
           <p:cNvSpPr/>
           <p:nvPr/>
         </p:nvSpPr>
         <p:spPr>
-          <a:xfrm flipH="false" flipV="false" rot="0">
+          <a:xfrm>
             <a:off x="15418916" y="183358"/>
             <a:ext cx="1517898" cy="1906037"/>
           </a:xfrm>
@@ -8715,9 +9093,9 @@
             <a:gdLst/>
             <a:ahLst/>
             <a:cxnLst/>
-            <a:rect r="r" b="b" t="t" l="l"/>
+            <a:rect l="l" t="t" r="r" b="b"/>
             <a:pathLst>
-              <a:path h="1906037" w="1517898">
+              <a:path w="1517898" h="1906037">
                 <a:moveTo>
                   <a:pt x="0" y="0"/>
                 </a:moveTo>
@@ -8746,19 +9124,19 @@
               </a:extLst>
             </a:blip>
             <a:stretch>
-              <a:fillRect l="0" t="0" r="0" b="0"/>
+              <a:fillRect/>
             </a:stretch>
           </a:blipFill>
         </p:spPr>
       </p:sp>
       <p:sp>
         <p:nvSpPr>
-          <p:cNvPr name="Freeform 11" id="11"/>
+          <p:cNvPr id="11" name="Freeform 11"/>
           <p:cNvSpPr/>
           <p:nvPr/>
         </p:nvSpPr>
         <p:spPr>
-          <a:xfrm flipH="false" flipV="false" rot="0">
+          <a:xfrm>
             <a:off x="1649325" y="8616443"/>
             <a:ext cx="2592823" cy="1202127"/>
           </a:xfrm>
@@ -8767,9 +9145,9 @@
             <a:gdLst/>
             <a:ahLst/>
             <a:cxnLst/>
-            <a:rect r="r" b="b" t="t" l="l"/>
+            <a:rect l="l" t="t" r="r" b="b"/>
             <a:pathLst>
-              <a:path h="1202127" w="2592823">
+              <a:path w="2592823" h="1202127">
                 <a:moveTo>
                   <a:pt x="0" y="0"/>
                 </a:moveTo>
@@ -8798,19 +9176,19 @@
               </a:extLst>
             </a:blip>
             <a:stretch>
-              <a:fillRect l="0" t="0" r="0" b="0"/>
+              <a:fillRect/>
             </a:stretch>
           </a:blipFill>
         </p:spPr>
       </p:sp>
       <p:sp>
         <p:nvSpPr>
-          <p:cNvPr name="TextBox 12" id="12"/>
-          <p:cNvSpPr txBox="true"/>
-          <p:nvPr/>
-        </p:nvSpPr>
-        <p:spPr>
-          <a:xfrm rot="0">
+          <p:cNvPr id="12" name="TextBox 12"/>
+          <p:cNvSpPr txBox="1"/>
+          <p:nvPr/>
+        </p:nvSpPr>
+        <p:spPr>
+          <a:xfrm>
             <a:off x="4035421" y="2660626"/>
             <a:ext cx="10217158" cy="1274674"/>
           </a:xfrm>
@@ -8819,7 +9197,7 @@
           </a:prstGeom>
         </p:spPr>
         <p:txBody>
-          <a:bodyPr anchor="t" rtlCol="false" tIns="0" lIns="0" bIns="0" rIns="0">
+          <a:bodyPr lIns="0" tIns="0" rIns="0" bIns="0" rtlCol="0" anchor="t">
             <a:spAutoFit/>
           </a:bodyPr>
           <a:lstStyle/>
@@ -8846,26 +9224,163 @@
       </p:sp>
       <p:sp>
         <p:nvSpPr>
-          <p:cNvPr name="TextBox 13" id="13"/>
-          <p:cNvSpPr txBox="true"/>
-          <p:nvPr/>
-        </p:nvSpPr>
-        <p:spPr>
-          <a:xfrm rot="0">
+          <p:cNvPr id="13" name="TextBox 13"/>
+          <p:cNvSpPr txBox="1"/>
+          <p:nvPr/>
+        </p:nvSpPr>
+        <p:spPr>
+          <a:xfrm>
             <a:off x="3074052" y="3767161"/>
-            <a:ext cx="12139896" cy="4316413"/>
+            <a:ext cx="12139896" cy="4411464"/>
           </a:xfrm>
           <a:prstGeom prst="rect">
             <a:avLst/>
           </a:prstGeom>
         </p:spPr>
         <p:txBody>
-          <a:bodyPr anchor="t" rtlCol="false" tIns="0" lIns="0" bIns="0" rIns="0">
+          <a:bodyPr lIns="0" tIns="0" rIns="0" bIns="0" rtlCol="0" anchor="t">
             <a:spAutoFit/>
           </a:bodyPr>
           <a:lstStyle/>
           <a:p>
-            <a:pPr algn="just" marL="742149" indent="-371075" lvl="1">
+            <a:pPr marL="371074" lvl="1" algn="just">
+              <a:lnSpc>
+                <a:spcPts val="4262"/>
+              </a:lnSpc>
+              <a:spcBef>
+                <a:spcPct val="0"/>
+              </a:spcBef>
+            </a:pPr>
+            <a:r>
+              <a:rPr lang="en-US" sz="3437" u="none" strike="noStrike" dirty="0">
+                <a:solidFill>
+                  <a:srgbClr val="4F7BC7"/>
+                </a:solidFill>
+                <a:latin typeface="Jet"/>
+                <a:ea typeface="Jet"/>
+                <a:cs typeface="Jet"/>
+                <a:sym typeface="Jet"/>
+              </a:rPr>
+              <a:t>Nous </a:t>
+            </a:r>
+            <a:r>
+              <a:rPr lang="en-US" sz="3437" u="none" strike="noStrike" dirty="0" err="1">
+                <a:solidFill>
+                  <a:srgbClr val="4F7BC7"/>
+                </a:solidFill>
+                <a:latin typeface="Jet"/>
+                <a:ea typeface="Jet"/>
+                <a:cs typeface="Jet"/>
+                <a:sym typeface="Jet"/>
+              </a:rPr>
+              <a:t>avons</a:t>
+            </a:r>
+            <a:r>
+              <a:rPr lang="en-US" sz="3437" u="none" strike="noStrike" dirty="0">
+                <a:solidFill>
+                  <a:srgbClr val="4F7BC7"/>
+                </a:solidFill>
+                <a:latin typeface="Jet"/>
+                <a:ea typeface="Jet"/>
+                <a:cs typeface="Jet"/>
+                <a:sym typeface="Jet"/>
+              </a:rPr>
+              <a:t> pris </a:t>
+            </a:r>
+            <a:r>
+              <a:rPr lang="en-US" sz="3437" u="none" strike="noStrike" dirty="0" err="1">
+                <a:solidFill>
+                  <a:srgbClr val="4F7BC7"/>
+                </a:solidFill>
+                <a:latin typeface="Jet"/>
+                <a:ea typeface="Jet"/>
+                <a:cs typeface="Jet"/>
+                <a:sym typeface="Jet"/>
+              </a:rPr>
+              <a:t>en</a:t>
+            </a:r>
+            <a:r>
+              <a:rPr lang="en-US" sz="3437" u="none" strike="noStrike" dirty="0">
+                <a:solidFill>
+                  <a:srgbClr val="4F7BC7"/>
+                </a:solidFill>
+                <a:latin typeface="Jet"/>
+                <a:ea typeface="Jet"/>
+                <a:cs typeface="Jet"/>
+                <a:sym typeface="Jet"/>
+              </a:rPr>
+              <a:t> charge </a:t>
+            </a:r>
+            <a:r>
+              <a:rPr lang="en-US" sz="3437" u="none" strike="noStrike" dirty="0" err="1">
+                <a:solidFill>
+                  <a:srgbClr val="4F7BC7"/>
+                </a:solidFill>
+                <a:latin typeface="Jet"/>
+                <a:ea typeface="Jet"/>
+                <a:cs typeface="Jet"/>
+                <a:sym typeface="Jet"/>
+              </a:rPr>
+              <a:t>différents</a:t>
+            </a:r>
+            <a:r>
+              <a:rPr lang="en-US" sz="3437" u="none" strike="noStrike" dirty="0">
+                <a:solidFill>
+                  <a:srgbClr val="4F7BC7"/>
+                </a:solidFill>
+                <a:latin typeface="Jet"/>
+                <a:ea typeface="Jet"/>
+                <a:cs typeface="Jet"/>
+                <a:sym typeface="Jet"/>
+              </a:rPr>
+              <a:t> types </a:t>
+            </a:r>
+            <a:r>
+              <a:rPr lang="en-US" sz="3437" u="none" strike="noStrike" dirty="0" err="1">
+                <a:solidFill>
+                  <a:srgbClr val="4F7BC7"/>
+                </a:solidFill>
+                <a:latin typeface="Jet"/>
+                <a:ea typeface="Jet"/>
+                <a:cs typeface="Jet"/>
+                <a:sym typeface="Jet"/>
+              </a:rPr>
+              <a:t>d’erreur</a:t>
+            </a:r>
+            <a:r>
+              <a:rPr lang="en-US" sz="3437" u="none" strike="noStrike" dirty="0">
+                <a:solidFill>
+                  <a:srgbClr val="4F7BC7"/>
+                </a:solidFill>
+                <a:latin typeface="Jet"/>
+                <a:ea typeface="Jet"/>
+                <a:cs typeface="Jet"/>
+                <a:sym typeface="Jet"/>
+              </a:rPr>
+              <a:t>:</a:t>
+            </a:r>
+          </a:p>
+          <a:p>
+            <a:pPr algn="just">
+              <a:lnSpc>
+                <a:spcPts val="4262"/>
+              </a:lnSpc>
+              <a:spcBef>
+                <a:spcPct val="0"/>
+              </a:spcBef>
+            </a:pPr>
+            <a:endParaRPr lang="en-US" sz="3437" u="none" strike="noStrike" dirty="0">
+              <a:solidFill>
+                <a:srgbClr val="4F7BC7"/>
+              </a:solidFill>
+              <a:latin typeface="Jet"/>
+              <a:ea typeface="Jet"/>
+              <a:cs typeface="Jet"/>
+              <a:sym typeface="Jet"/>
+            </a:endParaRPr>
+          </a:p>
+          <a:p>
+            <a:pPr marL="742149" lvl="1" indent="-371075" algn="just">
               <a:lnSpc>
                 <a:spcPts val="4262"/>
               </a:lnSpc>
@@ -8876,7 +9391,7 @@
               <a:buChar char="•"/>
             </a:pPr>
             <a:r>
-              <a:rPr lang="en-US" sz="3437" strike="noStrike" u="none">
+              <a:rPr lang="en-US" sz="3437" u="none" strike="noStrike" dirty="0" err="1">
                 <a:solidFill>
                   <a:srgbClr val="4F7BC7"/>
                 </a:solidFill>
@@ -8885,21 +9400,92 @@
                 <a:cs typeface="Jet"/>
                 <a:sym typeface="Jet"/>
               </a:rPr>
-              <a:t>Nous avons pris en charge différents types d’erreur:</a:t>
-            </a:r>
-          </a:p>
-          <a:p>
-            <a:pPr algn="just">
-              <a:lnSpc>
-                <a:spcPts val="4262"/>
-              </a:lnSpc>
-              <a:spcBef>
-                <a:spcPct val="0"/>
-              </a:spcBef>
-            </a:pPr>
-          </a:p>
-          <a:p>
-            <a:pPr algn="just" marL="742149" indent="-371075" lvl="1">
+              <a:t>L’utilisation</a:t>
+            </a:r>
+            <a:r>
+              <a:rPr lang="en-US" sz="3437" u="none" strike="noStrike" dirty="0">
+                <a:solidFill>
+                  <a:srgbClr val="4F7BC7"/>
+                </a:solidFill>
+                <a:latin typeface="Jet"/>
+                <a:ea typeface="Jet"/>
+                <a:cs typeface="Jet"/>
+                <a:sym typeface="Jet"/>
+              </a:rPr>
+              <a:t> d’un </a:t>
+            </a:r>
+            <a:r>
+              <a:rPr lang="en-US" sz="3437" u="none" strike="noStrike" dirty="0" err="1">
+                <a:solidFill>
+                  <a:srgbClr val="4F7BC7"/>
+                </a:solidFill>
+                <a:latin typeface="Jet"/>
+                <a:ea typeface="Jet"/>
+                <a:cs typeface="Jet"/>
+                <a:sym typeface="Jet"/>
+              </a:rPr>
+              <a:t>même</a:t>
+            </a:r>
+            <a:r>
+              <a:rPr lang="en-US" sz="3437" u="none" strike="noStrike" dirty="0">
+                <a:solidFill>
+                  <a:srgbClr val="4F7BC7"/>
+                </a:solidFill>
+                <a:latin typeface="Jet"/>
+                <a:ea typeface="Jet"/>
+                <a:cs typeface="Jet"/>
+                <a:sym typeface="Jet"/>
+              </a:rPr>
+              <a:t> Nom/</a:t>
+            </a:r>
+            <a:r>
+              <a:rPr lang="en-US" sz="3437" u="none" strike="noStrike" dirty="0" err="1">
+                <a:solidFill>
+                  <a:srgbClr val="4F7BC7"/>
+                </a:solidFill>
+                <a:latin typeface="Jet"/>
+                <a:ea typeface="Jet"/>
+                <a:cs typeface="Jet"/>
+                <a:sym typeface="Jet"/>
+              </a:rPr>
+              <a:t>Prénom</a:t>
+            </a:r>
+            <a:r>
+              <a:rPr lang="en-US" sz="3437" u="none" strike="noStrike" dirty="0">
+                <a:solidFill>
+                  <a:srgbClr val="4F7BC7"/>
+                </a:solidFill>
+                <a:latin typeface="Jet"/>
+                <a:ea typeface="Jet"/>
+                <a:cs typeface="Jet"/>
+                <a:sym typeface="Jet"/>
+              </a:rPr>
+              <a:t>/Nom </a:t>
+            </a:r>
+            <a:r>
+              <a:rPr lang="en-US" sz="3437" u="none" strike="noStrike" dirty="0" err="1">
+                <a:solidFill>
+                  <a:srgbClr val="4F7BC7"/>
+                </a:solidFill>
+                <a:latin typeface="Jet"/>
+                <a:ea typeface="Jet"/>
+                <a:cs typeface="Jet"/>
+                <a:sym typeface="Jet"/>
+              </a:rPr>
+              <a:t>d’Utilisateur</a:t>
+            </a:r>
+            <a:endParaRPr lang="en-US" sz="3437" u="none" strike="noStrike" dirty="0">
+              <a:solidFill>
+                <a:srgbClr val="4F7BC7"/>
+              </a:solidFill>
+              <a:latin typeface="Jet"/>
+              <a:ea typeface="Jet"/>
+              <a:cs typeface="Jet"/>
+              <a:sym typeface="Jet"/>
+            </a:endParaRPr>
+          </a:p>
+          <a:p>
+            <a:pPr marL="742149" lvl="1" indent="-371075" algn="just">
               <a:lnSpc>
                 <a:spcPts val="4262"/>
               </a:lnSpc>
@@ -8910,7 +9496,7 @@
               <a:buChar char="•"/>
             </a:pPr>
             <a:r>
-              <a:rPr lang="en-US" sz="3437" strike="noStrike" u="none">
+              <a:rPr lang="en-US" sz="3437" u="none" strike="noStrike" dirty="0">
                 <a:solidFill>
                   <a:srgbClr val="4F7BC7"/>
                 </a:solidFill>
@@ -8919,11 +9505,104 @@
                 <a:cs typeface="Jet"/>
                 <a:sym typeface="Jet"/>
               </a:rPr>
-              <a:t>L’utilisation d’un même Nom/Prénom/Nom d’Utilisateur</a:t>
-            </a:r>
-          </a:p>
-          <a:p>
-            <a:pPr algn="just" marL="742149" indent="-371075" lvl="1">
+              <a:t>Des </a:t>
+            </a:r>
+            <a:r>
+              <a:rPr lang="en-US" sz="3437" u="none" strike="noStrike" dirty="0" err="1">
+                <a:solidFill>
+                  <a:srgbClr val="4F7BC7"/>
+                </a:solidFill>
+                <a:latin typeface="Jet"/>
+                <a:ea typeface="Jet"/>
+                <a:cs typeface="Jet"/>
+                <a:sym typeface="Jet"/>
+              </a:rPr>
+              <a:t>informations</a:t>
+            </a:r>
+            <a:r>
+              <a:rPr lang="en-US" sz="3437" u="none" strike="noStrike" dirty="0">
+                <a:solidFill>
+                  <a:srgbClr val="4F7BC7"/>
+                </a:solidFill>
+                <a:latin typeface="Jet"/>
+                <a:ea typeface="Jet"/>
+                <a:cs typeface="Jet"/>
+                <a:sym typeface="Jet"/>
+              </a:rPr>
+              <a:t> non </a:t>
+            </a:r>
+            <a:r>
+              <a:rPr lang="en-US" sz="3437" u="none" strike="noStrike" dirty="0" err="1">
+                <a:solidFill>
+                  <a:srgbClr val="4F7BC7"/>
+                </a:solidFill>
+                <a:latin typeface="Jet"/>
+                <a:ea typeface="Jet"/>
+                <a:cs typeface="Jet"/>
+                <a:sym typeface="Jet"/>
+              </a:rPr>
+              <a:t>complété</a:t>
+            </a:r>
+            <a:r>
+              <a:rPr lang="en-US" sz="3437" u="none" strike="noStrike" dirty="0">
+                <a:solidFill>
+                  <a:srgbClr val="4F7BC7"/>
+                </a:solidFill>
+                <a:latin typeface="Jet"/>
+                <a:ea typeface="Jet"/>
+                <a:cs typeface="Jet"/>
+                <a:sym typeface="Jet"/>
+              </a:rPr>
+              <a:t> </a:t>
+            </a:r>
+            <a:r>
+              <a:rPr lang="en-US" sz="3437" u="none" strike="noStrike" dirty="0" err="1">
+                <a:solidFill>
+                  <a:srgbClr val="4F7BC7"/>
+                </a:solidFill>
+                <a:latin typeface="Jet"/>
+                <a:ea typeface="Jet"/>
+                <a:cs typeface="Jet"/>
+                <a:sym typeface="Jet"/>
+              </a:rPr>
+              <a:t>ou</a:t>
+            </a:r>
+            <a:r>
+              <a:rPr lang="en-US" sz="3437" u="none" strike="noStrike" dirty="0">
+                <a:solidFill>
+                  <a:srgbClr val="4F7BC7"/>
+                </a:solidFill>
+                <a:latin typeface="Jet"/>
+                <a:ea typeface="Jet"/>
+                <a:cs typeface="Jet"/>
+                <a:sym typeface="Jet"/>
+              </a:rPr>
+              <a:t> </a:t>
+            </a:r>
+            <a:r>
+              <a:rPr lang="en-US" sz="3437" u="none" strike="noStrike" dirty="0" err="1">
+                <a:solidFill>
+                  <a:srgbClr val="4F7BC7"/>
+                </a:solidFill>
+                <a:latin typeface="Jet"/>
+                <a:ea typeface="Jet"/>
+                <a:cs typeface="Jet"/>
+                <a:sym typeface="Jet"/>
+              </a:rPr>
+              <a:t>partiellement</a:t>
+            </a:r>
+            <a:endParaRPr lang="en-US" sz="3437" u="none" strike="noStrike" dirty="0">
+              <a:solidFill>
+                <a:srgbClr val="4F7BC7"/>
+              </a:solidFill>
+              <a:latin typeface="Jet"/>
+              <a:ea typeface="Jet"/>
+              <a:cs typeface="Jet"/>
+              <a:sym typeface="Jet"/>
+            </a:endParaRPr>
+          </a:p>
+          <a:p>
+            <a:pPr marL="742149" lvl="1" indent="-371075" algn="just">
               <a:lnSpc>
                 <a:spcPts val="4262"/>
               </a:lnSpc>
@@ -8934,7 +9613,7 @@
               <a:buChar char="•"/>
             </a:pPr>
             <a:r>
-              <a:rPr lang="en-US" sz="3437" strike="noStrike" u="none">
+              <a:rPr lang="en-US" sz="3437" u="none" strike="noStrike" dirty="0" err="1">
                 <a:solidFill>
                   <a:srgbClr val="4F7BC7"/>
                 </a:solidFill>
@@ -8943,11 +9622,116 @@
                 <a:cs typeface="Jet"/>
                 <a:sym typeface="Jet"/>
               </a:rPr>
-              <a:t>Des informations non complété ou partiellement</a:t>
-            </a:r>
-          </a:p>
-          <a:p>
-            <a:pPr algn="just" marL="742149" indent="-371075" lvl="1">
+              <a:t>Quand</a:t>
+            </a:r>
+            <a:r>
+              <a:rPr lang="en-US" sz="3437" u="none" strike="noStrike" dirty="0">
+                <a:solidFill>
+                  <a:srgbClr val="4F7BC7"/>
+                </a:solidFill>
+                <a:latin typeface="Jet"/>
+                <a:ea typeface="Jet"/>
+                <a:cs typeface="Jet"/>
+                <a:sym typeface="Jet"/>
+              </a:rPr>
+              <a:t> </a:t>
+            </a:r>
+            <a:r>
+              <a:rPr lang="en-US" sz="3437" u="none" strike="noStrike" dirty="0" err="1">
+                <a:solidFill>
+                  <a:srgbClr val="4F7BC7"/>
+                </a:solidFill>
+                <a:latin typeface="Jet"/>
+                <a:ea typeface="Jet"/>
+                <a:cs typeface="Jet"/>
+                <a:sym typeface="Jet"/>
+              </a:rPr>
+              <a:t>l’utilisateur</a:t>
+            </a:r>
+            <a:r>
+              <a:rPr lang="en-US" sz="3437" u="none" strike="noStrike" dirty="0">
+                <a:solidFill>
+                  <a:srgbClr val="4F7BC7"/>
+                </a:solidFill>
+                <a:latin typeface="Jet"/>
+                <a:ea typeface="Jet"/>
+                <a:cs typeface="Jet"/>
+                <a:sym typeface="Jet"/>
+              </a:rPr>
+              <a:t> </a:t>
+            </a:r>
+            <a:r>
+              <a:rPr lang="en-US" sz="3437" u="none" strike="noStrike" dirty="0" err="1">
+                <a:solidFill>
+                  <a:srgbClr val="4F7BC7"/>
+                </a:solidFill>
+                <a:latin typeface="Jet"/>
+                <a:ea typeface="Jet"/>
+                <a:cs typeface="Jet"/>
+                <a:sym typeface="Jet"/>
+              </a:rPr>
+              <a:t>n’a</a:t>
+            </a:r>
+            <a:r>
+              <a:rPr lang="en-US" sz="3437" u="none" strike="noStrike" dirty="0">
+                <a:solidFill>
+                  <a:srgbClr val="4F7BC7"/>
+                </a:solidFill>
+                <a:latin typeface="Jet"/>
+                <a:ea typeface="Jet"/>
+                <a:cs typeface="Jet"/>
+                <a:sym typeface="Jet"/>
+              </a:rPr>
+              <a:t> pas </a:t>
+            </a:r>
+            <a:r>
+              <a:rPr lang="en-US" sz="3437" u="none" strike="noStrike" dirty="0" err="1">
+                <a:solidFill>
+                  <a:srgbClr val="4F7BC7"/>
+                </a:solidFill>
+                <a:latin typeface="Jet"/>
+                <a:ea typeface="Jet"/>
+                <a:cs typeface="Jet"/>
+                <a:sym typeface="Jet"/>
+              </a:rPr>
+              <a:t>crée</a:t>
+            </a:r>
+            <a:r>
+              <a:rPr lang="en-US" sz="3437" u="none" strike="noStrike" dirty="0">
+                <a:solidFill>
+                  <a:srgbClr val="4F7BC7"/>
+                </a:solidFill>
+                <a:latin typeface="Jet"/>
+                <a:ea typeface="Jet"/>
+                <a:cs typeface="Jet"/>
+                <a:sym typeface="Jet"/>
+              </a:rPr>
+              <a:t> son </a:t>
+            </a:r>
+            <a:r>
+              <a:rPr lang="en-US" sz="3437" u="none" strike="noStrike" dirty="0" err="1">
+                <a:solidFill>
+                  <a:srgbClr val="4F7BC7"/>
+                </a:solidFill>
+                <a:latin typeface="Jet"/>
+                <a:ea typeface="Jet"/>
+                <a:cs typeface="Jet"/>
+                <a:sym typeface="Jet"/>
+              </a:rPr>
+              <a:t>compte</a:t>
+            </a:r>
+            <a:endParaRPr lang="en-US" sz="3437" u="none" strike="noStrike" dirty="0">
+              <a:solidFill>
+                <a:srgbClr val="4F7BC7"/>
+              </a:solidFill>
+              <a:latin typeface="Jet"/>
+              <a:ea typeface="Jet"/>
+              <a:cs typeface="Jet"/>
+              <a:sym typeface="Jet"/>
+            </a:endParaRPr>
+          </a:p>
+          <a:p>
+            <a:pPr marL="742149" lvl="1" indent="-371075" algn="just">
               <a:lnSpc>
                 <a:spcPts val="4262"/>
               </a:lnSpc>
@@ -8958,7 +9742,7 @@
               <a:buChar char="•"/>
             </a:pPr>
             <a:r>
-              <a:rPr lang="en-US" sz="3437" strike="noStrike" u="none">
+              <a:rPr lang="en-US" sz="3437" u="none" strike="noStrike" dirty="0">
                 <a:solidFill>
                   <a:srgbClr val="4F7BC7"/>
                 </a:solidFill>
@@ -8967,11 +9751,56 @@
                 <a:cs typeface="Jet"/>
                 <a:sym typeface="Jet"/>
               </a:rPr>
-              <a:t>Quand l’utilisateur n’a pas crée son compte</a:t>
-            </a:r>
-          </a:p>
-          <a:p>
-            <a:pPr algn="just" marL="742149" indent="-371075" lvl="1">
+              <a:t>Si des </a:t>
+            </a:r>
+            <a:r>
+              <a:rPr lang="en-US" sz="3437" u="none" strike="noStrike" dirty="0" err="1">
+                <a:solidFill>
+                  <a:srgbClr val="4F7BC7"/>
+                </a:solidFill>
+                <a:latin typeface="Jet"/>
+                <a:ea typeface="Jet"/>
+                <a:cs typeface="Jet"/>
+                <a:sym typeface="Jet"/>
+              </a:rPr>
+              <a:t>identifiants</a:t>
+            </a:r>
+            <a:r>
+              <a:rPr lang="en-US" sz="3437" u="none" strike="noStrike" dirty="0">
+                <a:solidFill>
+                  <a:srgbClr val="4F7BC7"/>
+                </a:solidFill>
+                <a:latin typeface="Jet"/>
+                <a:ea typeface="Jet"/>
+                <a:cs typeface="Jet"/>
+                <a:sym typeface="Jet"/>
+              </a:rPr>
+              <a:t> son </a:t>
+            </a:r>
+            <a:r>
+              <a:rPr lang="en-US" sz="3437" u="none" strike="noStrike" dirty="0" err="1">
+                <a:solidFill>
+                  <a:srgbClr val="4F7BC7"/>
+                </a:solidFill>
+                <a:latin typeface="Jet"/>
+                <a:ea typeface="Jet"/>
+                <a:cs typeface="Jet"/>
+                <a:sym typeface="Jet"/>
+              </a:rPr>
+              <a:t>incorrects</a:t>
+            </a:r>
+            <a:endParaRPr lang="en-US" sz="3437" u="none" strike="noStrike" dirty="0">
+              <a:solidFill>
+                <a:srgbClr val="4F7BC7"/>
+              </a:solidFill>
+              <a:latin typeface="Jet"/>
+              <a:ea typeface="Jet"/>
+              <a:cs typeface="Jet"/>
+              <a:sym typeface="Jet"/>
+            </a:endParaRPr>
+          </a:p>
+          <a:p>
+            <a:pPr marL="742149" lvl="1" indent="-371075" algn="just">
               <a:lnSpc>
                 <a:spcPts val="4262"/>
               </a:lnSpc>
@@ -8982,7 +9811,7 @@
               <a:buChar char="•"/>
             </a:pPr>
             <a:r>
-              <a:rPr lang="en-US" sz="3437" strike="noStrike" u="none">
+              <a:rPr lang="en-US" sz="3437" u="none" strike="noStrike" dirty="0" err="1">
                 <a:solidFill>
                   <a:srgbClr val="4F7BC7"/>
                 </a:solidFill>
@@ -8991,11 +9820,116 @@
                 <a:cs typeface="Jet"/>
                 <a:sym typeface="Jet"/>
               </a:rPr>
-              <a:t>Si des identifiants son incorrects</a:t>
-            </a:r>
-          </a:p>
-          <a:p>
-            <a:pPr algn="just" marL="742149" indent="-371075" lvl="1">
+              <a:t>S’il</a:t>
+            </a:r>
+            <a:r>
+              <a:rPr lang="en-US" sz="3437" u="none" strike="noStrike" dirty="0">
+                <a:solidFill>
+                  <a:srgbClr val="4F7BC7"/>
+                </a:solidFill>
+                <a:latin typeface="Jet"/>
+                <a:ea typeface="Jet"/>
+                <a:cs typeface="Jet"/>
+                <a:sym typeface="Jet"/>
+              </a:rPr>
+              <a:t> </a:t>
+            </a:r>
+            <a:r>
+              <a:rPr lang="en-US" sz="3437" u="none" strike="noStrike" dirty="0" err="1">
+                <a:solidFill>
+                  <a:srgbClr val="4F7BC7"/>
+                </a:solidFill>
+                <a:latin typeface="Jet"/>
+                <a:ea typeface="Jet"/>
+                <a:cs typeface="Jet"/>
+                <a:sym typeface="Jet"/>
+              </a:rPr>
+              <a:t>n’y</a:t>
+            </a:r>
+            <a:r>
+              <a:rPr lang="en-US" sz="3437" u="none" strike="noStrike" dirty="0">
+                <a:solidFill>
+                  <a:srgbClr val="4F7BC7"/>
+                </a:solidFill>
+                <a:latin typeface="Jet"/>
+                <a:ea typeface="Jet"/>
+                <a:cs typeface="Jet"/>
+                <a:sym typeface="Jet"/>
+              </a:rPr>
+              <a:t> a pas </a:t>
+            </a:r>
+            <a:r>
+              <a:rPr lang="en-US" sz="3437" u="none" strike="noStrike" dirty="0" err="1">
+                <a:solidFill>
+                  <a:srgbClr val="4F7BC7"/>
+                </a:solidFill>
+                <a:latin typeface="Jet"/>
+                <a:ea typeface="Jet"/>
+                <a:cs typeface="Jet"/>
+                <a:sym typeface="Jet"/>
+              </a:rPr>
+              <a:t>assez</a:t>
+            </a:r>
+            <a:r>
+              <a:rPr lang="en-US" sz="3437" u="none" strike="noStrike" dirty="0">
+                <a:solidFill>
+                  <a:srgbClr val="4F7BC7"/>
+                </a:solidFill>
+                <a:latin typeface="Jet"/>
+                <a:ea typeface="Jet"/>
+                <a:cs typeface="Jet"/>
+                <a:sym typeface="Jet"/>
+              </a:rPr>
+              <a:t> de </a:t>
+            </a:r>
+            <a:r>
+              <a:rPr lang="en-US" sz="3437" u="none" strike="noStrike" dirty="0" err="1">
+                <a:solidFill>
+                  <a:srgbClr val="4F7BC7"/>
+                </a:solidFill>
+                <a:latin typeface="Jet"/>
+                <a:ea typeface="Jet"/>
+                <a:cs typeface="Jet"/>
+                <a:sym typeface="Jet"/>
+              </a:rPr>
+              <a:t>personnes</a:t>
+            </a:r>
+            <a:r>
+              <a:rPr lang="en-US" sz="3437" u="none" strike="noStrike" dirty="0">
+                <a:solidFill>
+                  <a:srgbClr val="4F7BC7"/>
+                </a:solidFill>
+                <a:latin typeface="Jet"/>
+                <a:ea typeface="Jet"/>
+                <a:cs typeface="Jet"/>
+                <a:sym typeface="Jet"/>
+              </a:rPr>
+              <a:t> </a:t>
+            </a:r>
+            <a:r>
+              <a:rPr lang="en-US" sz="3437" u="none" strike="noStrike" dirty="0" err="1">
+                <a:solidFill>
+                  <a:srgbClr val="4F7BC7"/>
+                </a:solidFill>
+                <a:latin typeface="Jet"/>
+                <a:ea typeface="Jet"/>
+                <a:cs typeface="Jet"/>
+                <a:sym typeface="Jet"/>
+              </a:rPr>
+              <a:t>disponibles</a:t>
+            </a:r>
+            <a:endParaRPr lang="en-US" sz="3437" u="none" strike="noStrike" dirty="0">
+              <a:solidFill>
+                <a:srgbClr val="4F7BC7"/>
+              </a:solidFill>
+              <a:latin typeface="Jet"/>
+              <a:ea typeface="Jet"/>
+              <a:cs typeface="Jet"/>
+              <a:sym typeface="Jet"/>
+            </a:endParaRPr>
+          </a:p>
+          <a:p>
+            <a:pPr marL="742149" lvl="1" indent="-371075" algn="just">
               <a:lnSpc>
                 <a:spcPts val="4262"/>
               </a:lnSpc>
@@ -9006,7 +9940,7 @@
               <a:buChar char="•"/>
             </a:pPr>
             <a:r>
-              <a:rPr lang="en-US" sz="3437" strike="noStrike" u="none">
+              <a:rPr lang="en-US" sz="3437" u="none" strike="noStrike" dirty="0">
                 <a:solidFill>
                   <a:srgbClr val="4F7BC7"/>
                 </a:solidFill>
@@ -9015,22 +9949,10 @@
                 <a:cs typeface="Jet"/>
                 <a:sym typeface="Jet"/>
               </a:rPr>
-              <a:t>S’il n’y a pas assez de personnes disponibles</a:t>
-            </a:r>
-          </a:p>
-          <a:p>
-            <a:pPr algn="just" marL="742149" indent="-371075" lvl="1">
-              <a:lnSpc>
-                <a:spcPts val="4262"/>
-              </a:lnSpc>
-              <a:spcBef>
-                <a:spcPct val="0"/>
-              </a:spcBef>
-              <a:buFont typeface="Arial"/>
-              <a:buChar char="•"/>
-            </a:pPr>
-            <a:r>
-              <a:rPr lang="en-US" sz="3437" strike="noStrike" u="none">
+              <a:t>Si des </a:t>
+            </a:r>
+            <a:r>
+              <a:rPr lang="en-US" sz="3437" u="none" strike="noStrike" dirty="0" err="1">
                 <a:solidFill>
                   <a:srgbClr val="4F7BC7"/>
                 </a:solidFill>
@@ -9039,19 +9961,100 @@
                 <a:cs typeface="Jet"/>
                 <a:sym typeface="Jet"/>
               </a:rPr>
-              <a:t>Si des informations rentrer ne sont pas valide</a:t>
-            </a:r>
+              <a:t>informations</a:t>
+            </a:r>
+            <a:r>
+              <a:rPr lang="en-US" sz="3437" u="none" strike="noStrike" dirty="0">
+                <a:solidFill>
+                  <a:srgbClr val="4F7BC7"/>
+                </a:solidFill>
+                <a:latin typeface="Jet"/>
+                <a:ea typeface="Jet"/>
+                <a:cs typeface="Jet"/>
+                <a:sym typeface="Jet"/>
+              </a:rPr>
+              <a:t> </a:t>
+            </a:r>
+            <a:r>
+              <a:rPr lang="en-US" sz="3437" u="none" strike="noStrike" dirty="0" err="1">
+                <a:solidFill>
+                  <a:srgbClr val="4F7BC7"/>
+                </a:solidFill>
+                <a:latin typeface="Jet"/>
+                <a:ea typeface="Jet"/>
+                <a:cs typeface="Jet"/>
+                <a:sym typeface="Jet"/>
+              </a:rPr>
+              <a:t>rentrer</a:t>
+            </a:r>
+            <a:r>
+              <a:rPr lang="en-US" sz="3437" u="none" strike="noStrike" dirty="0">
+                <a:solidFill>
+                  <a:srgbClr val="4F7BC7"/>
+                </a:solidFill>
+                <a:latin typeface="Jet"/>
+                <a:ea typeface="Jet"/>
+                <a:cs typeface="Jet"/>
+                <a:sym typeface="Jet"/>
+              </a:rPr>
+              <a:t> ne </a:t>
+            </a:r>
+            <a:r>
+              <a:rPr lang="en-US" sz="3437" u="none" strike="noStrike" dirty="0" err="1">
+                <a:solidFill>
+                  <a:srgbClr val="4F7BC7"/>
+                </a:solidFill>
+                <a:latin typeface="Jet"/>
+                <a:ea typeface="Jet"/>
+                <a:cs typeface="Jet"/>
+                <a:sym typeface="Jet"/>
+              </a:rPr>
+              <a:t>sont</a:t>
+            </a:r>
+            <a:r>
+              <a:rPr lang="en-US" sz="3437" u="none" strike="noStrike" dirty="0">
+                <a:solidFill>
+                  <a:srgbClr val="4F7BC7"/>
+                </a:solidFill>
+                <a:latin typeface="Jet"/>
+                <a:ea typeface="Jet"/>
+                <a:cs typeface="Jet"/>
+                <a:sym typeface="Jet"/>
+              </a:rPr>
+              <a:t> pas </a:t>
+            </a:r>
+            <a:r>
+              <a:rPr lang="en-US" sz="3437" u="none" strike="noStrike" dirty="0" err="1">
+                <a:solidFill>
+                  <a:srgbClr val="4F7BC7"/>
+                </a:solidFill>
+                <a:latin typeface="Jet"/>
+                <a:ea typeface="Jet"/>
+                <a:cs typeface="Jet"/>
+                <a:sym typeface="Jet"/>
+              </a:rPr>
+              <a:t>valide</a:t>
+            </a:r>
+            <a:endParaRPr lang="en-US" sz="3437" u="none" strike="noStrike" dirty="0">
+              <a:solidFill>
+                <a:srgbClr val="4F7BC7"/>
+              </a:solidFill>
+              <a:latin typeface="Jet"/>
+              <a:ea typeface="Jet"/>
+              <a:cs typeface="Jet"/>
+              <a:sym typeface="Jet"/>
+            </a:endParaRPr>
           </a:p>
         </p:txBody>
       </p:sp>
       <p:sp>
         <p:nvSpPr>
-          <p:cNvPr name="Freeform 14" id="14"/>
+          <p:cNvPr id="14" name="Freeform 14"/>
           <p:cNvSpPr/>
           <p:nvPr/>
         </p:nvSpPr>
         <p:spPr>
-          <a:xfrm flipH="false" flipV="false" rot="0">
+          <a:xfrm>
             <a:off x="17570909" y="6146977"/>
             <a:ext cx="2534795" cy="2586526"/>
           </a:xfrm>
@@ -9060,9 +10063,9 @@
             <a:gdLst/>
             <a:ahLst/>
             <a:cxnLst/>
-            <a:rect r="r" b="b" t="t" l="l"/>
+            <a:rect l="l" t="t" r="r" b="b"/>
             <a:pathLst>
-              <a:path h="2586526" w="2534795">
+              <a:path w="2534795" h="2586526">
                 <a:moveTo>
                   <a:pt x="0" y="0"/>
                 </a:moveTo>
@@ -9091,19 +10094,19 @@
               </a:extLst>
             </a:blip>
             <a:stretch>
-              <a:fillRect l="0" t="0" r="0" b="0"/>
+              <a:fillRect/>
             </a:stretch>
           </a:blipFill>
         </p:spPr>
       </p:sp>
       <p:sp>
         <p:nvSpPr>
-          <p:cNvPr name="Freeform 15" id="15"/>
+          <p:cNvPr id="15" name="Freeform 15"/>
           <p:cNvSpPr/>
           <p:nvPr/>
         </p:nvSpPr>
         <p:spPr>
-          <a:xfrm flipH="false" flipV="false" rot="0">
+          <a:xfrm>
             <a:off x="15980614" y="8615741"/>
             <a:ext cx="2857693" cy="2405658"/>
           </a:xfrm>
@@ -9112,9 +10115,9 @@
             <a:gdLst/>
             <a:ahLst/>
             <a:cxnLst/>
-            <a:rect r="r" b="b" t="t" l="l"/>
+            <a:rect l="l" t="t" r="r" b="b"/>
             <a:pathLst>
-              <a:path h="2405658" w="2857693">
+              <a:path w="2857693" h="2405658">
                 <a:moveTo>
                   <a:pt x="0" y="0"/>
                 </a:moveTo>
@@ -9143,19 +10146,19 @@
               </a:extLst>
             </a:blip>
             <a:stretch>
-              <a:fillRect l="0" t="0" r="0" b="0"/>
+              <a:fillRect/>
             </a:stretch>
           </a:blipFill>
         </p:spPr>
       </p:sp>
       <p:sp>
         <p:nvSpPr>
-          <p:cNvPr name="Freeform 16" id="16"/>
+          <p:cNvPr id="16" name="Freeform 16"/>
           <p:cNvSpPr/>
           <p:nvPr/>
         </p:nvSpPr>
         <p:spPr>
-          <a:xfrm flipH="false" flipV="false" rot="0">
+          <a:xfrm>
             <a:off x="-573764" y="-608703"/>
             <a:ext cx="2857693" cy="2405658"/>
           </a:xfrm>
@@ -9164,9 +10167,9 @@
             <a:gdLst/>
             <a:ahLst/>
             <a:cxnLst/>
-            <a:rect r="r" b="b" t="t" l="l"/>
+            <a:rect l="l" t="t" r="r" b="b"/>
             <a:pathLst>
-              <a:path h="2405658" w="2857693">
+              <a:path w="2857693" h="2405658">
                 <a:moveTo>
                   <a:pt x="0" y="0"/>
                 </a:moveTo>
@@ -9195,7 +10198,7 @@
               </a:extLst>
             </a:blip>
             <a:stretch>
-              <a:fillRect l="0" t="0" r="0" b="0"/>
+              <a:fillRect/>
             </a:stretch>
           </a:blipFill>
         </p:spPr>
@@ -9209,13 +10212,14 @@
 </file>
 
 <file path=ppt/slides/slide8.xml><?xml version="1.0" encoding="utf-8"?>
-<p:sld xmlns:p="http://schemas.openxmlformats.org/presentationml/2006/main" xmlns:a="http://schemas.openxmlformats.org/drawingml/2006/main" xmlns:r="http://schemas.openxmlformats.org/officeDocument/2006/relationships">
+<p:sld xmlns:a="http://schemas.openxmlformats.org/drawingml/2006/main" xmlns:r="http://schemas.openxmlformats.org/officeDocument/2006/relationships" xmlns:p="http://schemas.openxmlformats.org/presentationml/2006/main">
   <p:cSld>
     <p:bg>
       <p:bgPr>
         <a:solidFill>
           <a:srgbClr val="CAE8FF"/>
         </a:solidFill>
+        <a:effectLst/>
       </p:bgPr>
     </p:bg>
     <p:spTree>
@@ -9234,12 +10238,12 @@
       </p:grpSpPr>
       <p:sp>
         <p:nvSpPr>
-          <p:cNvPr name="Freeform 2" id="2"/>
+          <p:cNvPr id="2" name="Freeform 2"/>
           <p:cNvSpPr/>
           <p:nvPr/>
         </p:nvSpPr>
         <p:spPr>
-          <a:xfrm flipH="true" flipV="false" rot="0">
+          <a:xfrm flipH="1">
             <a:off x="-793901" y="7885045"/>
             <a:ext cx="7315200" cy="3274807"/>
           </a:xfrm>
@@ -9248,9 +10252,9 @@
             <a:gdLst/>
             <a:ahLst/>
             <a:cxnLst/>
-            <a:rect r="r" b="b" t="t" l="l"/>
+            <a:rect l="l" t="t" r="r" b="b"/>
             <a:pathLst>
-              <a:path h="3274807" w="7315200">
+              <a:path w="7315200" h="3274807">
                 <a:moveTo>
                   <a:pt x="7315200" y="0"/>
                 </a:moveTo>
@@ -9279,19 +10283,19 @@
               </a:extLst>
             </a:blip>
             <a:stretch>
-              <a:fillRect l="0" t="0" r="0" b="0"/>
+              <a:fillRect/>
             </a:stretch>
           </a:blipFill>
         </p:spPr>
       </p:sp>
       <p:sp>
         <p:nvSpPr>
-          <p:cNvPr name="Freeform 3" id="3"/>
+          <p:cNvPr id="3" name="Freeform 3"/>
           <p:cNvSpPr/>
           <p:nvPr/>
         </p:nvSpPr>
         <p:spPr>
-          <a:xfrm flipH="false" flipV="false" rot="0">
+          <a:xfrm>
             <a:off x="13823566" y="7160107"/>
             <a:ext cx="6282137" cy="4114800"/>
           </a:xfrm>
@@ -9300,9 +10304,9 @@
             <a:gdLst/>
             <a:ahLst/>
             <a:cxnLst/>
-            <a:rect r="r" b="b" t="t" l="l"/>
+            <a:rect l="l" t="t" r="r" b="b"/>
             <a:pathLst>
-              <a:path h="4114800" w="6282137">
+              <a:path w="6282137" h="4114800">
                 <a:moveTo>
                   <a:pt x="0" y="0"/>
                 </a:moveTo>
@@ -9331,19 +10335,19 @@
               </a:extLst>
             </a:blip>
             <a:stretch>
-              <a:fillRect l="0" t="0" r="0" b="0"/>
+              <a:fillRect/>
             </a:stretch>
           </a:blipFill>
         </p:spPr>
       </p:sp>
       <p:sp>
         <p:nvSpPr>
-          <p:cNvPr name="Freeform 4" id="4"/>
+          <p:cNvPr id="4" name="Freeform 4"/>
           <p:cNvSpPr/>
           <p:nvPr/>
         </p:nvSpPr>
         <p:spPr>
-          <a:xfrm flipH="true" flipV="true" rot="0">
+          <a:xfrm flipH="1" flipV="1">
             <a:off x="-2112369" y="-1028700"/>
             <a:ext cx="6282137" cy="4114800"/>
           </a:xfrm>
@@ -9352,9 +10356,9 @@
             <a:gdLst/>
             <a:ahLst/>
             <a:cxnLst/>
-            <a:rect r="r" b="b" t="t" l="l"/>
+            <a:rect l="l" t="t" r="r" b="b"/>
             <a:pathLst>
-              <a:path h="4114800" w="6282137">
+              <a:path w="6282137" h="4114800">
                 <a:moveTo>
                   <a:pt x="6282138" y="4114800"/>
                 </a:moveTo>
@@ -9383,19 +10387,19 @@
               </a:extLst>
             </a:blip>
             <a:stretch>
-              <a:fillRect l="0" t="0" r="0" b="0"/>
+              <a:fillRect/>
             </a:stretch>
           </a:blipFill>
         </p:spPr>
       </p:sp>
       <p:sp>
         <p:nvSpPr>
-          <p:cNvPr name="Freeform 5" id="5"/>
+          <p:cNvPr id="5" name="Freeform 5"/>
           <p:cNvSpPr/>
           <p:nvPr/>
         </p:nvSpPr>
         <p:spPr>
-          <a:xfrm flipH="false" flipV="true" rot="0">
+          <a:xfrm flipV="1">
             <a:off x="12520266" y="-608703"/>
             <a:ext cx="7315200" cy="3274807"/>
           </a:xfrm>
@@ -9404,9 +10408,9 @@
             <a:gdLst/>
             <a:ahLst/>
             <a:cxnLst/>
-            <a:rect r="r" b="b" t="t" l="l"/>
+            <a:rect l="l" t="t" r="r" b="b"/>
             <a:pathLst>
-              <a:path h="3274807" w="7315200">
+              <a:path w="7315200" h="3274807">
                 <a:moveTo>
                   <a:pt x="0" y="3274806"/>
                 </a:moveTo>
@@ -9435,19 +10439,19 @@
               </a:extLst>
             </a:blip>
             <a:stretch>
-              <a:fillRect l="0" t="0" r="0" b="0"/>
+              <a:fillRect/>
             </a:stretch>
           </a:blipFill>
         </p:spPr>
       </p:sp>
       <p:sp>
         <p:nvSpPr>
-          <p:cNvPr name="Freeform 6" id="6"/>
+          <p:cNvPr id="6" name="Freeform 6"/>
           <p:cNvSpPr/>
           <p:nvPr/>
         </p:nvSpPr>
         <p:spPr>
-          <a:xfrm flipH="false" flipV="false" rot="0">
+          <a:xfrm>
             <a:off x="10639314" y="-2353783"/>
             <a:ext cx="3420356" cy="3490159"/>
           </a:xfrm>
@@ -9456,9 +10460,9 @@
             <a:gdLst/>
             <a:ahLst/>
             <a:cxnLst/>
-            <a:rect r="r" b="b" t="t" l="l"/>
+            <a:rect l="l" t="t" r="r" b="b"/>
             <a:pathLst>
-              <a:path h="3490159" w="3420356">
+              <a:path w="3420356" h="3490159">
                 <a:moveTo>
                   <a:pt x="0" y="0"/>
                 </a:moveTo>
@@ -9487,19 +10491,19 @@
               </a:extLst>
             </a:blip>
             <a:stretch>
-              <a:fillRect l="0" t="0" r="0" b="0"/>
+              <a:fillRect/>
             </a:stretch>
           </a:blipFill>
         </p:spPr>
       </p:sp>
       <p:sp>
         <p:nvSpPr>
-          <p:cNvPr name="Freeform 7" id="7"/>
+          <p:cNvPr id="7" name="Freeform 7"/>
           <p:cNvSpPr/>
           <p:nvPr/>
         </p:nvSpPr>
         <p:spPr>
-          <a:xfrm flipH="false" flipV="false" rot="0">
+          <a:xfrm>
             <a:off x="-2565274" y="6600548"/>
             <a:ext cx="3420356" cy="3490159"/>
           </a:xfrm>
@@ -9508,9 +10512,9 @@
             <a:gdLst/>
             <a:ahLst/>
             <a:cxnLst/>
-            <a:rect r="r" b="b" t="t" l="l"/>
+            <a:rect l="l" t="t" r="r" b="b"/>
             <a:pathLst>
-              <a:path h="3490159" w="3420356">
+              <a:path w="3420356" h="3490159">
                 <a:moveTo>
                   <a:pt x="0" y="0"/>
                 </a:moveTo>
@@ -9539,19 +10543,19 @@
               </a:extLst>
             </a:blip>
             <a:stretch>
-              <a:fillRect l="0" t="0" r="0" b="0"/>
+              <a:fillRect/>
             </a:stretch>
           </a:blipFill>
         </p:spPr>
       </p:sp>
       <p:sp>
         <p:nvSpPr>
-          <p:cNvPr name="Freeform 8" id="8"/>
+          <p:cNvPr id="8" name="Freeform 8"/>
           <p:cNvSpPr/>
           <p:nvPr/>
         </p:nvSpPr>
         <p:spPr>
-          <a:xfrm flipH="false" flipV="false" rot="-3497361">
+          <a:xfrm rot="-3497361">
             <a:off x="12366645" y="9293401"/>
             <a:ext cx="3061541" cy="3129828"/>
           </a:xfrm>
@@ -9560,9 +10564,9 @@
             <a:gdLst/>
             <a:ahLst/>
             <a:cxnLst/>
-            <a:rect r="r" b="b" t="t" l="l"/>
+            <a:rect l="l" t="t" r="r" b="b"/>
             <a:pathLst>
-              <a:path h="3129828" w="3061541">
+              <a:path w="3061541" h="3129828">
                 <a:moveTo>
                   <a:pt x="0" y="0"/>
                 </a:moveTo>
@@ -9591,19 +10595,19 @@
               </a:extLst>
             </a:blip>
             <a:stretch>
-              <a:fillRect l="0" t="0" r="0" b="0"/>
+              <a:fillRect/>
             </a:stretch>
           </a:blipFill>
         </p:spPr>
       </p:sp>
       <p:sp>
         <p:nvSpPr>
-          <p:cNvPr name="Freeform 9" id="9"/>
+          <p:cNvPr id="9" name="Freeform 9"/>
           <p:cNvSpPr/>
           <p:nvPr/>
         </p:nvSpPr>
         <p:spPr>
-          <a:xfrm flipH="false" flipV="false" rot="-3497361">
+          <a:xfrm rot="-3497361">
             <a:off x="2254467" y="-2259419"/>
             <a:ext cx="3061541" cy="3129828"/>
           </a:xfrm>
@@ -9612,9 +10616,9 @@
             <a:gdLst/>
             <a:ahLst/>
             <a:cxnLst/>
-            <a:rect r="r" b="b" t="t" l="l"/>
+            <a:rect l="l" t="t" r="r" b="b"/>
             <a:pathLst>
-              <a:path h="3129828" w="3061541">
+              <a:path w="3061541" h="3129828">
                 <a:moveTo>
                   <a:pt x="0" y="0"/>
                 </a:moveTo>
@@ -9643,19 +10647,19 @@
               </a:extLst>
             </a:blip>
             <a:stretch>
-              <a:fillRect l="0" t="0" r="0" b="0"/>
+              <a:fillRect/>
             </a:stretch>
           </a:blipFill>
         </p:spPr>
       </p:sp>
       <p:sp>
         <p:nvSpPr>
-          <p:cNvPr name="TextBox 10" id="10"/>
-          <p:cNvSpPr txBox="true"/>
-          <p:nvPr/>
-        </p:nvSpPr>
-        <p:spPr>
-          <a:xfrm rot="0">
+          <p:cNvPr id="10" name="TextBox 10"/>
+          <p:cNvSpPr txBox="1"/>
+          <p:nvPr/>
+        </p:nvSpPr>
+        <p:spPr>
+          <a:xfrm>
             <a:off x="5016700" y="2624264"/>
             <a:ext cx="8254600" cy="5790948"/>
           </a:xfrm>
@@ -9664,7 +10668,7 @@
           </a:prstGeom>
         </p:spPr>
         <p:txBody>
-          <a:bodyPr anchor="t" rtlCol="false" tIns="0" lIns="0" bIns="0" rIns="0">
+          <a:bodyPr lIns="0" tIns="0" rIns="0" bIns="0" rtlCol="0" anchor="t">
             <a:spAutoFit/>
           </a:bodyPr>
           <a:lstStyle/>
@@ -9691,12 +10695,12 @@
       </p:sp>
       <p:sp>
         <p:nvSpPr>
-          <p:cNvPr name="Freeform 11" id="11"/>
+          <p:cNvPr id="11" name="Freeform 11"/>
           <p:cNvSpPr/>
           <p:nvPr/>
         </p:nvSpPr>
         <p:spPr>
-          <a:xfrm flipH="false" flipV="false" rot="0">
+          <a:xfrm>
             <a:off x="15418916" y="183358"/>
             <a:ext cx="1517898" cy="1906037"/>
           </a:xfrm>
@@ -9705,9 +10709,9 @@
             <a:gdLst/>
             <a:ahLst/>
             <a:cxnLst/>
-            <a:rect r="r" b="b" t="t" l="l"/>
+            <a:rect l="l" t="t" r="r" b="b"/>
             <a:pathLst>
-              <a:path h="1906037" w="1517898">
+              <a:path w="1517898" h="1906037">
                 <a:moveTo>
                   <a:pt x="0" y="0"/>
                 </a:moveTo>
@@ -9736,19 +10740,19 @@
               </a:extLst>
             </a:blip>
             <a:stretch>
-              <a:fillRect l="0" t="0" r="0" b="0"/>
+              <a:fillRect/>
             </a:stretch>
           </a:blipFill>
         </p:spPr>
       </p:sp>
       <p:sp>
         <p:nvSpPr>
-          <p:cNvPr name="Freeform 12" id="12"/>
+          <p:cNvPr id="12" name="Freeform 12"/>
           <p:cNvSpPr/>
           <p:nvPr/>
         </p:nvSpPr>
         <p:spPr>
-          <a:xfrm flipH="false" flipV="false" rot="0">
+          <a:xfrm>
             <a:off x="1649325" y="8616443"/>
             <a:ext cx="2592823" cy="1202127"/>
           </a:xfrm>
@@ -9757,9 +10761,9 @@
             <a:gdLst/>
             <a:ahLst/>
             <a:cxnLst/>
-            <a:rect r="r" b="b" t="t" l="l"/>
+            <a:rect l="l" t="t" r="r" b="b"/>
             <a:pathLst>
-              <a:path h="1202127" w="2592823">
+              <a:path w="2592823" h="1202127">
                 <a:moveTo>
                   <a:pt x="0" y="0"/>
                 </a:moveTo>
@@ -9788,19 +10792,19 @@
               </a:extLst>
             </a:blip>
             <a:stretch>
-              <a:fillRect l="0" t="0" r="0" b="0"/>
+              <a:fillRect/>
             </a:stretch>
           </a:blipFill>
         </p:spPr>
       </p:sp>
       <p:sp>
         <p:nvSpPr>
-          <p:cNvPr name="Freeform 13" id="13"/>
+          <p:cNvPr id="13" name="Freeform 13"/>
           <p:cNvSpPr/>
           <p:nvPr/>
         </p:nvSpPr>
         <p:spPr>
-          <a:xfrm flipH="false" flipV="false" rot="0">
+          <a:xfrm>
             <a:off x="17570909" y="6146977"/>
             <a:ext cx="2534795" cy="2586526"/>
           </a:xfrm>
@@ -9809,9 +10813,9 @@
             <a:gdLst/>
             <a:ahLst/>
             <a:cxnLst/>
-            <a:rect r="r" b="b" t="t" l="l"/>
+            <a:rect l="l" t="t" r="r" b="b"/>
             <a:pathLst>
-              <a:path h="2586526" w="2534795">
+              <a:path w="2534795" h="2586526">
                 <a:moveTo>
                   <a:pt x="0" y="0"/>
                 </a:moveTo>
@@ -9840,19 +10844,19 @@
               </a:extLst>
             </a:blip>
             <a:stretch>
-              <a:fillRect l="0" t="0" r="0" b="0"/>
+              <a:fillRect/>
             </a:stretch>
           </a:blipFill>
         </p:spPr>
       </p:sp>
       <p:sp>
         <p:nvSpPr>
-          <p:cNvPr name="Freeform 14" id="14"/>
+          <p:cNvPr id="14" name="Freeform 14"/>
           <p:cNvSpPr/>
           <p:nvPr/>
         </p:nvSpPr>
         <p:spPr>
-          <a:xfrm flipH="false" flipV="false" rot="0">
+          <a:xfrm>
             <a:off x="-573764" y="-608703"/>
             <a:ext cx="2857693" cy="2405658"/>
           </a:xfrm>
@@ -9861,9 +10865,9 @@
             <a:gdLst/>
             <a:ahLst/>
             <a:cxnLst/>
-            <a:rect r="r" b="b" t="t" l="l"/>
+            <a:rect l="l" t="t" r="r" b="b"/>
             <a:pathLst>
-              <a:path h="2405658" w="2857693">
+              <a:path w="2857693" h="2405658">
                 <a:moveTo>
                   <a:pt x="0" y="0"/>
                 </a:moveTo>
@@ -9892,19 +10896,19 @@
               </a:extLst>
             </a:blip>
             <a:stretch>
-              <a:fillRect l="0" t="0" r="0" b="0"/>
+              <a:fillRect/>
             </a:stretch>
           </a:blipFill>
         </p:spPr>
       </p:sp>
       <p:sp>
         <p:nvSpPr>
-          <p:cNvPr name="Freeform 15" id="15"/>
+          <p:cNvPr id="15" name="Freeform 15"/>
           <p:cNvSpPr/>
           <p:nvPr/>
         </p:nvSpPr>
         <p:spPr>
-          <a:xfrm flipH="false" flipV="false" rot="0">
+          <a:xfrm>
             <a:off x="15980614" y="8615741"/>
             <a:ext cx="2857693" cy="2405658"/>
           </a:xfrm>
@@ -9913,9 +10917,9 @@
             <a:gdLst/>
             <a:ahLst/>
             <a:cxnLst/>
-            <a:rect r="r" b="b" t="t" l="l"/>
+            <a:rect l="l" t="t" r="r" b="b"/>
             <a:pathLst>
-              <a:path h="2405658" w="2857693">
+              <a:path w="2857693" h="2405658">
                 <a:moveTo>
                   <a:pt x="0" y="0"/>
                 </a:moveTo>
@@ -9944,7 +10948,7 @@
               </a:extLst>
             </a:blip>
             <a:stretch>
-              <a:fillRect l="0" t="0" r="0" b="0"/>
+              <a:fillRect/>
             </a:stretch>
           </a:blipFill>
         </p:spPr>
